--- a/Fundamentals/pollacks_rule/lecture_slides.pptx
+++ b/Fundamentals/pollacks_rule/lecture_slides.pptx
@@ -5,24 +5,25 @@
     <p:sldMasterId id="2147483648" r:id="rId1"/>
   </p:sldMasterIdLst>
   <p:notesMasterIdLst>
-    <p:notesMasterId r:id="rId17"/>
+    <p:notesMasterId r:id="rId18"/>
   </p:notesMasterIdLst>
   <p:sldIdLst>
     <p:sldId id="256" r:id="rId2"/>
-    <p:sldId id="258" r:id="rId3"/>
-    <p:sldId id="260" r:id="rId4"/>
-    <p:sldId id="262" r:id="rId5"/>
-    <p:sldId id="269" r:id="rId6"/>
-    <p:sldId id="312" r:id="rId7"/>
-    <p:sldId id="263" r:id="rId8"/>
-    <p:sldId id="267" r:id="rId9"/>
-    <p:sldId id="270" r:id="rId10"/>
-    <p:sldId id="271" r:id="rId11"/>
-    <p:sldId id="280" r:id="rId12"/>
-    <p:sldId id="283" r:id="rId13"/>
-    <p:sldId id="279" r:id="rId14"/>
-    <p:sldId id="310" r:id="rId15"/>
-    <p:sldId id="311" r:id="rId16"/>
+    <p:sldId id="313" r:id="rId3"/>
+    <p:sldId id="258" r:id="rId4"/>
+    <p:sldId id="260" r:id="rId5"/>
+    <p:sldId id="262" r:id="rId6"/>
+    <p:sldId id="269" r:id="rId7"/>
+    <p:sldId id="312" r:id="rId8"/>
+    <p:sldId id="263" r:id="rId9"/>
+    <p:sldId id="267" r:id="rId10"/>
+    <p:sldId id="270" r:id="rId11"/>
+    <p:sldId id="271" r:id="rId12"/>
+    <p:sldId id="280" r:id="rId13"/>
+    <p:sldId id="283" r:id="rId14"/>
+    <p:sldId id="279" r:id="rId15"/>
+    <p:sldId id="310" r:id="rId16"/>
+    <p:sldId id="311" r:id="rId17"/>
   </p:sldIdLst>
   <p:sldSz cx="9144000" cy="6858000" type="screen4x3"/>
   <p:notesSz cx="6858000" cy="9144000"/>
@@ -222,7 +223,7 @@
           <a:p>
             <a:fld id="{9469DB13-C22C-F442-B7F3-F9EB0490D9DD}" type="datetimeFigureOut">
               <a:rPr lang="en-US" smtClean="0"/>
-              <a:t>7/3/20</a:t>
+              <a:t>7/18/22</a:t>
             </a:fld>
             <a:endParaRPr lang="en-US"/>
           </a:p>
@@ -655,7 +656,7 @@
           <a:p>
             <a:fld id="{BCFD7BB8-316F-7145-A6FC-E023150F8C1F}" type="slidenum">
               <a:rPr lang="en-US" smtClean="0"/>
-              <a:t>6</a:t>
+              <a:t>7</a:t>
             </a:fld>
             <a:endParaRPr lang="en-US"/>
           </a:p>
@@ -739,7 +740,7 @@
           <a:p>
             <a:fld id="{BCFD7BB8-316F-7145-A6FC-E023150F8C1F}" type="slidenum">
               <a:rPr lang="en-US" smtClean="0"/>
-              <a:t>9</a:t>
+              <a:t>10</a:t>
             </a:fld>
             <a:endParaRPr lang="en-US"/>
           </a:p>
@@ -826,7 +827,7 @@
           <a:p>
             <a:fld id="{BCFD7BB8-316F-7145-A6FC-E023150F8C1F}" type="slidenum">
               <a:rPr lang="en-US" smtClean="0"/>
-              <a:t>11</a:t>
+              <a:t>12</a:t>
             </a:fld>
             <a:endParaRPr lang="en-US"/>
           </a:p>
@@ -919,7 +920,7 @@
           <a:p>
             <a:fld id="{BCFD7BB8-316F-7145-A6FC-E023150F8C1F}" type="slidenum">
               <a:rPr lang="en-US" smtClean="0"/>
-              <a:t>13</a:t>
+              <a:t>14</a:t>
             </a:fld>
             <a:endParaRPr lang="en-US"/>
           </a:p>
@@ -1014,7 +1015,7 @@
           <a:p>
             <a:fld id="{BCFD7BB8-316F-7145-A6FC-E023150F8C1F}" type="slidenum">
               <a:rPr lang="en-US" smtClean="0"/>
-              <a:t>15</a:t>
+              <a:t>16</a:t>
             </a:fld>
             <a:endParaRPr lang="en-US"/>
           </a:p>
@@ -1212,7 +1213,7 @@
           <a:p>
             <a:fld id="{E0BDE9C3-A99F-B542-B075-08FB2E26F2F2}" type="datetimeFigureOut">
               <a:rPr lang="en-US" smtClean="0"/>
-              <a:t>7/3/20</a:t>
+              <a:t>7/18/22</a:t>
             </a:fld>
             <a:endParaRPr lang="en-US"/>
           </a:p>
@@ -1375,7 +1376,7 @@
           <a:p>
             <a:fld id="{E0BDE9C3-A99F-B542-B075-08FB2E26F2F2}" type="datetimeFigureOut">
               <a:rPr lang="en-US" smtClean="0"/>
-              <a:t>7/3/20</a:t>
+              <a:t>7/18/22</a:t>
             </a:fld>
             <a:endParaRPr lang="en-US"/>
           </a:p>
@@ -1548,7 +1549,7 @@
           <a:p>
             <a:fld id="{E0BDE9C3-A99F-B542-B075-08FB2E26F2F2}" type="datetimeFigureOut">
               <a:rPr lang="en-US" smtClean="0"/>
-              <a:t>7/3/20</a:t>
+              <a:t>7/18/22</a:t>
             </a:fld>
             <a:endParaRPr lang="en-US"/>
           </a:p>
@@ -1711,7 +1712,7 @@
           <a:p>
             <a:fld id="{E0BDE9C3-A99F-B542-B075-08FB2E26F2F2}" type="datetimeFigureOut">
               <a:rPr lang="en-US" smtClean="0"/>
-              <a:t>7/3/20</a:t>
+              <a:t>7/18/22</a:t>
             </a:fld>
             <a:endParaRPr lang="en-US"/>
           </a:p>
@@ -1951,7 +1952,7 @@
           <a:p>
             <a:fld id="{E0BDE9C3-A99F-B542-B075-08FB2E26F2F2}" type="datetimeFigureOut">
               <a:rPr lang="en-US" smtClean="0"/>
-              <a:t>7/3/20</a:t>
+              <a:t>7/18/22</a:t>
             </a:fld>
             <a:endParaRPr lang="en-US"/>
           </a:p>
@@ -2231,7 +2232,7 @@
           <a:p>
             <a:fld id="{E0BDE9C3-A99F-B542-B075-08FB2E26F2F2}" type="datetimeFigureOut">
               <a:rPr lang="en-US" smtClean="0"/>
-              <a:t>7/3/20</a:t>
+              <a:t>7/18/22</a:t>
             </a:fld>
             <a:endParaRPr lang="en-US"/>
           </a:p>
@@ -2645,7 +2646,7 @@
           <a:p>
             <a:fld id="{E0BDE9C3-A99F-B542-B075-08FB2E26F2F2}" type="datetimeFigureOut">
               <a:rPr lang="en-US" smtClean="0"/>
-              <a:t>7/3/20</a:t>
+              <a:t>7/18/22</a:t>
             </a:fld>
             <a:endParaRPr lang="en-US"/>
           </a:p>
@@ -2757,7 +2758,7 @@
           <a:p>
             <a:fld id="{E0BDE9C3-A99F-B542-B075-08FB2E26F2F2}" type="datetimeFigureOut">
               <a:rPr lang="en-US" smtClean="0"/>
-              <a:t>7/3/20</a:t>
+              <a:t>7/18/22</a:t>
             </a:fld>
             <a:endParaRPr lang="en-US"/>
           </a:p>
@@ -2847,7 +2848,7 @@
           <a:p>
             <a:fld id="{E0BDE9C3-A99F-B542-B075-08FB2E26F2F2}" type="datetimeFigureOut">
               <a:rPr lang="en-US" smtClean="0"/>
-              <a:t>7/3/20</a:t>
+              <a:t>7/18/22</a:t>
             </a:fld>
             <a:endParaRPr lang="en-US"/>
           </a:p>
@@ -3117,7 +3118,7 @@
           <a:p>
             <a:fld id="{E0BDE9C3-A99F-B542-B075-08FB2E26F2F2}" type="datetimeFigureOut">
               <a:rPr lang="en-US" smtClean="0"/>
-              <a:t>7/3/20</a:t>
+              <a:t>7/18/22</a:t>
             </a:fld>
             <a:endParaRPr lang="en-US"/>
           </a:p>
@@ -3364,7 +3365,7 @@
           <a:p>
             <a:fld id="{E0BDE9C3-A99F-B542-B075-08FB2E26F2F2}" type="datetimeFigureOut">
               <a:rPr lang="en-US" smtClean="0"/>
-              <a:t>7/3/20</a:t>
+              <a:t>7/18/22</a:t>
             </a:fld>
             <a:endParaRPr lang="en-US"/>
           </a:p>
@@ -3570,7 +3571,7 @@
           <a:p>
             <a:fld id="{E0BDE9C3-A99F-B542-B075-08FB2E26F2F2}" type="datetimeFigureOut">
               <a:rPr lang="en-US" smtClean="0"/>
-              <a:t>7/3/20</a:t>
+              <a:t>7/18/22</a:t>
             </a:fld>
             <a:endParaRPr lang="en-US"/>
           </a:p>
@@ -4026,1483 +4027,6 @@
         </p:nvSpPr>
         <p:spPr/>
         <p:txBody>
-          <a:bodyPr/>
-          <a:lstStyle/>
-          <a:p>
-            <a:r>
-              <a:rPr lang="en-US" dirty="0"/>
-              <a:t>What about unequal core sizes?</a:t>
-            </a:r>
-          </a:p>
-        </p:txBody>
-      </p:sp>
-      <p:sp>
-        <p:nvSpPr>
-          <p:cNvPr id="3" name="Content Placeholder 2"/>
-          <p:cNvSpPr>
-            <a:spLocks noGrp="1"/>
-          </p:cNvSpPr>
-          <p:nvPr>
-            <p:ph idx="1"/>
-          </p:nvPr>
-        </p:nvSpPr>
-        <p:spPr>
-          <a:xfrm>
-            <a:off x="457200" y="4041193"/>
-            <a:ext cx="8229600" cy="2084970"/>
-          </a:xfrm>
-        </p:spPr>
-        <p:txBody>
-          <a:bodyPr/>
-          <a:lstStyle/>
-          <a:p>
-            <a:endParaRPr lang="en-US"/>
-          </a:p>
-        </p:txBody>
-      </p:sp>
-      <p:grpSp>
-        <p:nvGrpSpPr>
-          <p:cNvPr id="9" name="Group 8"/>
-          <p:cNvGrpSpPr/>
-          <p:nvPr/>
-        </p:nvGrpSpPr>
-        <p:grpSpPr>
-          <a:xfrm>
-            <a:off x="3406002" y="1434795"/>
-            <a:ext cx="1674132" cy="1712696"/>
-            <a:chOff x="3406002" y="1799293"/>
-            <a:chExt cx="1674132" cy="1712696"/>
-          </a:xfrm>
-        </p:grpSpPr>
-        <p:sp>
-          <p:nvSpPr>
-            <p:cNvPr id="4" name="Rectangle 3"/>
-            <p:cNvSpPr/>
-            <p:nvPr/>
-          </p:nvSpPr>
-          <p:spPr>
-            <a:xfrm>
-              <a:off x="3406002" y="1799293"/>
-              <a:ext cx="837066" cy="1712696"/>
-            </a:xfrm>
-            <a:prstGeom prst="rect">
-              <a:avLst/>
-            </a:prstGeom>
-            <a:noFill/>
-            <a:ln>
-              <a:solidFill>
-                <a:schemeClr val="tx1"/>
-              </a:solidFill>
-            </a:ln>
-          </p:spPr>
-          <p:style>
-            <a:lnRef idx="1">
-              <a:schemeClr val="accent1"/>
-            </a:lnRef>
-            <a:fillRef idx="3">
-              <a:schemeClr val="accent1"/>
-            </a:fillRef>
-            <a:effectRef idx="2">
-              <a:schemeClr val="accent1"/>
-            </a:effectRef>
-            <a:fontRef idx="minor">
-              <a:schemeClr val="lt1"/>
-            </a:fontRef>
-          </p:style>
-          <p:txBody>
-            <a:bodyPr rtlCol="0" anchor="ctr"/>
-            <a:lstStyle/>
-            <a:p>
-              <a:pPr algn="ctr"/>
-              <a:r>
-                <a:rPr lang="en-US" dirty="0">
-                  <a:solidFill>
-                    <a:srgbClr val="000000"/>
-                  </a:solidFill>
-                </a:rPr>
-                <a:t>1/2</a:t>
-              </a:r>
-            </a:p>
-          </p:txBody>
-        </p:sp>
-        <p:sp>
-          <p:nvSpPr>
-            <p:cNvPr id="7" name="Rectangle 6"/>
-            <p:cNvSpPr/>
-            <p:nvPr/>
-          </p:nvSpPr>
-          <p:spPr>
-            <a:xfrm>
-              <a:off x="4243068" y="1799293"/>
-              <a:ext cx="837066" cy="856348"/>
-            </a:xfrm>
-            <a:prstGeom prst="rect">
-              <a:avLst/>
-            </a:prstGeom>
-            <a:noFill/>
-            <a:ln>
-              <a:solidFill>
-                <a:schemeClr val="tx1"/>
-              </a:solidFill>
-            </a:ln>
-          </p:spPr>
-          <p:style>
-            <a:lnRef idx="1">
-              <a:schemeClr val="accent1"/>
-            </a:lnRef>
-            <a:fillRef idx="3">
-              <a:schemeClr val="accent1"/>
-            </a:fillRef>
-            <a:effectRef idx="2">
-              <a:schemeClr val="accent1"/>
-            </a:effectRef>
-            <a:fontRef idx="minor">
-              <a:schemeClr val="lt1"/>
-            </a:fontRef>
-          </p:style>
-          <p:txBody>
-            <a:bodyPr rtlCol="0" anchor="ctr"/>
-            <a:lstStyle/>
-            <a:p>
-              <a:pPr algn="ctr"/>
-              <a:r>
-                <a:rPr lang="en-US" dirty="0">
-                  <a:solidFill>
-                    <a:srgbClr val="000000"/>
-                  </a:solidFill>
-                </a:rPr>
-                <a:t>1/4</a:t>
-              </a:r>
-            </a:p>
-          </p:txBody>
-        </p:sp>
-        <p:sp>
-          <p:nvSpPr>
-            <p:cNvPr id="8" name="Rectangle 7"/>
-            <p:cNvSpPr/>
-            <p:nvPr/>
-          </p:nvSpPr>
-          <p:spPr>
-            <a:xfrm>
-              <a:off x="4243068" y="2655641"/>
-              <a:ext cx="837066" cy="856348"/>
-            </a:xfrm>
-            <a:prstGeom prst="rect">
-              <a:avLst/>
-            </a:prstGeom>
-            <a:noFill/>
-            <a:ln>
-              <a:solidFill>
-                <a:schemeClr val="tx1"/>
-              </a:solidFill>
-            </a:ln>
-          </p:spPr>
-          <p:style>
-            <a:lnRef idx="1">
-              <a:schemeClr val="accent1"/>
-            </a:lnRef>
-            <a:fillRef idx="3">
-              <a:schemeClr val="accent1"/>
-            </a:fillRef>
-            <a:effectRef idx="2">
-              <a:schemeClr val="accent1"/>
-            </a:effectRef>
-            <a:fontRef idx="minor">
-              <a:schemeClr val="lt1"/>
-            </a:fontRef>
-          </p:style>
-          <p:txBody>
-            <a:bodyPr rtlCol="0" anchor="ctr"/>
-            <a:lstStyle/>
-            <a:p>
-              <a:pPr algn="ctr"/>
-              <a:r>
-                <a:rPr lang="en-US" dirty="0">
-                  <a:solidFill>
-                    <a:srgbClr val="000000"/>
-                  </a:solidFill>
-                </a:rPr>
-                <a:t>1/4</a:t>
-              </a:r>
-            </a:p>
-          </p:txBody>
-        </p:sp>
-      </p:grpSp>
-      <p:sp>
-        <p:nvSpPr>
-          <p:cNvPr id="10" name="Rectangular Callout 9"/>
-          <p:cNvSpPr/>
-          <p:nvPr/>
-        </p:nvSpPr>
-        <p:spPr>
-          <a:xfrm>
-            <a:off x="5303255" y="1434795"/>
-            <a:ext cx="1810868" cy="399492"/>
-          </a:xfrm>
-          <a:prstGeom prst="wedgeRectCallout">
-            <a:avLst>
-              <a:gd name="adj1" fmla="val -70322"/>
-              <a:gd name="adj2" fmla="val 44839"/>
-            </a:avLst>
-          </a:prstGeom>
-        </p:spPr>
-        <p:style>
-          <a:lnRef idx="1">
-            <a:schemeClr val="accent1"/>
-          </a:lnRef>
-          <a:fillRef idx="3">
-            <a:schemeClr val="accent1"/>
-          </a:fillRef>
-          <a:effectRef idx="2">
-            <a:schemeClr val="accent1"/>
-          </a:effectRef>
-          <a:fontRef idx="minor">
-            <a:schemeClr val="lt1"/>
-          </a:fontRef>
-        </p:style>
-        <p:txBody>
-          <a:bodyPr rtlCol="0" anchor="ctr"/>
-          <a:lstStyle/>
-          <a:p>
-            <a:pPr algn="ctr"/>
-            <a:r>
-              <a:rPr lang="en-US" dirty="0">
-                <a:solidFill>
-                  <a:schemeClr val="tx1"/>
-                </a:solidFill>
-              </a:rPr>
-              <a:t>performance ½</a:t>
-            </a:r>
-          </a:p>
-        </p:txBody>
-      </p:sp>
-      <p:sp>
-        <p:nvSpPr>
-          <p:cNvPr id="11" name="Rectangular Callout 10"/>
-          <p:cNvSpPr/>
-          <p:nvPr/>
-        </p:nvSpPr>
-        <p:spPr>
-          <a:xfrm>
-            <a:off x="1434118" y="1834286"/>
-            <a:ext cx="1810868" cy="693737"/>
-          </a:xfrm>
-          <a:prstGeom prst="wedgeRectCallout">
-            <a:avLst>
-              <a:gd name="adj1" fmla="val 64743"/>
-              <a:gd name="adj2" fmla="val -923"/>
-            </a:avLst>
-          </a:prstGeom>
-        </p:spPr>
-        <p:style>
-          <a:lnRef idx="1">
-            <a:schemeClr val="accent1"/>
-          </a:lnRef>
-          <a:fillRef idx="3">
-            <a:schemeClr val="accent1"/>
-          </a:fillRef>
-          <a:effectRef idx="2">
-            <a:schemeClr val="accent1"/>
-          </a:effectRef>
-          <a:fontRef idx="minor">
-            <a:schemeClr val="lt1"/>
-          </a:fontRef>
-        </p:style>
-        <p:txBody>
-          <a:bodyPr rtlCol="0" anchor="ctr"/>
-          <a:lstStyle/>
-          <a:p>
-            <a:pPr algn="ctr"/>
-            <a:r>
-              <a:rPr lang="en-US" dirty="0">
-                <a:solidFill>
-                  <a:schemeClr val="tx1"/>
-                </a:solidFill>
-              </a:rPr>
-              <a:t>performance</a:t>
-            </a:r>
-          </a:p>
-          <a:p>
-            <a:pPr algn="ctr"/>
-            <a:r>
-              <a:rPr lang="en-US" dirty="0">
-                <a:solidFill>
-                  <a:schemeClr val="tx1"/>
-                </a:solidFill>
-              </a:rPr>
-              <a:t>sqrt(1/2) ≈ 0.707</a:t>
-            </a:r>
-          </a:p>
-        </p:txBody>
-      </p:sp>
-    </p:spTree>
-  </p:cSld>
-  <p:clrMapOvr>
-    <a:masterClrMapping/>
-  </p:clrMapOvr>
-</p:sld>
-</file>
-
-<file path=ppt/slides/slide11.xml><?xml version="1.0" encoding="utf-8"?>
-<p:sld xmlns:a="http://schemas.openxmlformats.org/drawingml/2006/main" xmlns:r="http://schemas.openxmlformats.org/officeDocument/2006/relationships" xmlns:p="http://schemas.openxmlformats.org/presentationml/2006/main">
-  <p:cSld>
-    <p:spTree>
-      <p:nvGrpSpPr>
-        <p:cNvPr id="1" name=""/>
-        <p:cNvGrpSpPr/>
-        <p:nvPr/>
-      </p:nvGrpSpPr>
-      <p:grpSpPr>
-        <a:xfrm>
-          <a:off x="0" y="0"/>
-          <a:ext cx="0" cy="0"/>
-          <a:chOff x="0" y="0"/>
-          <a:chExt cx="0" cy="0"/>
-        </a:xfrm>
-      </p:grpSpPr>
-      <p:sp>
-        <p:nvSpPr>
-          <p:cNvPr id="2" name="Title 1"/>
-          <p:cNvSpPr>
-            <a:spLocks noGrp="1"/>
-          </p:cNvSpPr>
-          <p:nvPr>
-            <p:ph type="title"/>
-          </p:nvPr>
-        </p:nvSpPr>
-        <p:spPr/>
-        <p:txBody>
-          <a:bodyPr/>
-          <a:lstStyle/>
-          <a:p>
-            <a:r>
-              <a:rPr lang="en-US" dirty="0"/>
-              <a:t>What about unequal core sizes?</a:t>
-            </a:r>
-          </a:p>
-        </p:txBody>
-      </p:sp>
-      <p:sp>
-        <p:nvSpPr>
-          <p:cNvPr id="3" name="Content Placeholder 2"/>
-          <p:cNvSpPr>
-            <a:spLocks noGrp="1"/>
-          </p:cNvSpPr>
-          <p:nvPr>
-            <p:ph idx="1"/>
-          </p:nvPr>
-        </p:nvSpPr>
-        <p:spPr>
-          <a:xfrm>
-            <a:off x="457200" y="4003840"/>
-            <a:ext cx="8229600" cy="2486608"/>
-          </a:xfrm>
-        </p:spPr>
-        <p:txBody>
-          <a:bodyPr>
-            <a:normAutofit/>
-          </a:bodyPr>
-          <a:lstStyle/>
-          <a:p>
-            <a:pPr>
-              <a:buNone/>
-            </a:pPr>
-            <a:r>
-              <a:rPr lang="en-US" dirty="0"/>
-              <a:t>By what factor does the peak performance of this system differ from a single core?</a:t>
-            </a:r>
-          </a:p>
-          <a:p>
-            <a:pPr>
-              <a:buNone/>
-            </a:pPr>
-            <a:endParaRPr lang="en-US" dirty="0"/>
-          </a:p>
-          <a:p>
-            <a:pPr>
-              <a:buNone/>
-            </a:pPr>
-            <a:r>
-              <a:rPr lang="en-US" dirty="0"/>
-              <a:t>0.707 + 2 ✕ 0.5 = 1.707 times as much</a:t>
-            </a:r>
-          </a:p>
-        </p:txBody>
-      </p:sp>
-      <p:grpSp>
-        <p:nvGrpSpPr>
-          <p:cNvPr id="5" name="Group 8"/>
-          <p:cNvGrpSpPr/>
-          <p:nvPr/>
-        </p:nvGrpSpPr>
-        <p:grpSpPr>
-          <a:xfrm>
-            <a:off x="3406002" y="1434795"/>
-            <a:ext cx="1674132" cy="1712696"/>
-            <a:chOff x="3406002" y="1799293"/>
-            <a:chExt cx="1674132" cy="1712696"/>
-          </a:xfrm>
-        </p:grpSpPr>
-        <p:sp>
-          <p:nvSpPr>
-            <p:cNvPr id="4" name="Rectangle 3"/>
-            <p:cNvSpPr/>
-            <p:nvPr/>
-          </p:nvSpPr>
-          <p:spPr>
-            <a:xfrm>
-              <a:off x="3406002" y="1799293"/>
-              <a:ext cx="837066" cy="1712696"/>
-            </a:xfrm>
-            <a:prstGeom prst="rect">
-              <a:avLst/>
-            </a:prstGeom>
-            <a:noFill/>
-            <a:ln>
-              <a:solidFill>
-                <a:schemeClr val="tx1"/>
-              </a:solidFill>
-            </a:ln>
-          </p:spPr>
-          <p:style>
-            <a:lnRef idx="1">
-              <a:schemeClr val="accent1"/>
-            </a:lnRef>
-            <a:fillRef idx="3">
-              <a:schemeClr val="accent1"/>
-            </a:fillRef>
-            <a:effectRef idx="2">
-              <a:schemeClr val="accent1"/>
-            </a:effectRef>
-            <a:fontRef idx="minor">
-              <a:schemeClr val="lt1"/>
-            </a:fontRef>
-          </p:style>
-          <p:txBody>
-            <a:bodyPr rtlCol="0" anchor="ctr"/>
-            <a:lstStyle/>
-            <a:p>
-              <a:pPr algn="ctr"/>
-              <a:r>
-                <a:rPr lang="en-US" dirty="0">
-                  <a:solidFill>
-                    <a:srgbClr val="000000"/>
-                  </a:solidFill>
-                </a:rPr>
-                <a:t>1/2</a:t>
-              </a:r>
-            </a:p>
-          </p:txBody>
-        </p:sp>
-        <p:sp>
-          <p:nvSpPr>
-            <p:cNvPr id="7" name="Rectangle 6"/>
-            <p:cNvSpPr/>
-            <p:nvPr/>
-          </p:nvSpPr>
-          <p:spPr>
-            <a:xfrm>
-              <a:off x="4243068" y="1799293"/>
-              <a:ext cx="837066" cy="856348"/>
-            </a:xfrm>
-            <a:prstGeom prst="rect">
-              <a:avLst/>
-            </a:prstGeom>
-            <a:noFill/>
-            <a:ln>
-              <a:solidFill>
-                <a:schemeClr val="tx1"/>
-              </a:solidFill>
-            </a:ln>
-          </p:spPr>
-          <p:style>
-            <a:lnRef idx="1">
-              <a:schemeClr val="accent1"/>
-            </a:lnRef>
-            <a:fillRef idx="3">
-              <a:schemeClr val="accent1"/>
-            </a:fillRef>
-            <a:effectRef idx="2">
-              <a:schemeClr val="accent1"/>
-            </a:effectRef>
-            <a:fontRef idx="minor">
-              <a:schemeClr val="lt1"/>
-            </a:fontRef>
-          </p:style>
-          <p:txBody>
-            <a:bodyPr rtlCol="0" anchor="ctr"/>
-            <a:lstStyle/>
-            <a:p>
-              <a:pPr algn="ctr"/>
-              <a:r>
-                <a:rPr lang="en-US" dirty="0">
-                  <a:solidFill>
-                    <a:srgbClr val="000000"/>
-                  </a:solidFill>
-                </a:rPr>
-                <a:t>1/4</a:t>
-              </a:r>
-            </a:p>
-          </p:txBody>
-        </p:sp>
-        <p:sp>
-          <p:nvSpPr>
-            <p:cNvPr id="8" name="Rectangle 7"/>
-            <p:cNvSpPr/>
-            <p:nvPr/>
-          </p:nvSpPr>
-          <p:spPr>
-            <a:xfrm>
-              <a:off x="4243068" y="2655641"/>
-              <a:ext cx="837066" cy="856348"/>
-            </a:xfrm>
-            <a:prstGeom prst="rect">
-              <a:avLst/>
-            </a:prstGeom>
-            <a:noFill/>
-            <a:ln>
-              <a:solidFill>
-                <a:schemeClr val="tx1"/>
-              </a:solidFill>
-            </a:ln>
-          </p:spPr>
-          <p:style>
-            <a:lnRef idx="1">
-              <a:schemeClr val="accent1"/>
-            </a:lnRef>
-            <a:fillRef idx="3">
-              <a:schemeClr val="accent1"/>
-            </a:fillRef>
-            <a:effectRef idx="2">
-              <a:schemeClr val="accent1"/>
-            </a:effectRef>
-            <a:fontRef idx="minor">
-              <a:schemeClr val="lt1"/>
-            </a:fontRef>
-          </p:style>
-          <p:txBody>
-            <a:bodyPr rtlCol="0" anchor="ctr"/>
-            <a:lstStyle/>
-            <a:p>
-              <a:pPr algn="ctr"/>
-              <a:r>
-                <a:rPr lang="en-US" dirty="0">
-                  <a:solidFill>
-                    <a:srgbClr val="000000"/>
-                  </a:solidFill>
-                </a:rPr>
-                <a:t>1/4</a:t>
-              </a:r>
-            </a:p>
-          </p:txBody>
-        </p:sp>
-      </p:grpSp>
-      <p:sp>
-        <p:nvSpPr>
-          <p:cNvPr id="10" name="Rectangular Callout 9"/>
-          <p:cNvSpPr/>
-          <p:nvPr/>
-        </p:nvSpPr>
-        <p:spPr>
-          <a:xfrm>
-            <a:off x="5303255" y="1434795"/>
-            <a:ext cx="1810868" cy="399492"/>
-          </a:xfrm>
-          <a:prstGeom prst="wedgeRectCallout">
-            <a:avLst>
-              <a:gd name="adj1" fmla="val -70322"/>
-              <a:gd name="adj2" fmla="val 44839"/>
-            </a:avLst>
-          </a:prstGeom>
-        </p:spPr>
-        <p:style>
-          <a:lnRef idx="1">
-            <a:schemeClr val="accent1"/>
-          </a:lnRef>
-          <a:fillRef idx="3">
-            <a:schemeClr val="accent1"/>
-          </a:fillRef>
-          <a:effectRef idx="2">
-            <a:schemeClr val="accent1"/>
-          </a:effectRef>
-          <a:fontRef idx="minor">
-            <a:schemeClr val="lt1"/>
-          </a:fontRef>
-        </p:style>
-        <p:txBody>
-          <a:bodyPr rtlCol="0" anchor="ctr"/>
-          <a:lstStyle/>
-          <a:p>
-            <a:pPr algn="ctr"/>
-            <a:r>
-              <a:rPr lang="en-US" dirty="0">
-                <a:solidFill>
-                  <a:schemeClr val="tx1"/>
-                </a:solidFill>
-              </a:rPr>
-              <a:t>performance ½</a:t>
-            </a:r>
-          </a:p>
-        </p:txBody>
-      </p:sp>
-      <p:sp>
-        <p:nvSpPr>
-          <p:cNvPr id="11" name="Rectangular Callout 10"/>
-          <p:cNvSpPr/>
-          <p:nvPr/>
-        </p:nvSpPr>
-        <p:spPr>
-          <a:xfrm>
-            <a:off x="1434118" y="1834286"/>
-            <a:ext cx="1810868" cy="693737"/>
-          </a:xfrm>
-          <a:prstGeom prst="wedgeRectCallout">
-            <a:avLst>
-              <a:gd name="adj1" fmla="val 64743"/>
-              <a:gd name="adj2" fmla="val -923"/>
-            </a:avLst>
-          </a:prstGeom>
-        </p:spPr>
-        <p:style>
-          <a:lnRef idx="1">
-            <a:schemeClr val="accent1"/>
-          </a:lnRef>
-          <a:fillRef idx="3">
-            <a:schemeClr val="accent1"/>
-          </a:fillRef>
-          <a:effectRef idx="2">
-            <a:schemeClr val="accent1"/>
-          </a:effectRef>
-          <a:fontRef idx="minor">
-            <a:schemeClr val="lt1"/>
-          </a:fontRef>
-        </p:style>
-        <p:txBody>
-          <a:bodyPr rtlCol="0" anchor="ctr"/>
-          <a:lstStyle/>
-          <a:p>
-            <a:pPr algn="ctr"/>
-            <a:r>
-              <a:rPr lang="en-US" dirty="0">
-                <a:solidFill>
-                  <a:schemeClr val="tx1"/>
-                </a:solidFill>
-              </a:rPr>
-              <a:t>performance</a:t>
-            </a:r>
-          </a:p>
-          <a:p>
-            <a:pPr algn="ctr"/>
-            <a:r>
-              <a:rPr lang="en-US" dirty="0">
-                <a:solidFill>
-                  <a:schemeClr val="tx1"/>
-                </a:solidFill>
-              </a:rPr>
-              <a:t>sqrt(1/2) ≈ 0.707</a:t>
-            </a:r>
-          </a:p>
-        </p:txBody>
-      </p:sp>
-    </p:spTree>
-  </p:cSld>
-  <p:clrMapOvr>
-    <a:masterClrMapping/>
-  </p:clrMapOvr>
-</p:sld>
-</file>
-
-<file path=ppt/slides/slide12.xml><?xml version="1.0" encoding="utf-8"?>
-<p:sld xmlns:a="http://schemas.openxmlformats.org/drawingml/2006/main" xmlns:r="http://schemas.openxmlformats.org/officeDocument/2006/relationships" xmlns:p="http://schemas.openxmlformats.org/presentationml/2006/main">
-  <p:cSld>
-    <p:spTree>
-      <p:nvGrpSpPr>
-        <p:cNvPr id="1" name=""/>
-        <p:cNvGrpSpPr/>
-        <p:nvPr/>
-      </p:nvGrpSpPr>
-      <p:grpSpPr>
-        <a:xfrm>
-          <a:off x="0" y="0"/>
-          <a:ext cx="0" cy="0"/>
-          <a:chOff x="0" y="0"/>
-          <a:chExt cx="0" cy="0"/>
-        </a:xfrm>
-      </p:grpSpPr>
-      <p:sp>
-        <p:nvSpPr>
-          <p:cNvPr id="2" name="Title 1"/>
-          <p:cNvSpPr>
-            <a:spLocks noGrp="1"/>
-          </p:cNvSpPr>
-          <p:nvPr>
-            <p:ph type="title"/>
-          </p:nvPr>
-        </p:nvSpPr>
-        <p:spPr/>
-        <p:txBody>
-          <a:bodyPr/>
-          <a:lstStyle/>
-          <a:p>
-            <a:r>
-              <a:rPr lang="en-US" dirty="0"/>
-              <a:t>What about unequal core sizes?</a:t>
-            </a:r>
-          </a:p>
-        </p:txBody>
-      </p:sp>
-      <p:sp>
-        <p:nvSpPr>
-          <p:cNvPr id="3" name="Content Placeholder 2"/>
-          <p:cNvSpPr>
-            <a:spLocks noGrp="1"/>
-          </p:cNvSpPr>
-          <p:nvPr>
-            <p:ph idx="1"/>
-          </p:nvPr>
-        </p:nvSpPr>
-        <p:spPr>
-          <a:xfrm>
-            <a:off x="334792" y="3445167"/>
-            <a:ext cx="8686800" cy="3162969"/>
-          </a:xfrm>
-        </p:spPr>
-        <p:txBody>
-          <a:bodyPr>
-            <a:normAutofit/>
-          </a:bodyPr>
-          <a:lstStyle/>
-          <a:p>
-            <a:pPr>
-              <a:spcAft>
-                <a:spcPts val="600"/>
-              </a:spcAft>
-              <a:buNone/>
-            </a:pPr>
-            <a:r>
-              <a:rPr lang="en-US" dirty="0"/>
-              <a:t>By what factor does the running time of a program that can be 75% parallelized change? </a:t>
-            </a:r>
-          </a:p>
-          <a:p>
-            <a:pPr>
-              <a:spcAft>
-                <a:spcPts val="600"/>
-              </a:spcAft>
-              <a:buNone/>
-            </a:pPr>
-            <a:r>
-              <a:rPr lang="en-US" dirty="0"/>
-              <a:t>Serial part: 0.25 / 0.707 = 0.354</a:t>
-            </a:r>
-          </a:p>
-          <a:p>
-            <a:pPr>
-              <a:spcAft>
-                <a:spcPts val="600"/>
-              </a:spcAft>
-              <a:buNone/>
-            </a:pPr>
-            <a:r>
-              <a:rPr lang="en-US" dirty="0"/>
-              <a:t>Parallel part: 0.75 / 1.707 = 0.439</a:t>
-            </a:r>
-          </a:p>
-          <a:p>
-            <a:pPr>
-              <a:spcAft>
-                <a:spcPts val="600"/>
-              </a:spcAft>
-              <a:buNone/>
-            </a:pPr>
-            <a:r>
-              <a:rPr lang="en-US" dirty="0"/>
-              <a:t>Total time: 0.793 times as long</a:t>
-            </a:r>
-          </a:p>
-        </p:txBody>
-      </p:sp>
-      <p:grpSp>
-        <p:nvGrpSpPr>
-          <p:cNvPr id="5" name="Group 8"/>
-          <p:cNvGrpSpPr/>
-          <p:nvPr/>
-        </p:nvGrpSpPr>
-        <p:grpSpPr>
-          <a:xfrm>
-            <a:off x="3406002" y="1434795"/>
-            <a:ext cx="1674132" cy="1712696"/>
-            <a:chOff x="3406002" y="1799293"/>
-            <a:chExt cx="1674132" cy="1712696"/>
-          </a:xfrm>
-        </p:grpSpPr>
-        <p:sp>
-          <p:nvSpPr>
-            <p:cNvPr id="4" name="Rectangle 3"/>
-            <p:cNvSpPr/>
-            <p:nvPr/>
-          </p:nvSpPr>
-          <p:spPr>
-            <a:xfrm>
-              <a:off x="3406002" y="1799293"/>
-              <a:ext cx="837066" cy="1712696"/>
-            </a:xfrm>
-            <a:prstGeom prst="rect">
-              <a:avLst/>
-            </a:prstGeom>
-            <a:noFill/>
-            <a:ln>
-              <a:solidFill>
-                <a:schemeClr val="tx1"/>
-              </a:solidFill>
-            </a:ln>
-          </p:spPr>
-          <p:style>
-            <a:lnRef idx="1">
-              <a:schemeClr val="accent1"/>
-            </a:lnRef>
-            <a:fillRef idx="3">
-              <a:schemeClr val="accent1"/>
-            </a:fillRef>
-            <a:effectRef idx="2">
-              <a:schemeClr val="accent1"/>
-            </a:effectRef>
-            <a:fontRef idx="minor">
-              <a:schemeClr val="lt1"/>
-            </a:fontRef>
-          </p:style>
-          <p:txBody>
-            <a:bodyPr rtlCol="0" anchor="ctr"/>
-            <a:lstStyle/>
-            <a:p>
-              <a:pPr algn="ctr"/>
-              <a:r>
-                <a:rPr lang="en-US" dirty="0">
-                  <a:solidFill>
-                    <a:srgbClr val="000000"/>
-                  </a:solidFill>
-                </a:rPr>
-                <a:t>1/2</a:t>
-              </a:r>
-            </a:p>
-          </p:txBody>
-        </p:sp>
-        <p:sp>
-          <p:nvSpPr>
-            <p:cNvPr id="7" name="Rectangle 6"/>
-            <p:cNvSpPr/>
-            <p:nvPr/>
-          </p:nvSpPr>
-          <p:spPr>
-            <a:xfrm>
-              <a:off x="4243068" y="1799293"/>
-              <a:ext cx="837066" cy="856348"/>
-            </a:xfrm>
-            <a:prstGeom prst="rect">
-              <a:avLst/>
-            </a:prstGeom>
-            <a:noFill/>
-            <a:ln>
-              <a:solidFill>
-                <a:schemeClr val="tx1"/>
-              </a:solidFill>
-            </a:ln>
-          </p:spPr>
-          <p:style>
-            <a:lnRef idx="1">
-              <a:schemeClr val="accent1"/>
-            </a:lnRef>
-            <a:fillRef idx="3">
-              <a:schemeClr val="accent1"/>
-            </a:fillRef>
-            <a:effectRef idx="2">
-              <a:schemeClr val="accent1"/>
-            </a:effectRef>
-            <a:fontRef idx="minor">
-              <a:schemeClr val="lt1"/>
-            </a:fontRef>
-          </p:style>
-          <p:txBody>
-            <a:bodyPr rtlCol="0" anchor="ctr"/>
-            <a:lstStyle/>
-            <a:p>
-              <a:pPr algn="ctr"/>
-              <a:r>
-                <a:rPr lang="en-US" dirty="0">
-                  <a:solidFill>
-                    <a:srgbClr val="000000"/>
-                  </a:solidFill>
-                </a:rPr>
-                <a:t>1/4</a:t>
-              </a:r>
-            </a:p>
-          </p:txBody>
-        </p:sp>
-        <p:sp>
-          <p:nvSpPr>
-            <p:cNvPr id="8" name="Rectangle 7"/>
-            <p:cNvSpPr/>
-            <p:nvPr/>
-          </p:nvSpPr>
-          <p:spPr>
-            <a:xfrm>
-              <a:off x="4243068" y="2655641"/>
-              <a:ext cx="837066" cy="856348"/>
-            </a:xfrm>
-            <a:prstGeom prst="rect">
-              <a:avLst/>
-            </a:prstGeom>
-            <a:noFill/>
-            <a:ln>
-              <a:solidFill>
-                <a:schemeClr val="tx1"/>
-              </a:solidFill>
-            </a:ln>
-          </p:spPr>
-          <p:style>
-            <a:lnRef idx="1">
-              <a:schemeClr val="accent1"/>
-            </a:lnRef>
-            <a:fillRef idx="3">
-              <a:schemeClr val="accent1"/>
-            </a:fillRef>
-            <a:effectRef idx="2">
-              <a:schemeClr val="accent1"/>
-            </a:effectRef>
-            <a:fontRef idx="minor">
-              <a:schemeClr val="lt1"/>
-            </a:fontRef>
-          </p:style>
-          <p:txBody>
-            <a:bodyPr rtlCol="0" anchor="ctr"/>
-            <a:lstStyle/>
-            <a:p>
-              <a:pPr algn="ctr"/>
-              <a:r>
-                <a:rPr lang="en-US" dirty="0">
-                  <a:solidFill>
-                    <a:srgbClr val="000000"/>
-                  </a:solidFill>
-                </a:rPr>
-                <a:t>1/4</a:t>
-              </a:r>
-            </a:p>
-          </p:txBody>
-        </p:sp>
-      </p:grpSp>
-      <p:sp>
-        <p:nvSpPr>
-          <p:cNvPr id="10" name="Rectangular Callout 9"/>
-          <p:cNvSpPr/>
-          <p:nvPr/>
-        </p:nvSpPr>
-        <p:spPr>
-          <a:xfrm>
-            <a:off x="5303255" y="1434795"/>
-            <a:ext cx="1810868" cy="399492"/>
-          </a:xfrm>
-          <a:prstGeom prst="wedgeRectCallout">
-            <a:avLst>
-              <a:gd name="adj1" fmla="val -70322"/>
-              <a:gd name="adj2" fmla="val 44839"/>
-            </a:avLst>
-          </a:prstGeom>
-        </p:spPr>
-        <p:style>
-          <a:lnRef idx="1">
-            <a:schemeClr val="accent1"/>
-          </a:lnRef>
-          <a:fillRef idx="3">
-            <a:schemeClr val="accent1"/>
-          </a:fillRef>
-          <a:effectRef idx="2">
-            <a:schemeClr val="accent1"/>
-          </a:effectRef>
-          <a:fontRef idx="minor">
-            <a:schemeClr val="lt1"/>
-          </a:fontRef>
-        </p:style>
-        <p:txBody>
-          <a:bodyPr rtlCol="0" anchor="ctr"/>
-          <a:lstStyle/>
-          <a:p>
-            <a:pPr algn="ctr"/>
-            <a:r>
-              <a:rPr lang="en-US" dirty="0">
-                <a:solidFill>
-                  <a:schemeClr val="tx1"/>
-                </a:solidFill>
-              </a:rPr>
-              <a:t>performance ½</a:t>
-            </a:r>
-          </a:p>
-        </p:txBody>
-      </p:sp>
-      <p:sp>
-        <p:nvSpPr>
-          <p:cNvPr id="11" name="Rectangular Callout 10"/>
-          <p:cNvSpPr/>
-          <p:nvPr/>
-        </p:nvSpPr>
-        <p:spPr>
-          <a:xfrm>
-            <a:off x="1434118" y="1834286"/>
-            <a:ext cx="1810868" cy="693737"/>
-          </a:xfrm>
-          <a:prstGeom prst="wedgeRectCallout">
-            <a:avLst>
-              <a:gd name="adj1" fmla="val 64743"/>
-              <a:gd name="adj2" fmla="val -923"/>
-            </a:avLst>
-          </a:prstGeom>
-        </p:spPr>
-        <p:style>
-          <a:lnRef idx="1">
-            <a:schemeClr val="accent1"/>
-          </a:lnRef>
-          <a:fillRef idx="3">
-            <a:schemeClr val="accent1"/>
-          </a:fillRef>
-          <a:effectRef idx="2">
-            <a:schemeClr val="accent1"/>
-          </a:effectRef>
-          <a:fontRef idx="minor">
-            <a:schemeClr val="lt1"/>
-          </a:fontRef>
-        </p:style>
-        <p:txBody>
-          <a:bodyPr rtlCol="0" anchor="ctr"/>
-          <a:lstStyle/>
-          <a:p>
-            <a:pPr algn="ctr"/>
-            <a:r>
-              <a:rPr lang="en-US" dirty="0">
-                <a:solidFill>
-                  <a:schemeClr val="tx1"/>
-                </a:solidFill>
-              </a:rPr>
-              <a:t>performance</a:t>
-            </a:r>
-          </a:p>
-          <a:p>
-            <a:pPr algn="ctr"/>
-            <a:r>
-              <a:rPr lang="en-US" dirty="0">
-                <a:solidFill>
-                  <a:schemeClr val="tx1"/>
-                </a:solidFill>
-              </a:rPr>
-              <a:t>sqrt(1/2) ≈ 0.707</a:t>
-            </a:r>
-          </a:p>
-        </p:txBody>
-      </p:sp>
-    </p:spTree>
-  </p:cSld>
-  <p:clrMapOvr>
-    <a:masterClrMapping/>
-  </p:clrMapOvr>
-</p:sld>
-</file>
-
-<file path=ppt/slides/slide13.xml><?xml version="1.0" encoding="utf-8"?>
-<p:sld xmlns:a="http://schemas.openxmlformats.org/drawingml/2006/main" xmlns:r="http://schemas.openxmlformats.org/officeDocument/2006/relationships" xmlns:p="http://schemas.openxmlformats.org/presentationml/2006/main">
-  <p:cSld>
-    <p:spTree>
-      <p:nvGrpSpPr>
-        <p:cNvPr id="1" name=""/>
-        <p:cNvGrpSpPr/>
-        <p:nvPr/>
-      </p:nvGrpSpPr>
-      <p:grpSpPr>
-        <a:xfrm>
-          <a:off x="0" y="0"/>
-          <a:ext cx="0" cy="0"/>
-          <a:chOff x="0" y="0"/>
-          <a:chExt cx="0" cy="0"/>
-        </a:xfrm>
-      </p:grpSpPr>
-      <p:sp>
-        <p:nvSpPr>
-          <p:cNvPr id="2" name="Title 1"/>
-          <p:cNvSpPr>
-            <a:spLocks noGrp="1"/>
-          </p:cNvSpPr>
-          <p:nvPr>
-            <p:ph type="title"/>
-          </p:nvPr>
-        </p:nvSpPr>
-        <p:spPr/>
-        <p:txBody>
-          <a:bodyPr/>
-          <a:lstStyle/>
-          <a:p>
-            <a:r>
-              <a:rPr lang="en-US" dirty="0"/>
-              <a:t>What about unequal core sizes?</a:t>
-            </a:r>
-          </a:p>
-        </p:txBody>
-      </p:sp>
-      <p:sp>
-        <p:nvSpPr>
-          <p:cNvPr id="3" name="Content Placeholder 2"/>
-          <p:cNvSpPr>
-            <a:spLocks noGrp="1"/>
-          </p:cNvSpPr>
-          <p:nvPr>
-            <p:ph idx="1"/>
-          </p:nvPr>
-        </p:nvSpPr>
-        <p:spPr>
-          <a:xfrm>
-            <a:off x="457200" y="3445167"/>
-            <a:ext cx="8229600" cy="3162969"/>
-          </a:xfrm>
-        </p:spPr>
-        <p:txBody>
-          <a:bodyPr>
-            <a:normAutofit/>
-          </a:bodyPr>
-          <a:lstStyle/>
-          <a:p>
-            <a:pPr>
-              <a:buNone/>
-            </a:pPr>
-            <a:r>
-              <a:rPr lang="en-US" dirty="0"/>
-              <a:t>By what factor does the running time of a program that cannot be parallelized change? </a:t>
-            </a:r>
-          </a:p>
-          <a:p>
-            <a:pPr>
-              <a:buNone/>
-            </a:pPr>
-            <a:endParaRPr lang="en-US" dirty="0"/>
-          </a:p>
-          <a:p>
-            <a:pPr>
-              <a:buNone/>
-            </a:pPr>
-            <a:r>
-              <a:rPr lang="en-US" dirty="0"/>
-              <a:t>Total time = serial time = 1 / 0.707 = 1.414</a:t>
-            </a:r>
-          </a:p>
-        </p:txBody>
-      </p:sp>
-      <p:grpSp>
-        <p:nvGrpSpPr>
-          <p:cNvPr id="5" name="Group 8"/>
-          <p:cNvGrpSpPr/>
-          <p:nvPr/>
-        </p:nvGrpSpPr>
-        <p:grpSpPr>
-          <a:xfrm>
-            <a:off x="3406002" y="1434795"/>
-            <a:ext cx="1674132" cy="1712696"/>
-            <a:chOff x="3406002" y="1799293"/>
-            <a:chExt cx="1674132" cy="1712696"/>
-          </a:xfrm>
-        </p:grpSpPr>
-        <p:sp>
-          <p:nvSpPr>
-            <p:cNvPr id="4" name="Rectangle 3"/>
-            <p:cNvSpPr/>
-            <p:nvPr/>
-          </p:nvSpPr>
-          <p:spPr>
-            <a:xfrm>
-              <a:off x="3406002" y="1799293"/>
-              <a:ext cx="837066" cy="1712696"/>
-            </a:xfrm>
-            <a:prstGeom prst="rect">
-              <a:avLst/>
-            </a:prstGeom>
-            <a:noFill/>
-            <a:ln>
-              <a:solidFill>
-                <a:schemeClr val="tx1"/>
-              </a:solidFill>
-            </a:ln>
-          </p:spPr>
-          <p:style>
-            <a:lnRef idx="1">
-              <a:schemeClr val="accent1"/>
-            </a:lnRef>
-            <a:fillRef idx="3">
-              <a:schemeClr val="accent1"/>
-            </a:fillRef>
-            <a:effectRef idx="2">
-              <a:schemeClr val="accent1"/>
-            </a:effectRef>
-            <a:fontRef idx="minor">
-              <a:schemeClr val="lt1"/>
-            </a:fontRef>
-          </p:style>
-          <p:txBody>
-            <a:bodyPr rtlCol="0" anchor="ctr"/>
-            <a:lstStyle/>
-            <a:p>
-              <a:pPr algn="ctr"/>
-              <a:r>
-                <a:rPr lang="en-US" dirty="0">
-                  <a:solidFill>
-                    <a:srgbClr val="000000"/>
-                  </a:solidFill>
-                </a:rPr>
-                <a:t>1/2</a:t>
-              </a:r>
-            </a:p>
-          </p:txBody>
-        </p:sp>
-        <p:sp>
-          <p:nvSpPr>
-            <p:cNvPr id="7" name="Rectangle 6"/>
-            <p:cNvSpPr/>
-            <p:nvPr/>
-          </p:nvSpPr>
-          <p:spPr>
-            <a:xfrm>
-              <a:off x="4243068" y="1799293"/>
-              <a:ext cx="837066" cy="856348"/>
-            </a:xfrm>
-            <a:prstGeom prst="rect">
-              <a:avLst/>
-            </a:prstGeom>
-            <a:noFill/>
-            <a:ln>
-              <a:solidFill>
-                <a:schemeClr val="tx1"/>
-              </a:solidFill>
-            </a:ln>
-          </p:spPr>
-          <p:style>
-            <a:lnRef idx="1">
-              <a:schemeClr val="accent1"/>
-            </a:lnRef>
-            <a:fillRef idx="3">
-              <a:schemeClr val="accent1"/>
-            </a:fillRef>
-            <a:effectRef idx="2">
-              <a:schemeClr val="accent1"/>
-            </a:effectRef>
-            <a:fontRef idx="minor">
-              <a:schemeClr val="lt1"/>
-            </a:fontRef>
-          </p:style>
-          <p:txBody>
-            <a:bodyPr rtlCol="0" anchor="ctr"/>
-            <a:lstStyle/>
-            <a:p>
-              <a:pPr algn="ctr"/>
-              <a:r>
-                <a:rPr lang="en-US" dirty="0">
-                  <a:solidFill>
-                    <a:srgbClr val="000000"/>
-                  </a:solidFill>
-                </a:rPr>
-                <a:t>1/4</a:t>
-              </a:r>
-            </a:p>
-          </p:txBody>
-        </p:sp>
-        <p:sp>
-          <p:nvSpPr>
-            <p:cNvPr id="8" name="Rectangle 7"/>
-            <p:cNvSpPr/>
-            <p:nvPr/>
-          </p:nvSpPr>
-          <p:spPr>
-            <a:xfrm>
-              <a:off x="4243068" y="2655641"/>
-              <a:ext cx="837066" cy="856348"/>
-            </a:xfrm>
-            <a:prstGeom prst="rect">
-              <a:avLst/>
-            </a:prstGeom>
-            <a:noFill/>
-            <a:ln>
-              <a:solidFill>
-                <a:schemeClr val="tx1"/>
-              </a:solidFill>
-            </a:ln>
-          </p:spPr>
-          <p:style>
-            <a:lnRef idx="1">
-              <a:schemeClr val="accent1"/>
-            </a:lnRef>
-            <a:fillRef idx="3">
-              <a:schemeClr val="accent1"/>
-            </a:fillRef>
-            <a:effectRef idx="2">
-              <a:schemeClr val="accent1"/>
-            </a:effectRef>
-            <a:fontRef idx="minor">
-              <a:schemeClr val="lt1"/>
-            </a:fontRef>
-          </p:style>
-          <p:txBody>
-            <a:bodyPr rtlCol="0" anchor="ctr"/>
-            <a:lstStyle/>
-            <a:p>
-              <a:pPr algn="ctr"/>
-              <a:r>
-                <a:rPr lang="en-US" dirty="0">
-                  <a:solidFill>
-                    <a:srgbClr val="000000"/>
-                  </a:solidFill>
-                </a:rPr>
-                <a:t>1/4</a:t>
-              </a:r>
-            </a:p>
-          </p:txBody>
-        </p:sp>
-      </p:grpSp>
-      <p:sp>
-        <p:nvSpPr>
-          <p:cNvPr id="10" name="Rectangular Callout 9"/>
-          <p:cNvSpPr/>
-          <p:nvPr/>
-        </p:nvSpPr>
-        <p:spPr>
-          <a:xfrm>
-            <a:off x="5303255" y="1434795"/>
-            <a:ext cx="1810868" cy="399492"/>
-          </a:xfrm>
-          <a:prstGeom prst="wedgeRectCallout">
-            <a:avLst>
-              <a:gd name="adj1" fmla="val -70322"/>
-              <a:gd name="adj2" fmla="val 44839"/>
-            </a:avLst>
-          </a:prstGeom>
-        </p:spPr>
-        <p:style>
-          <a:lnRef idx="1">
-            <a:schemeClr val="accent1"/>
-          </a:lnRef>
-          <a:fillRef idx="3">
-            <a:schemeClr val="accent1"/>
-          </a:fillRef>
-          <a:effectRef idx="2">
-            <a:schemeClr val="accent1"/>
-          </a:effectRef>
-          <a:fontRef idx="minor">
-            <a:schemeClr val="lt1"/>
-          </a:fontRef>
-        </p:style>
-        <p:txBody>
-          <a:bodyPr rtlCol="0" anchor="ctr"/>
-          <a:lstStyle/>
-          <a:p>
-            <a:pPr algn="ctr"/>
-            <a:r>
-              <a:rPr lang="en-US" dirty="0">
-                <a:solidFill>
-                  <a:schemeClr val="tx1"/>
-                </a:solidFill>
-              </a:rPr>
-              <a:t>performance ½</a:t>
-            </a:r>
-          </a:p>
-        </p:txBody>
-      </p:sp>
-      <p:sp>
-        <p:nvSpPr>
-          <p:cNvPr id="11" name="Rectangular Callout 10"/>
-          <p:cNvSpPr/>
-          <p:nvPr/>
-        </p:nvSpPr>
-        <p:spPr>
-          <a:xfrm>
-            <a:off x="1434118" y="1834286"/>
-            <a:ext cx="1810868" cy="693737"/>
-          </a:xfrm>
-          <a:prstGeom prst="wedgeRectCallout">
-            <a:avLst>
-              <a:gd name="adj1" fmla="val 64743"/>
-              <a:gd name="adj2" fmla="val -923"/>
-            </a:avLst>
-          </a:prstGeom>
-        </p:spPr>
-        <p:style>
-          <a:lnRef idx="1">
-            <a:schemeClr val="accent1"/>
-          </a:lnRef>
-          <a:fillRef idx="3">
-            <a:schemeClr val="accent1"/>
-          </a:fillRef>
-          <a:effectRef idx="2">
-            <a:schemeClr val="accent1"/>
-          </a:effectRef>
-          <a:fontRef idx="minor">
-            <a:schemeClr val="lt1"/>
-          </a:fontRef>
-        </p:style>
-        <p:txBody>
-          <a:bodyPr rtlCol="0" anchor="ctr"/>
-          <a:lstStyle/>
-          <a:p>
-            <a:pPr algn="ctr"/>
-            <a:r>
-              <a:rPr lang="en-US" dirty="0">
-                <a:solidFill>
-                  <a:schemeClr val="tx1"/>
-                </a:solidFill>
-              </a:rPr>
-              <a:t>performance</a:t>
-            </a:r>
-          </a:p>
-          <a:p>
-            <a:pPr algn="ctr"/>
-            <a:r>
-              <a:rPr lang="en-US" dirty="0">
-                <a:solidFill>
-                  <a:schemeClr val="tx1"/>
-                </a:solidFill>
-              </a:rPr>
-              <a:t>sqrt(1/2) ≈ 0.707</a:t>
-            </a:r>
-          </a:p>
-        </p:txBody>
-      </p:sp>
-    </p:spTree>
-  </p:cSld>
-  <p:clrMapOvr>
-    <a:masterClrMapping/>
-  </p:clrMapOvr>
-</p:sld>
-</file>
-
-<file path=ppt/slides/slide14.xml><?xml version="1.0" encoding="utf-8"?>
-<p:sld xmlns:a="http://schemas.openxmlformats.org/drawingml/2006/main" xmlns:r="http://schemas.openxmlformats.org/officeDocument/2006/relationships" xmlns:p="http://schemas.openxmlformats.org/presentationml/2006/main">
-  <p:cSld>
-    <p:spTree>
-      <p:nvGrpSpPr>
-        <p:cNvPr id="1" name=""/>
-        <p:cNvGrpSpPr/>
-        <p:nvPr/>
-      </p:nvGrpSpPr>
-      <p:grpSpPr>
-        <a:xfrm>
-          <a:off x="0" y="0"/>
-          <a:ext cx="0" cy="0"/>
-          <a:chOff x="0" y="0"/>
-          <a:chExt cx="0" cy="0"/>
-        </a:xfrm>
-      </p:grpSpPr>
-      <p:sp>
-        <p:nvSpPr>
-          <p:cNvPr id="2" name="Title 1"/>
-          <p:cNvSpPr>
-            <a:spLocks noGrp="1"/>
-          </p:cNvSpPr>
-          <p:nvPr>
-            <p:ph type="title"/>
-          </p:nvPr>
-        </p:nvSpPr>
-        <p:spPr/>
-        <p:txBody>
           <a:bodyPr>
             <a:normAutofit fontScale="90000"/>
           </a:bodyPr>
@@ -5525,2016 +4049,14 @@
             <p:ph idx="1"/>
             <p:extLst>
               <p:ext uri="{D42A27DB-BD31-4B8C-83A1-F6EECF244321}">
-                <p14:modId xmlns:p14="http://schemas.microsoft.com/office/powerpoint/2010/main" val="3548755133"/>
+                <p14:modId xmlns:p14="http://schemas.microsoft.com/office/powerpoint/2010/main" val="702102827"/>
               </p:ext>
             </p:extLst>
           </p:nvPr>
         </p:nvGraphicFramePr>
         <p:xfrm>
-          <a:off x="1039091" y="2036618"/>
-          <a:ext cx="7065818" cy="1651000"/>
-        </p:xfrm>
-        <a:graphic>
-          <a:graphicData uri="http://schemas.openxmlformats.org/drawingml/2006/table">
-            <a:tbl>
-              <a:tblPr>
-                <a:tableStyleId>{793D81CF-94F2-401A-BA57-92F5A7B2D0C5}</a:tableStyleId>
-              </a:tblPr>
-              <a:tblGrid>
-                <a:gridCol w="2036619">
-                  <a:extLst>
-                    <a:ext uri="{9D8B030D-6E8A-4147-A177-3AD203B41FA5}">
-                      <a16:colId xmlns:a16="http://schemas.microsoft.com/office/drawing/2014/main" val="20000"/>
-                    </a:ext>
-                  </a:extLst>
-                </a:gridCol>
-                <a:gridCol w="1662545">
-                  <a:extLst>
-                    <a:ext uri="{9D8B030D-6E8A-4147-A177-3AD203B41FA5}">
-                      <a16:colId xmlns:a16="http://schemas.microsoft.com/office/drawing/2014/main" val="3947185912"/>
-                    </a:ext>
-                  </a:extLst>
-                </a:gridCol>
-                <a:gridCol w="1692658">
-                  <a:extLst>
-                    <a:ext uri="{9D8B030D-6E8A-4147-A177-3AD203B41FA5}">
-                      <a16:colId xmlns:a16="http://schemas.microsoft.com/office/drawing/2014/main" val="20001"/>
-                    </a:ext>
-                  </a:extLst>
-                </a:gridCol>
-                <a:gridCol w="1673996">
-                  <a:extLst>
-                    <a:ext uri="{9D8B030D-6E8A-4147-A177-3AD203B41FA5}">
-                      <a16:colId xmlns:a16="http://schemas.microsoft.com/office/drawing/2014/main" val="20002"/>
-                    </a:ext>
-                  </a:extLst>
-                </a:gridCol>
-              </a:tblGrid>
-              <a:tr h="370840">
-                <a:tc>
-                  <a:txBody>
-                    <a:bodyPr/>
-                    <a:lstStyle/>
-                    <a:p>
-                      <a:pPr algn="ctr"/>
-                      <a:r>
-                        <a:rPr lang="en-US" dirty="0"/>
-                        <a:t>% of program that</a:t>
-                      </a:r>
-                      <a:r>
-                        <a:rPr lang="en-US" baseline="0" dirty="0"/>
-                        <a:t> is parallelizable</a:t>
-                      </a:r>
-                      <a:endParaRPr lang="en-US" dirty="0">
-                        <a:solidFill>
-                          <a:schemeClr val="tx1"/>
-                        </a:solidFill>
-                      </a:endParaRPr>
-                    </a:p>
-                  </a:txBody>
-                  <a:tcPr/>
-                </a:tc>
-                <a:tc>
-                  <a:txBody>
-                    <a:bodyPr/>
-                    <a:lstStyle/>
-                    <a:p>
-                      <a:pPr algn="ctr"/>
-                      <a:r>
-                        <a:rPr lang="en-US" dirty="0">
-                          <a:solidFill>
-                            <a:schemeClr val="tx1"/>
-                          </a:solidFill>
-                        </a:rPr>
-                        <a:t>50%</a:t>
-                      </a:r>
-                    </a:p>
-                  </a:txBody>
-                  <a:tcPr/>
-                </a:tc>
-                <a:tc>
-                  <a:txBody>
-                    <a:bodyPr/>
-                    <a:lstStyle/>
-                    <a:p>
-                      <a:pPr algn="ctr"/>
-                      <a:r>
-                        <a:rPr lang="en-US" dirty="0"/>
-                        <a:t>75%</a:t>
-                      </a:r>
-                      <a:endParaRPr lang="en-US" dirty="0">
-                        <a:solidFill>
-                          <a:schemeClr val="tx1"/>
-                        </a:solidFill>
-                      </a:endParaRPr>
-                    </a:p>
-                  </a:txBody>
-                  <a:tcPr/>
-                </a:tc>
-                <a:tc>
-                  <a:txBody>
-                    <a:bodyPr/>
-                    <a:lstStyle/>
-                    <a:p>
-                      <a:pPr algn="ctr"/>
-                      <a:r>
-                        <a:rPr lang="en-US" dirty="0"/>
-                        <a:t>90%</a:t>
-                      </a:r>
-                      <a:endParaRPr lang="en-US" dirty="0">
-                        <a:solidFill>
-                          <a:schemeClr val="tx1"/>
-                        </a:solidFill>
-                      </a:endParaRPr>
-                    </a:p>
-                  </a:txBody>
-                  <a:tcPr/>
-                </a:tc>
-                <a:extLst>
-                  <a:ext uri="{0D108BD9-81ED-4DB2-BD59-A6C34878D82A}">
-                    <a16:rowId xmlns:a16="http://schemas.microsoft.com/office/drawing/2014/main" val="10000"/>
-                  </a:ext>
-                </a:extLst>
-              </a:tr>
-              <a:tr h="370840">
-                <a:tc>
-                  <a:txBody>
-                    <a:bodyPr/>
-                    <a:lstStyle/>
-                    <a:p>
-                      <a:pPr algn="ctr"/>
-                      <a:r>
-                        <a:rPr lang="en-US" dirty="0">
-                          <a:solidFill>
-                            <a:schemeClr val="tx1"/>
-                          </a:solidFill>
-                        </a:rPr>
-                        <a:t>4 equal cores</a:t>
-                      </a:r>
-                    </a:p>
-                  </a:txBody>
-                  <a:tcPr/>
-                </a:tc>
-                <a:tc>
-                  <a:txBody>
-                    <a:bodyPr/>
-                    <a:lstStyle/>
-                    <a:p>
-                      <a:pPr algn="ctr"/>
-                      <a:r>
-                        <a:rPr lang="en-US" dirty="0">
-                          <a:solidFill>
-                            <a:schemeClr val="tx1"/>
-                          </a:solidFill>
-                        </a:rPr>
-                        <a:t>1.25</a:t>
-                      </a:r>
-                    </a:p>
-                  </a:txBody>
-                  <a:tcPr/>
-                </a:tc>
-                <a:tc>
-                  <a:txBody>
-                    <a:bodyPr/>
-                    <a:lstStyle/>
-                    <a:p>
-                      <a:pPr algn="ctr"/>
-                      <a:r>
-                        <a:rPr lang="en-US" dirty="0">
-                          <a:solidFill>
-                            <a:schemeClr val="tx1"/>
-                          </a:solidFill>
-                        </a:rPr>
-                        <a:t>0.88</a:t>
-                      </a:r>
-                    </a:p>
-                  </a:txBody>
-                  <a:tcPr/>
-                </a:tc>
-                <a:tc>
-                  <a:txBody>
-                    <a:bodyPr/>
-                    <a:lstStyle/>
-                    <a:p>
-                      <a:pPr algn="ctr"/>
-                      <a:r>
-                        <a:rPr lang="en-US" dirty="0">
-                          <a:solidFill>
-                            <a:schemeClr val="tx1"/>
-                          </a:solidFill>
-                        </a:rPr>
-                        <a:t>0.65</a:t>
-                      </a:r>
-                    </a:p>
-                  </a:txBody>
-                  <a:tcPr/>
-                </a:tc>
-                <a:extLst>
-                  <a:ext uri="{0D108BD9-81ED-4DB2-BD59-A6C34878D82A}">
-                    <a16:rowId xmlns:a16="http://schemas.microsoft.com/office/drawing/2014/main" val="10002"/>
-                  </a:ext>
-                </a:extLst>
-              </a:tr>
-              <a:tr h="370840">
-                <a:tc>
-                  <a:txBody>
-                    <a:bodyPr/>
-                    <a:lstStyle/>
-                    <a:p>
-                      <a:pPr algn="ctr"/>
-                      <a:r>
-                        <a:rPr lang="en-US" dirty="0">
-                          <a:solidFill>
-                            <a:schemeClr val="tx1"/>
-                          </a:solidFill>
-                        </a:rPr>
-                        <a:t>Half-sized + 2 quarter-sized cores</a:t>
-                      </a:r>
-                    </a:p>
-                  </a:txBody>
-                  <a:tcPr/>
-                </a:tc>
-                <a:tc>
-                  <a:txBody>
-                    <a:bodyPr/>
-                    <a:lstStyle/>
-                    <a:p>
-                      <a:pPr algn="ctr"/>
-                      <a:r>
-                        <a:rPr lang="en-US" dirty="0">
-                          <a:solidFill>
-                            <a:schemeClr val="tx1"/>
-                          </a:solidFill>
-                        </a:rPr>
-                        <a:t>1.00</a:t>
-                      </a:r>
-                    </a:p>
-                  </a:txBody>
-                  <a:tcPr/>
-                </a:tc>
-                <a:tc>
-                  <a:txBody>
-                    <a:bodyPr/>
-                    <a:lstStyle/>
-                    <a:p>
-                      <a:pPr algn="ctr"/>
-                      <a:r>
-                        <a:rPr lang="en-US" dirty="0">
-                          <a:solidFill>
-                            <a:schemeClr val="tx1"/>
-                          </a:solidFill>
-                        </a:rPr>
-                        <a:t>0.79</a:t>
-                      </a:r>
-                    </a:p>
-                  </a:txBody>
-                  <a:tcPr/>
-                </a:tc>
-                <a:tc>
-                  <a:txBody>
-                    <a:bodyPr/>
-                    <a:lstStyle/>
-                    <a:p>
-                      <a:pPr algn="ctr"/>
-                      <a:r>
-                        <a:rPr lang="en-US" dirty="0">
-                          <a:solidFill>
-                            <a:schemeClr val="tx1"/>
-                          </a:solidFill>
-                        </a:rPr>
-                        <a:t>0.66</a:t>
-                      </a:r>
-                    </a:p>
-                  </a:txBody>
-                  <a:tcPr/>
-                </a:tc>
-                <a:extLst>
-                  <a:ext uri="{0D108BD9-81ED-4DB2-BD59-A6C34878D82A}">
-                    <a16:rowId xmlns:a16="http://schemas.microsoft.com/office/drawing/2014/main" val="10003"/>
-                  </a:ext>
-                </a:extLst>
-              </a:tr>
-            </a:tbl>
-          </a:graphicData>
-        </a:graphic>
-      </p:graphicFrame>
-      <p:sp>
-        <p:nvSpPr>
-          <p:cNvPr id="3" name="TextBox 2">
-            <a:extLst>
-              <a:ext uri="{FF2B5EF4-FFF2-40B4-BE49-F238E27FC236}">
-                <a16:creationId xmlns:a16="http://schemas.microsoft.com/office/drawing/2014/main" id="{E79AC833-BC92-AD4B-BADC-F140BCC334B8}"/>
-              </a:ext>
-            </a:extLst>
-          </p:cNvPr>
-          <p:cNvSpPr txBox="1"/>
-          <p:nvPr/>
-        </p:nvSpPr>
-        <p:spPr>
-          <a:xfrm>
-            <a:off x="457200" y="4829174"/>
-            <a:ext cx="8058150" cy="707886"/>
-          </a:xfrm>
-          <a:prstGeom prst="rect">
-            <a:avLst/>
-          </a:prstGeom>
-          <a:noFill/>
-        </p:spPr>
-        <p:txBody>
-          <a:bodyPr wrap="square" rtlCol="0">
-            <a:spAutoFit/>
-          </a:bodyPr>
-          <a:lstStyle/>
-          <a:p>
-            <a:r>
-              <a:rPr lang="en-US" sz="2000" dirty="0"/>
-              <a:t>Having different sized cores improves performance on less parallelizable programs at small cost on more highly parallelizable ones</a:t>
-            </a:r>
-          </a:p>
-        </p:txBody>
-      </p:sp>
-    </p:spTree>
-    <p:extLst>
-      <p:ext uri="{BB962C8B-B14F-4D97-AF65-F5344CB8AC3E}">
-        <p14:creationId xmlns:p14="http://schemas.microsoft.com/office/powerpoint/2010/main" val="3359897303"/>
-      </p:ext>
-    </p:extLst>
-  </p:cSld>
-  <p:clrMapOvr>
-    <a:masterClrMapping/>
-  </p:clrMapOvr>
-</p:sld>
-</file>
-
-<file path=ppt/slides/slide15.xml><?xml version="1.0" encoding="utf-8"?>
-<p:sld xmlns:a="http://schemas.openxmlformats.org/drawingml/2006/main" xmlns:r="http://schemas.openxmlformats.org/officeDocument/2006/relationships" xmlns:p="http://schemas.openxmlformats.org/presentationml/2006/main">
-  <p:cSld>
-    <p:spTree>
-      <p:nvGrpSpPr>
-        <p:cNvPr id="1" name=""/>
-        <p:cNvGrpSpPr/>
-        <p:nvPr/>
-      </p:nvGrpSpPr>
-      <p:grpSpPr>
-        <a:xfrm>
-          <a:off x="0" y="0"/>
-          <a:ext cx="0" cy="0"/>
-          <a:chOff x="0" y="0"/>
-          <a:chExt cx="0" cy="0"/>
-        </a:xfrm>
-      </p:grpSpPr>
-      <p:sp>
-        <p:nvSpPr>
-          <p:cNvPr id="2" name="Title 1">
-            <a:extLst>
-              <a:ext uri="{FF2B5EF4-FFF2-40B4-BE49-F238E27FC236}">
-                <a16:creationId xmlns:a16="http://schemas.microsoft.com/office/drawing/2014/main" id="{0A07AD3B-D67D-E847-9782-16B8CE303047}"/>
-              </a:ext>
-            </a:extLst>
-          </p:cNvPr>
-          <p:cNvSpPr>
-            <a:spLocks noGrp="1"/>
-          </p:cNvSpPr>
-          <p:nvPr>
-            <p:ph type="title"/>
-          </p:nvPr>
-        </p:nvSpPr>
-        <p:spPr/>
-        <p:txBody>
-          <a:bodyPr/>
-          <a:lstStyle/>
-          <a:p>
-            <a:r>
-              <a:rPr lang="en-US" dirty="0"/>
-              <a:t>Heterogeneity on a cell phone</a:t>
-            </a:r>
-          </a:p>
-        </p:txBody>
-      </p:sp>
-      <p:pic>
-        <p:nvPicPr>
-          <p:cNvPr id="5" name="Content Placeholder 4">
-            <a:extLst>
-              <a:ext uri="{FF2B5EF4-FFF2-40B4-BE49-F238E27FC236}">
-                <a16:creationId xmlns:a16="http://schemas.microsoft.com/office/drawing/2014/main" id="{794BF229-BA5A-3848-99FA-10F97387195E}"/>
-              </a:ext>
-            </a:extLst>
-          </p:cNvPr>
-          <p:cNvPicPr>
-            <a:picLocks noGrp="1" noChangeAspect="1"/>
-          </p:cNvPicPr>
-          <p:nvPr>
-            <p:ph idx="1"/>
-          </p:nvPr>
-        </p:nvPicPr>
-        <p:blipFill>
-          <a:blip r:embed="rId3"/>
-          <a:stretch>
-            <a:fillRect/>
-          </a:stretch>
-        </p:blipFill>
-        <p:spPr>
-          <a:xfrm>
-            <a:off x="2911872" y="1417638"/>
-            <a:ext cx="3688954" cy="7377910"/>
-          </a:xfrm>
-        </p:spPr>
-      </p:pic>
-      <p:sp>
-        <p:nvSpPr>
-          <p:cNvPr id="6" name="Frame 5">
-            <a:extLst>
-              <a:ext uri="{FF2B5EF4-FFF2-40B4-BE49-F238E27FC236}">
-                <a16:creationId xmlns:a16="http://schemas.microsoft.com/office/drawing/2014/main" id="{A9C100D7-586F-9C46-A439-C250CD60C3A4}"/>
-              </a:ext>
-            </a:extLst>
-          </p:cNvPr>
-          <p:cNvSpPr/>
-          <p:nvPr/>
-        </p:nvSpPr>
-        <p:spPr>
-          <a:xfrm>
-            <a:off x="2786068" y="3943351"/>
-            <a:ext cx="3943350" cy="700088"/>
-          </a:xfrm>
-          <a:prstGeom prst="frame">
-            <a:avLst/>
-          </a:prstGeom>
-          <a:gradFill>
-            <a:gsLst>
-              <a:gs pos="0">
-                <a:srgbClr val="00B050"/>
-              </a:gs>
-              <a:gs pos="100000">
-                <a:srgbClr val="92D050"/>
-              </a:gs>
-            </a:gsLst>
-          </a:gradFill>
-        </p:spPr>
-        <p:style>
-          <a:lnRef idx="1">
-            <a:schemeClr val="accent1"/>
-          </a:lnRef>
-          <a:fillRef idx="3">
-            <a:schemeClr val="accent1"/>
-          </a:fillRef>
-          <a:effectRef idx="2">
-            <a:schemeClr val="accent1"/>
-          </a:effectRef>
-          <a:fontRef idx="minor">
-            <a:schemeClr val="lt1"/>
-          </a:fontRef>
-        </p:style>
-        <p:txBody>
-          <a:bodyPr rtlCol="0" anchor="ctr"/>
-          <a:lstStyle/>
-          <a:p>
-            <a:pPr algn="ctr"/>
-            <a:endParaRPr lang="en-US">
-              <a:solidFill>
-                <a:schemeClr val="tx1"/>
-              </a:solidFill>
-            </a:endParaRPr>
-          </a:p>
-        </p:txBody>
-      </p:sp>
-      <p:sp>
-        <p:nvSpPr>
-          <p:cNvPr id="7" name="TextBox 6">
-            <a:extLst>
-              <a:ext uri="{FF2B5EF4-FFF2-40B4-BE49-F238E27FC236}">
-                <a16:creationId xmlns:a16="http://schemas.microsoft.com/office/drawing/2014/main" id="{DD338DB8-021B-2648-AA44-2FC6349D889C}"/>
-              </a:ext>
-            </a:extLst>
-          </p:cNvPr>
-          <p:cNvSpPr txBox="1"/>
-          <p:nvPr/>
-        </p:nvSpPr>
-        <p:spPr>
-          <a:xfrm>
-            <a:off x="7043738" y="3943351"/>
-            <a:ext cx="1900237" cy="646331"/>
-          </a:xfrm>
-          <a:prstGeom prst="rect">
-            <a:avLst/>
-          </a:prstGeom>
-          <a:noFill/>
-        </p:spPr>
-        <p:txBody>
-          <a:bodyPr wrap="square" rtlCol="0">
-            <a:spAutoFit/>
-          </a:bodyPr>
-          <a:lstStyle/>
-          <a:p>
-            <a:r>
-              <a:rPr lang="en-US" dirty="0">
-                <a:solidFill>
-                  <a:srgbClr val="00B050"/>
-                </a:solidFill>
-              </a:rPr>
-              <a:t>8 cores, 2 levels of  performance</a:t>
-            </a:r>
-          </a:p>
-        </p:txBody>
-      </p:sp>
-    </p:spTree>
-    <p:extLst>
-      <p:ext uri="{BB962C8B-B14F-4D97-AF65-F5344CB8AC3E}">
-        <p14:creationId xmlns:p14="http://schemas.microsoft.com/office/powerpoint/2010/main" val="2292446706"/>
-      </p:ext>
-    </p:extLst>
-  </p:cSld>
-  <p:clrMapOvr>
-    <a:masterClrMapping/>
-  </p:clrMapOvr>
-</p:sld>
-</file>
-
-<file path=ppt/slides/slide2.xml><?xml version="1.0" encoding="utf-8"?>
-<p:sld xmlns:a="http://schemas.openxmlformats.org/drawingml/2006/main" xmlns:r="http://schemas.openxmlformats.org/officeDocument/2006/relationships" xmlns:p="http://schemas.openxmlformats.org/presentationml/2006/main">
-  <p:cSld>
-    <p:spTree>
-      <p:nvGrpSpPr>
-        <p:cNvPr id="1" name=""/>
-        <p:cNvGrpSpPr/>
-        <p:nvPr/>
-      </p:nvGrpSpPr>
-      <p:grpSpPr>
-        <a:xfrm>
-          <a:off x="0" y="0"/>
-          <a:ext cx="0" cy="0"/>
-          <a:chOff x="0" y="0"/>
-          <a:chExt cx="0" cy="0"/>
-        </a:xfrm>
-      </p:grpSpPr>
-      <p:sp>
-        <p:nvSpPr>
-          <p:cNvPr id="2" name="Title 1"/>
-          <p:cNvSpPr>
-            <a:spLocks noGrp="1"/>
-          </p:cNvSpPr>
-          <p:nvPr>
-            <p:ph type="title"/>
-          </p:nvPr>
-        </p:nvSpPr>
-        <p:spPr/>
-        <p:txBody>
-          <a:bodyPr/>
-          <a:lstStyle/>
-          <a:p>
-            <a:r>
-              <a:rPr lang="en-US" dirty="0"/>
-              <a:t>Pollack’s rule</a:t>
-            </a:r>
-          </a:p>
-        </p:txBody>
-      </p:sp>
-      <p:sp>
-        <p:nvSpPr>
-          <p:cNvPr id="3" name="Content Placeholder 2"/>
-          <p:cNvSpPr>
-            <a:spLocks noGrp="1"/>
-          </p:cNvSpPr>
-          <p:nvPr>
-            <p:ph idx="1"/>
-          </p:nvPr>
-        </p:nvSpPr>
-        <p:spPr>
-          <a:xfrm>
-            <a:off x="457200" y="1600200"/>
-            <a:ext cx="8229600" cy="1062421"/>
-          </a:xfrm>
-        </p:spPr>
-        <p:txBody>
-          <a:bodyPr/>
-          <a:lstStyle/>
-          <a:p>
-            <a:r>
-              <a:rPr lang="en-US" sz="2800" dirty="0"/>
-              <a:t>The performance of a processing core is proportional to the square root of its area</a:t>
-            </a:r>
-          </a:p>
-          <a:p>
-            <a:endParaRPr lang="en-US" dirty="0"/>
-          </a:p>
-        </p:txBody>
-      </p:sp>
-    </p:spTree>
-  </p:cSld>
-  <p:clrMapOvr>
-    <a:masterClrMapping/>
-  </p:clrMapOvr>
-</p:sld>
-</file>
-
-<file path=ppt/slides/slide3.xml><?xml version="1.0" encoding="utf-8"?>
-<p:sld xmlns:a="http://schemas.openxmlformats.org/drawingml/2006/main" xmlns:r="http://schemas.openxmlformats.org/officeDocument/2006/relationships" xmlns:p="http://schemas.openxmlformats.org/presentationml/2006/main">
-  <p:cSld>
-    <p:spTree>
-      <p:nvGrpSpPr>
-        <p:cNvPr id="1" name=""/>
-        <p:cNvGrpSpPr/>
-        <p:nvPr/>
-      </p:nvGrpSpPr>
-      <p:grpSpPr>
-        <a:xfrm>
-          <a:off x="0" y="0"/>
-          <a:ext cx="0" cy="0"/>
-          <a:chOff x="0" y="0"/>
-          <a:chExt cx="0" cy="0"/>
-        </a:xfrm>
-      </p:grpSpPr>
-      <p:sp>
-        <p:nvSpPr>
-          <p:cNvPr id="2" name="Title 1"/>
-          <p:cNvSpPr>
-            <a:spLocks noGrp="1"/>
-          </p:cNvSpPr>
-          <p:nvPr>
-            <p:ph type="title"/>
-          </p:nvPr>
-        </p:nvSpPr>
-        <p:spPr/>
-        <p:txBody>
-          <a:bodyPr/>
-          <a:lstStyle/>
-          <a:p>
-            <a:r>
-              <a:rPr lang="en-US" dirty="0"/>
-              <a:t>Pollack’s rule</a:t>
-            </a:r>
-          </a:p>
-        </p:txBody>
-      </p:sp>
-      <p:sp>
-        <p:nvSpPr>
-          <p:cNvPr id="3" name="Content Placeholder 2"/>
-          <p:cNvSpPr>
-            <a:spLocks noGrp="1"/>
-          </p:cNvSpPr>
-          <p:nvPr>
-            <p:ph idx="1"/>
-          </p:nvPr>
-        </p:nvSpPr>
-        <p:spPr>
-          <a:xfrm>
-            <a:off x="457200" y="1600200"/>
-            <a:ext cx="8229600" cy="1062421"/>
-          </a:xfrm>
-        </p:spPr>
-        <p:txBody>
-          <a:bodyPr/>
-          <a:lstStyle/>
-          <a:p>
-            <a:r>
-              <a:rPr lang="en-US" sz="2800" dirty="0"/>
-              <a:t>The performance of a processing core is proportional to the square root of its area</a:t>
-            </a:r>
-          </a:p>
-          <a:p>
-            <a:endParaRPr lang="en-US" dirty="0"/>
-          </a:p>
-        </p:txBody>
-      </p:sp>
-      <p:sp>
-        <p:nvSpPr>
-          <p:cNvPr id="4" name="TextBox 3"/>
-          <p:cNvSpPr txBox="1"/>
-          <p:nvPr/>
-        </p:nvSpPr>
-        <p:spPr>
-          <a:xfrm>
-            <a:off x="457200" y="2664090"/>
-            <a:ext cx="8325262" cy="1815882"/>
-          </a:xfrm>
-          <a:prstGeom prst="rect">
-            <a:avLst/>
-          </a:prstGeom>
-          <a:noFill/>
-        </p:spPr>
-        <p:txBody>
-          <a:bodyPr wrap="square" rtlCol="0">
-            <a:spAutoFit/>
-          </a:bodyPr>
-          <a:lstStyle/>
-          <a:p>
-            <a:r>
-              <a:rPr lang="en-US" sz="2800" dirty="0"/>
-              <a:t>If a single core is replaced by 4 cores, each ¼ as large, what is the expected peak performance of the entire system?  (i.e. the performance assuming all 4 could be kept perfectly busy) </a:t>
-            </a:r>
-          </a:p>
-        </p:txBody>
-      </p:sp>
-      <p:sp>
-        <p:nvSpPr>
-          <p:cNvPr id="7" name="Rectangle 6">
-            <a:extLst>
-              <a:ext uri="{FF2B5EF4-FFF2-40B4-BE49-F238E27FC236}">
-                <a16:creationId xmlns:a16="http://schemas.microsoft.com/office/drawing/2014/main" id="{52E024E2-0CF8-C647-9D2F-CF6DD0CF5851}"/>
-              </a:ext>
-            </a:extLst>
-          </p:cNvPr>
-          <p:cNvSpPr/>
-          <p:nvPr/>
-        </p:nvSpPr>
-        <p:spPr>
-          <a:xfrm>
-            <a:off x="2248015" y="4687791"/>
-            <a:ext cx="837066" cy="856348"/>
-          </a:xfrm>
-          <a:prstGeom prst="rect">
-            <a:avLst/>
-          </a:prstGeom>
-          <a:noFill/>
-          <a:ln>
-            <a:solidFill>
-              <a:schemeClr val="tx1"/>
-            </a:solidFill>
-          </a:ln>
-        </p:spPr>
-        <p:style>
-          <a:lnRef idx="1">
-            <a:schemeClr val="accent1"/>
-          </a:lnRef>
-          <a:fillRef idx="3">
-            <a:schemeClr val="accent1"/>
-          </a:fillRef>
-          <a:effectRef idx="2">
-            <a:schemeClr val="accent1"/>
-          </a:effectRef>
-          <a:fontRef idx="minor">
-            <a:schemeClr val="lt1"/>
-          </a:fontRef>
-        </p:style>
-        <p:txBody>
-          <a:bodyPr rtlCol="0" anchor="ctr"/>
-          <a:lstStyle/>
-          <a:p>
-            <a:pPr algn="ctr"/>
-            <a:r>
-              <a:rPr lang="en-US" dirty="0">
-                <a:solidFill>
-                  <a:srgbClr val="000000"/>
-                </a:solidFill>
-              </a:rPr>
-              <a:t>1/4</a:t>
-            </a:r>
-          </a:p>
-        </p:txBody>
-      </p:sp>
-      <p:sp>
-        <p:nvSpPr>
-          <p:cNvPr id="8" name="Rectangle 7">
-            <a:extLst>
-              <a:ext uri="{FF2B5EF4-FFF2-40B4-BE49-F238E27FC236}">
-                <a16:creationId xmlns:a16="http://schemas.microsoft.com/office/drawing/2014/main" id="{0897F903-B115-EA43-A826-9C148D131BA4}"/>
-              </a:ext>
-            </a:extLst>
-          </p:cNvPr>
-          <p:cNvSpPr/>
-          <p:nvPr/>
-        </p:nvSpPr>
-        <p:spPr>
-          <a:xfrm>
-            <a:off x="2248015" y="5544139"/>
-            <a:ext cx="837066" cy="856348"/>
-          </a:xfrm>
-          <a:prstGeom prst="rect">
-            <a:avLst/>
-          </a:prstGeom>
-          <a:noFill/>
-          <a:ln>
-            <a:solidFill>
-              <a:schemeClr val="tx1"/>
-            </a:solidFill>
-          </a:ln>
-        </p:spPr>
-        <p:style>
-          <a:lnRef idx="1">
-            <a:schemeClr val="accent1"/>
-          </a:lnRef>
-          <a:fillRef idx="3">
-            <a:schemeClr val="accent1"/>
-          </a:fillRef>
-          <a:effectRef idx="2">
-            <a:schemeClr val="accent1"/>
-          </a:effectRef>
-          <a:fontRef idx="minor">
-            <a:schemeClr val="lt1"/>
-          </a:fontRef>
-        </p:style>
-        <p:txBody>
-          <a:bodyPr rtlCol="0" anchor="ctr"/>
-          <a:lstStyle/>
-          <a:p>
-            <a:pPr algn="ctr"/>
-            <a:r>
-              <a:rPr lang="en-US" dirty="0">
-                <a:solidFill>
-                  <a:srgbClr val="000000"/>
-                </a:solidFill>
-              </a:rPr>
-              <a:t>1/4</a:t>
-            </a:r>
-          </a:p>
-        </p:txBody>
-      </p:sp>
-      <p:sp>
-        <p:nvSpPr>
-          <p:cNvPr id="9" name="Rectangle 8">
-            <a:extLst>
-              <a:ext uri="{FF2B5EF4-FFF2-40B4-BE49-F238E27FC236}">
-                <a16:creationId xmlns:a16="http://schemas.microsoft.com/office/drawing/2014/main" id="{7F5ADFB5-A7F0-924D-9098-0DE1A87755D6}"/>
-              </a:ext>
-            </a:extLst>
-          </p:cNvPr>
-          <p:cNvSpPr/>
-          <p:nvPr/>
-        </p:nvSpPr>
-        <p:spPr>
-          <a:xfrm>
-            <a:off x="1410949" y="5544139"/>
-            <a:ext cx="837066" cy="856348"/>
-          </a:xfrm>
-          <a:prstGeom prst="rect">
-            <a:avLst/>
-          </a:prstGeom>
-          <a:noFill/>
-          <a:ln>
-            <a:solidFill>
-              <a:schemeClr val="tx1"/>
-            </a:solidFill>
-          </a:ln>
-        </p:spPr>
-        <p:style>
-          <a:lnRef idx="1">
-            <a:schemeClr val="accent1"/>
-          </a:lnRef>
-          <a:fillRef idx="3">
-            <a:schemeClr val="accent1"/>
-          </a:fillRef>
-          <a:effectRef idx="2">
-            <a:schemeClr val="accent1"/>
-          </a:effectRef>
-          <a:fontRef idx="minor">
-            <a:schemeClr val="lt1"/>
-          </a:fontRef>
-        </p:style>
-        <p:txBody>
-          <a:bodyPr rtlCol="0" anchor="ctr"/>
-          <a:lstStyle/>
-          <a:p>
-            <a:pPr algn="ctr"/>
-            <a:r>
-              <a:rPr lang="en-US" dirty="0">
-                <a:solidFill>
-                  <a:srgbClr val="000000"/>
-                </a:solidFill>
-              </a:rPr>
-              <a:t>1/4</a:t>
-            </a:r>
-          </a:p>
-        </p:txBody>
-      </p:sp>
-      <p:sp>
-        <p:nvSpPr>
-          <p:cNvPr id="10" name="Rectangle 9">
-            <a:extLst>
-              <a:ext uri="{FF2B5EF4-FFF2-40B4-BE49-F238E27FC236}">
-                <a16:creationId xmlns:a16="http://schemas.microsoft.com/office/drawing/2014/main" id="{ECB5A07A-B75D-3F4E-8985-0D33B239A41C}"/>
-              </a:ext>
-            </a:extLst>
-          </p:cNvPr>
-          <p:cNvSpPr/>
-          <p:nvPr/>
-        </p:nvSpPr>
-        <p:spPr>
-          <a:xfrm>
-            <a:off x="1410949" y="4676240"/>
-            <a:ext cx="837066" cy="856348"/>
-          </a:xfrm>
-          <a:prstGeom prst="rect">
-            <a:avLst/>
-          </a:prstGeom>
-          <a:noFill/>
-          <a:ln>
-            <a:solidFill>
-              <a:schemeClr val="tx1"/>
-            </a:solidFill>
-          </a:ln>
-        </p:spPr>
-        <p:style>
-          <a:lnRef idx="1">
-            <a:schemeClr val="accent1"/>
-          </a:lnRef>
-          <a:fillRef idx="3">
-            <a:schemeClr val="accent1"/>
-          </a:fillRef>
-          <a:effectRef idx="2">
-            <a:schemeClr val="accent1"/>
-          </a:effectRef>
-          <a:fontRef idx="minor">
-            <a:schemeClr val="lt1"/>
-          </a:fontRef>
-        </p:style>
-        <p:txBody>
-          <a:bodyPr rtlCol="0" anchor="ctr"/>
-          <a:lstStyle/>
-          <a:p>
-            <a:pPr algn="ctr"/>
-            <a:r>
-              <a:rPr lang="en-US" dirty="0">
-                <a:solidFill>
-                  <a:srgbClr val="000000"/>
-                </a:solidFill>
-              </a:rPr>
-              <a:t>1/4</a:t>
-            </a:r>
-          </a:p>
-        </p:txBody>
-      </p:sp>
-      <p:sp>
-        <p:nvSpPr>
-          <p:cNvPr id="11" name="Rectangular Callout 10">
-            <a:extLst>
-              <a:ext uri="{FF2B5EF4-FFF2-40B4-BE49-F238E27FC236}">
-                <a16:creationId xmlns:a16="http://schemas.microsoft.com/office/drawing/2014/main" id="{02F22138-95D1-FF45-A603-B1734B1AF2D0}"/>
-              </a:ext>
-            </a:extLst>
-          </p:cNvPr>
-          <p:cNvSpPr/>
-          <p:nvPr/>
-        </p:nvSpPr>
-        <p:spPr>
-          <a:xfrm>
-            <a:off x="3553031" y="4515771"/>
-            <a:ext cx="2956567" cy="496284"/>
-          </a:xfrm>
-          <a:prstGeom prst="wedgeRectCallout">
-            <a:avLst>
-              <a:gd name="adj1" fmla="val -70322"/>
-              <a:gd name="adj2" fmla="val 44839"/>
-            </a:avLst>
-          </a:prstGeom>
-        </p:spPr>
-        <p:style>
-          <a:lnRef idx="1">
-            <a:schemeClr val="accent1"/>
-          </a:lnRef>
-          <a:fillRef idx="3">
-            <a:schemeClr val="accent1"/>
-          </a:fillRef>
-          <a:effectRef idx="2">
-            <a:schemeClr val="accent1"/>
-          </a:effectRef>
-          <a:fontRef idx="minor">
-            <a:schemeClr val="lt1"/>
-          </a:fontRef>
-        </p:style>
-        <p:txBody>
-          <a:bodyPr rtlCol="0" anchor="ctr"/>
-          <a:lstStyle/>
-          <a:p>
-            <a:pPr algn="ctr"/>
-            <a:r>
-              <a:rPr lang="en-US" dirty="0">
-                <a:solidFill>
-                  <a:schemeClr val="tx1"/>
-                </a:solidFill>
-              </a:rPr>
-              <a:t>Performance: sqrt(1/4) = ½</a:t>
-            </a:r>
-          </a:p>
-        </p:txBody>
-      </p:sp>
-      <p:sp>
-        <p:nvSpPr>
-          <p:cNvPr id="12" name="TextBox 11">
-            <a:extLst>
-              <a:ext uri="{FF2B5EF4-FFF2-40B4-BE49-F238E27FC236}">
-                <a16:creationId xmlns:a16="http://schemas.microsoft.com/office/drawing/2014/main" id="{51FAA2CC-E365-DA4A-B5CB-F672AE933187}"/>
-              </a:ext>
-            </a:extLst>
-          </p:cNvPr>
-          <p:cNvSpPr txBox="1"/>
-          <p:nvPr/>
-        </p:nvSpPr>
-        <p:spPr>
-          <a:xfrm>
-            <a:off x="4572000" y="5569490"/>
-            <a:ext cx="3824317" cy="830997"/>
-          </a:xfrm>
-          <a:prstGeom prst="rect">
-            <a:avLst/>
-          </a:prstGeom>
-          <a:noFill/>
-        </p:spPr>
-        <p:txBody>
-          <a:bodyPr wrap="none" rtlCol="0">
-            <a:spAutoFit/>
-          </a:bodyPr>
-          <a:lstStyle/>
-          <a:p>
-            <a:r>
-              <a:rPr lang="en-US" sz="2400" dirty="0"/>
-              <a:t>Total performance: 4 ✕ ½ = 2</a:t>
-            </a:r>
-          </a:p>
-          <a:p>
-            <a:r>
-              <a:rPr lang="en-US" sz="2400" dirty="0"/>
-              <a:t>                        (twice as much)</a:t>
-            </a:r>
-          </a:p>
-        </p:txBody>
-      </p:sp>
-    </p:spTree>
-  </p:cSld>
-  <p:clrMapOvr>
-    <a:masterClrMapping/>
-  </p:clrMapOvr>
-</p:sld>
-</file>
-
-<file path=ppt/slides/slide4.xml><?xml version="1.0" encoding="utf-8"?>
-<p:sld xmlns:a="http://schemas.openxmlformats.org/drawingml/2006/main" xmlns:r="http://schemas.openxmlformats.org/officeDocument/2006/relationships" xmlns:p="http://schemas.openxmlformats.org/presentationml/2006/main">
-  <p:cSld>
-    <p:spTree>
-      <p:nvGrpSpPr>
-        <p:cNvPr id="1" name=""/>
-        <p:cNvGrpSpPr/>
-        <p:nvPr/>
-      </p:nvGrpSpPr>
-      <p:grpSpPr>
-        <a:xfrm>
-          <a:off x="0" y="0"/>
-          <a:ext cx="0" cy="0"/>
-          <a:chOff x="0" y="0"/>
-          <a:chExt cx="0" cy="0"/>
-        </a:xfrm>
-      </p:grpSpPr>
-      <p:sp>
-        <p:nvSpPr>
-          <p:cNvPr id="2" name="Title 1"/>
-          <p:cNvSpPr>
-            <a:spLocks noGrp="1"/>
-          </p:cNvSpPr>
-          <p:nvPr>
-            <p:ph type="title"/>
-          </p:nvPr>
-        </p:nvSpPr>
-        <p:spPr/>
-        <p:txBody>
-          <a:bodyPr>
-            <a:noAutofit/>
-          </a:bodyPr>
-          <a:lstStyle/>
-          <a:p>
-            <a:r>
-              <a:rPr lang="en-US" sz="3600" dirty="0"/>
-              <a:t>How does the running time change when a single core is replaced with 4 cores if only half the program can be parallelized?</a:t>
-            </a:r>
-          </a:p>
-        </p:txBody>
-      </p:sp>
-      <p:sp>
-        <p:nvSpPr>
-          <p:cNvPr id="3" name="Content Placeholder 2"/>
-          <p:cNvSpPr>
-            <a:spLocks noGrp="1"/>
-          </p:cNvSpPr>
-          <p:nvPr>
-            <p:ph idx="1"/>
-          </p:nvPr>
-        </p:nvSpPr>
-        <p:spPr>
-          <a:xfrm>
-            <a:off x="457200" y="2136556"/>
-            <a:ext cx="8229600" cy="3989607"/>
-          </a:xfrm>
-        </p:spPr>
-        <p:txBody>
-          <a:bodyPr/>
-          <a:lstStyle/>
-          <a:p>
-            <a:r>
-              <a:rPr lang="en-US" dirty="0"/>
-              <a:t>Parallel part:</a:t>
-            </a:r>
-          </a:p>
-          <a:p>
-            <a:pPr>
-              <a:buNone/>
-            </a:pPr>
-            <a:r>
-              <a:rPr lang="en-US" dirty="0"/>
-              <a:t>			½ the work / 2 the performance = ¼ </a:t>
-            </a:r>
-          </a:p>
-          <a:p>
-            <a:r>
-              <a:rPr lang="en-US" dirty="0">
-                <a:solidFill>
-                  <a:schemeClr val="bg1"/>
-                </a:solidFill>
-              </a:rPr>
-              <a:t>Serial part:</a:t>
-            </a:r>
-          </a:p>
-          <a:p>
-            <a:pPr>
-              <a:buNone/>
-            </a:pPr>
-            <a:r>
-              <a:rPr lang="en-US" dirty="0">
-                <a:solidFill>
-                  <a:schemeClr val="bg1"/>
-                </a:solidFill>
-              </a:rPr>
-              <a:t>			½ the work / ½ the performance = 1</a:t>
-            </a:r>
-          </a:p>
-          <a:p>
-            <a:pPr>
-              <a:buNone/>
-            </a:pPr>
-            <a:endParaRPr lang="en-US" dirty="0">
-              <a:solidFill>
-                <a:schemeClr val="bg1"/>
-              </a:solidFill>
-            </a:endParaRPr>
-          </a:p>
-          <a:p>
-            <a:pPr>
-              <a:buNone/>
-            </a:pPr>
-            <a:r>
-              <a:rPr lang="en-US" dirty="0">
-                <a:solidFill>
-                  <a:schemeClr val="bg1"/>
-                </a:solidFill>
-              </a:rPr>
-              <a:t>Total time: 1.25 times as long</a:t>
-            </a:r>
-          </a:p>
-          <a:p>
-            <a:pPr>
-              <a:buNone/>
-            </a:pPr>
-            <a:endParaRPr lang="en-US" dirty="0"/>
-          </a:p>
-        </p:txBody>
-      </p:sp>
-    </p:spTree>
-  </p:cSld>
-  <p:clrMapOvr>
-    <a:masterClrMapping/>
-  </p:clrMapOvr>
-</p:sld>
-</file>
-
-<file path=ppt/slides/slide5.xml><?xml version="1.0" encoding="utf-8"?>
-<p:sld xmlns:a="http://schemas.openxmlformats.org/drawingml/2006/main" xmlns:r="http://schemas.openxmlformats.org/officeDocument/2006/relationships" xmlns:p="http://schemas.openxmlformats.org/presentationml/2006/main">
-  <p:cSld>
-    <p:spTree>
-      <p:nvGrpSpPr>
-        <p:cNvPr id="1" name=""/>
-        <p:cNvGrpSpPr/>
-        <p:nvPr/>
-      </p:nvGrpSpPr>
-      <p:grpSpPr>
-        <a:xfrm>
-          <a:off x="0" y="0"/>
-          <a:ext cx="0" cy="0"/>
-          <a:chOff x="0" y="0"/>
-          <a:chExt cx="0" cy="0"/>
-        </a:xfrm>
-      </p:grpSpPr>
-      <p:sp>
-        <p:nvSpPr>
-          <p:cNvPr id="2" name="Title 1"/>
-          <p:cNvSpPr>
-            <a:spLocks noGrp="1"/>
-          </p:cNvSpPr>
-          <p:nvPr>
-            <p:ph type="title"/>
-          </p:nvPr>
-        </p:nvSpPr>
-        <p:spPr/>
-        <p:txBody>
-          <a:bodyPr>
-            <a:noAutofit/>
-          </a:bodyPr>
-          <a:lstStyle/>
-          <a:p>
-            <a:r>
-              <a:rPr lang="en-US" sz="3600" dirty="0"/>
-              <a:t>How does the running time change when a single core is replaced with 4 cores if only half the program can be parallelized?</a:t>
-            </a:r>
-          </a:p>
-        </p:txBody>
-      </p:sp>
-      <p:sp>
-        <p:nvSpPr>
-          <p:cNvPr id="3" name="Content Placeholder 2"/>
-          <p:cNvSpPr>
-            <a:spLocks noGrp="1"/>
-          </p:cNvSpPr>
-          <p:nvPr>
-            <p:ph idx="1"/>
-          </p:nvPr>
-        </p:nvSpPr>
-        <p:spPr>
-          <a:xfrm>
-            <a:off x="457200" y="2136556"/>
-            <a:ext cx="8229600" cy="3989607"/>
-          </a:xfrm>
-        </p:spPr>
-        <p:txBody>
-          <a:bodyPr/>
-          <a:lstStyle/>
-          <a:p>
-            <a:r>
-              <a:rPr lang="en-US" dirty="0"/>
-              <a:t>Parallel part:</a:t>
-            </a:r>
-          </a:p>
-          <a:p>
-            <a:pPr>
-              <a:buNone/>
-            </a:pPr>
-            <a:r>
-              <a:rPr lang="en-US" dirty="0"/>
-              <a:t>			½ the work / 2 the performance = ¼ </a:t>
-            </a:r>
-          </a:p>
-          <a:p>
-            <a:r>
-              <a:rPr lang="en-US" dirty="0"/>
-              <a:t>Serial part:</a:t>
-            </a:r>
-          </a:p>
-          <a:p>
-            <a:pPr>
-              <a:buNone/>
-            </a:pPr>
-            <a:r>
-              <a:rPr lang="en-US" dirty="0"/>
-              <a:t>			½ the work / ½ the performance = 1</a:t>
-            </a:r>
-          </a:p>
-          <a:p>
-            <a:pPr>
-              <a:buNone/>
-            </a:pPr>
-            <a:endParaRPr lang="en-US" dirty="0"/>
-          </a:p>
-          <a:p>
-            <a:pPr>
-              <a:buNone/>
-            </a:pPr>
-            <a:r>
-              <a:rPr lang="en-US" dirty="0"/>
-              <a:t>Total time: 1.25 times as long</a:t>
-            </a:r>
-          </a:p>
-          <a:p>
-            <a:pPr>
-              <a:buNone/>
-            </a:pPr>
-            <a:endParaRPr lang="en-US" dirty="0"/>
-          </a:p>
-        </p:txBody>
-      </p:sp>
-    </p:spTree>
-  </p:cSld>
-  <p:clrMapOvr>
-    <a:masterClrMapping/>
-  </p:clrMapOvr>
-</p:sld>
-</file>
-
-<file path=ppt/slides/slide6.xml><?xml version="1.0" encoding="utf-8"?>
-<p:sld xmlns:a="http://schemas.openxmlformats.org/drawingml/2006/main" xmlns:r="http://schemas.openxmlformats.org/officeDocument/2006/relationships" xmlns:p="http://schemas.openxmlformats.org/presentationml/2006/main">
-  <p:cSld>
-    <p:spTree>
-      <p:nvGrpSpPr>
-        <p:cNvPr id="1" name=""/>
-        <p:cNvGrpSpPr/>
-        <p:nvPr/>
-      </p:nvGrpSpPr>
-      <p:grpSpPr>
-        <a:xfrm>
-          <a:off x="0" y="0"/>
-          <a:ext cx="0" cy="0"/>
-          <a:chOff x="0" y="0"/>
-          <a:chExt cx="0" cy="0"/>
-        </a:xfrm>
-      </p:grpSpPr>
-      <p:sp>
-        <p:nvSpPr>
-          <p:cNvPr id="2" name="Title 1">
-            <a:extLst>
-              <a:ext uri="{FF2B5EF4-FFF2-40B4-BE49-F238E27FC236}">
-                <a16:creationId xmlns:a16="http://schemas.microsoft.com/office/drawing/2014/main" id="{104CD9A9-4991-3F49-9A1D-88DE5098E030}"/>
-              </a:ext>
-            </a:extLst>
-          </p:cNvPr>
-          <p:cNvSpPr>
-            <a:spLocks noGrp="1"/>
-          </p:cNvSpPr>
-          <p:nvPr>
-            <p:ph type="title"/>
-          </p:nvPr>
-        </p:nvSpPr>
-        <p:spPr/>
-        <p:txBody>
-          <a:bodyPr/>
-          <a:lstStyle/>
-          <a:p>
-            <a:r>
-              <a:rPr lang="en-US" dirty="0"/>
-              <a:t>Recall: Amdahl’s Law</a:t>
-            </a:r>
-          </a:p>
-        </p:txBody>
-      </p:sp>
-      <p:grpSp>
-        <p:nvGrpSpPr>
-          <p:cNvPr id="11" name="Group 10">
-            <a:extLst>
-              <a:ext uri="{FF2B5EF4-FFF2-40B4-BE49-F238E27FC236}">
-                <a16:creationId xmlns:a16="http://schemas.microsoft.com/office/drawing/2014/main" id="{5EE9E795-1AF2-8F4A-90EB-F63A55CA3804}"/>
-              </a:ext>
-            </a:extLst>
-          </p:cNvPr>
-          <p:cNvGrpSpPr/>
-          <p:nvPr/>
-        </p:nvGrpSpPr>
-        <p:grpSpPr>
-          <a:xfrm>
-            <a:off x="2520668" y="2017783"/>
-            <a:ext cx="4102662" cy="1330044"/>
-            <a:chOff x="2257426" y="2775020"/>
-            <a:chExt cx="4102662" cy="1330044"/>
-          </a:xfrm>
-        </p:grpSpPr>
-        <p:sp>
-          <p:nvSpPr>
-            <p:cNvPr id="4" name="TextBox 3">
-              <a:extLst>
-                <a:ext uri="{FF2B5EF4-FFF2-40B4-BE49-F238E27FC236}">
-                  <a16:creationId xmlns:a16="http://schemas.microsoft.com/office/drawing/2014/main" id="{0EE5BF7B-6D98-D54B-A871-FED309D2F8D3}"/>
-                </a:ext>
-              </a:extLst>
-            </p:cNvPr>
-            <p:cNvSpPr txBox="1"/>
-            <p:nvPr/>
-          </p:nvSpPr>
-          <p:spPr>
-            <a:xfrm>
-              <a:off x="2257426" y="3128963"/>
-              <a:ext cx="4102662" cy="707886"/>
-            </a:xfrm>
-            <a:prstGeom prst="rect">
-              <a:avLst/>
-            </a:prstGeom>
-            <a:noFill/>
-          </p:spPr>
-          <p:txBody>
-            <a:bodyPr wrap="none" rtlCol="0">
-              <a:spAutoFit/>
-            </a:bodyPr>
-            <a:lstStyle/>
-            <a:p>
-              <a:r>
-                <a:rPr lang="en-US" sz="4000" dirty="0" err="1"/>
-                <a:t>T</a:t>
-              </a:r>
-              <a:r>
-                <a:rPr lang="en-US" sz="4000" baseline="-25000" dirty="0" err="1"/>
-                <a:t>p</a:t>
-              </a:r>
-              <a:r>
-                <a:rPr lang="en-US" sz="4000" dirty="0"/>
-                <a:t> =                  + T</a:t>
-              </a:r>
-              <a:r>
-                <a:rPr lang="en-US" sz="4000" baseline="-25000" dirty="0"/>
-                <a:t>1</a:t>
-              </a:r>
-              <a:r>
-                <a:rPr lang="en-US" sz="4000" dirty="0"/>
-                <a:t>B</a:t>
-              </a:r>
-              <a:endParaRPr lang="en-US" sz="4000" baseline="-25000" dirty="0"/>
-            </a:p>
-          </p:txBody>
-        </p:sp>
-        <p:sp>
-          <p:nvSpPr>
-            <p:cNvPr id="5" name="TextBox 4">
-              <a:extLst>
-                <a:ext uri="{FF2B5EF4-FFF2-40B4-BE49-F238E27FC236}">
-                  <a16:creationId xmlns:a16="http://schemas.microsoft.com/office/drawing/2014/main" id="{1E2E73E5-596C-844E-8E51-89F5F9E87E9B}"/>
-                </a:ext>
-              </a:extLst>
-            </p:cNvPr>
-            <p:cNvSpPr txBox="1"/>
-            <p:nvPr/>
-          </p:nvSpPr>
-          <p:spPr>
-            <a:xfrm>
-              <a:off x="3357563" y="2775020"/>
-              <a:ext cx="1614545" cy="707886"/>
-            </a:xfrm>
-            <a:prstGeom prst="rect">
-              <a:avLst/>
-            </a:prstGeom>
-            <a:noFill/>
-          </p:spPr>
-          <p:txBody>
-            <a:bodyPr wrap="none" rtlCol="0">
-              <a:spAutoFit/>
-            </a:bodyPr>
-            <a:lstStyle/>
-            <a:p>
-              <a:r>
-                <a:rPr lang="en-US" sz="4000" dirty="0"/>
-                <a:t>T</a:t>
-              </a:r>
-              <a:r>
-                <a:rPr lang="en-US" sz="4000" baseline="-25000" dirty="0"/>
-                <a:t>1</a:t>
-              </a:r>
-              <a:r>
-                <a:rPr lang="en-US" sz="4000" dirty="0"/>
-                <a:t>(1-B)</a:t>
-              </a:r>
-              <a:endParaRPr lang="en-US" sz="4000" baseline="-25000" dirty="0"/>
-            </a:p>
-          </p:txBody>
-        </p:sp>
-        <p:sp>
-          <p:nvSpPr>
-            <p:cNvPr id="6" name="TextBox 5">
-              <a:extLst>
-                <a:ext uri="{FF2B5EF4-FFF2-40B4-BE49-F238E27FC236}">
-                  <a16:creationId xmlns:a16="http://schemas.microsoft.com/office/drawing/2014/main" id="{204C7192-140E-9F42-9AA2-B3D848832DA4}"/>
-                </a:ext>
-              </a:extLst>
-            </p:cNvPr>
-            <p:cNvSpPr txBox="1"/>
-            <p:nvPr/>
-          </p:nvSpPr>
-          <p:spPr>
-            <a:xfrm>
-              <a:off x="3923562" y="3397178"/>
-              <a:ext cx="453970" cy="707886"/>
-            </a:xfrm>
-            <a:prstGeom prst="rect">
-              <a:avLst/>
-            </a:prstGeom>
-            <a:noFill/>
-          </p:spPr>
-          <p:txBody>
-            <a:bodyPr wrap="none" rtlCol="0">
-              <a:spAutoFit/>
-            </a:bodyPr>
-            <a:lstStyle/>
-            <a:p>
-              <a:r>
-                <a:rPr lang="en-US" sz="4000" dirty="0"/>
-                <a:t>p</a:t>
-              </a:r>
-            </a:p>
-          </p:txBody>
-        </p:sp>
-        <p:cxnSp>
-          <p:nvCxnSpPr>
-            <p:cNvPr id="8" name="Straight Connector 7">
-              <a:extLst>
-                <a:ext uri="{FF2B5EF4-FFF2-40B4-BE49-F238E27FC236}">
-                  <a16:creationId xmlns:a16="http://schemas.microsoft.com/office/drawing/2014/main" id="{E38DC3D3-2194-2741-9062-7C7F150D5E07}"/>
-                </a:ext>
-              </a:extLst>
-            </p:cNvPr>
-            <p:cNvCxnSpPr>
-              <a:cxnSpLocks/>
-            </p:cNvCxnSpPr>
-            <p:nvPr/>
-          </p:nvCxnSpPr>
-          <p:spPr>
-            <a:xfrm>
-              <a:off x="3357563" y="3497193"/>
-              <a:ext cx="1614545" cy="0"/>
-            </a:xfrm>
-            <a:prstGeom prst="line">
-              <a:avLst/>
-            </a:prstGeom>
-            <a:ln>
-              <a:solidFill>
-                <a:schemeClr val="tx1"/>
-              </a:solidFill>
-            </a:ln>
-          </p:spPr>
-          <p:style>
-            <a:lnRef idx="2">
-              <a:schemeClr val="accent1"/>
-            </a:lnRef>
-            <a:fillRef idx="0">
-              <a:schemeClr val="accent1"/>
-            </a:fillRef>
-            <a:effectRef idx="1">
-              <a:schemeClr val="accent1"/>
-            </a:effectRef>
-            <a:fontRef idx="minor">
-              <a:schemeClr val="tx1"/>
-            </a:fontRef>
-          </p:style>
-        </p:cxnSp>
-      </p:grpSp>
-      <p:sp>
-        <p:nvSpPr>
-          <p:cNvPr id="10" name="TextBox 9">
-            <a:extLst>
-              <a:ext uri="{FF2B5EF4-FFF2-40B4-BE49-F238E27FC236}">
-                <a16:creationId xmlns:a16="http://schemas.microsoft.com/office/drawing/2014/main" id="{91FB579A-423F-754F-A6EC-CA2AEC0DD5C5}"/>
-              </a:ext>
-            </a:extLst>
-          </p:cNvPr>
-          <p:cNvSpPr txBox="1"/>
-          <p:nvPr/>
-        </p:nvSpPr>
-        <p:spPr>
-          <a:xfrm>
-            <a:off x="1029459" y="4336981"/>
-            <a:ext cx="7085081" cy="1384995"/>
-          </a:xfrm>
-          <a:prstGeom prst="rect">
-            <a:avLst/>
-          </a:prstGeom>
-          <a:noFill/>
-        </p:spPr>
-        <p:txBody>
-          <a:bodyPr wrap="none" rtlCol="0">
-            <a:spAutoFit/>
-          </a:bodyPr>
-          <a:lstStyle/>
-          <a:p>
-            <a:r>
-              <a:rPr lang="en-US" sz="2800" dirty="0" err="1"/>
-              <a:t>T</a:t>
-            </a:r>
-            <a:r>
-              <a:rPr lang="en-US" sz="2800" baseline="-25000" dirty="0" err="1"/>
-              <a:t>p</a:t>
-            </a:r>
-            <a:r>
-              <a:rPr lang="en-US" sz="2800" dirty="0"/>
-              <a:t> = processing time on p processors</a:t>
-            </a:r>
-          </a:p>
-          <a:p>
-            <a:r>
-              <a:rPr lang="en-US" sz="2800" dirty="0"/>
-              <a:t>T</a:t>
-            </a:r>
-            <a:r>
-              <a:rPr lang="en-US" sz="2800" baseline="-25000" dirty="0"/>
-              <a:t>1</a:t>
-            </a:r>
-            <a:r>
-              <a:rPr lang="en-US" sz="2800" dirty="0"/>
-              <a:t> = processing time on 1 processor</a:t>
-            </a:r>
-          </a:p>
-          <a:p>
-            <a:r>
-              <a:rPr lang="en-US" sz="2800" dirty="0"/>
-              <a:t> B = fraction of program that can run in </a:t>
-            </a:r>
-            <a:r>
-              <a:rPr lang="en-US" sz="2800" dirty="0" err="1"/>
-              <a:t>paralllel</a:t>
-            </a:r>
-            <a:endParaRPr lang="en-US" sz="2800" dirty="0"/>
-          </a:p>
-        </p:txBody>
-      </p:sp>
-      <p:sp>
-        <p:nvSpPr>
-          <p:cNvPr id="12" name="TextBox 11">
-            <a:extLst>
-              <a:ext uri="{FF2B5EF4-FFF2-40B4-BE49-F238E27FC236}">
-                <a16:creationId xmlns:a16="http://schemas.microsoft.com/office/drawing/2014/main" id="{5D43B1AD-3ED6-4745-B0AC-7A1511E51085}"/>
-              </a:ext>
-            </a:extLst>
-          </p:cNvPr>
-          <p:cNvSpPr txBox="1"/>
-          <p:nvPr/>
-        </p:nvSpPr>
-        <p:spPr>
-          <a:xfrm>
-            <a:off x="5494495" y="3347827"/>
-            <a:ext cx="1128835" cy="646331"/>
-          </a:xfrm>
-          <a:prstGeom prst="rect">
-            <a:avLst/>
-          </a:prstGeom>
-          <a:noFill/>
-        </p:spPr>
-        <p:txBody>
-          <a:bodyPr wrap="none" rtlCol="0">
-            <a:spAutoFit/>
-          </a:bodyPr>
-          <a:lstStyle/>
-          <a:p>
-            <a:r>
-              <a:rPr lang="en-US" dirty="0"/>
-              <a:t>Time for</a:t>
-            </a:r>
-          </a:p>
-          <a:p>
-            <a:r>
-              <a:rPr lang="en-US" dirty="0"/>
-              <a:t>serial part</a:t>
-            </a:r>
-          </a:p>
-        </p:txBody>
-      </p:sp>
-      <p:sp>
-        <p:nvSpPr>
-          <p:cNvPr id="13" name="TextBox 12">
-            <a:extLst>
-              <a:ext uri="{FF2B5EF4-FFF2-40B4-BE49-F238E27FC236}">
-                <a16:creationId xmlns:a16="http://schemas.microsoft.com/office/drawing/2014/main" id="{DB8CE659-1C71-0A44-836D-F7A56E5F5938}"/>
-              </a:ext>
-            </a:extLst>
-          </p:cNvPr>
-          <p:cNvSpPr txBox="1"/>
-          <p:nvPr/>
-        </p:nvSpPr>
-        <p:spPr>
-          <a:xfrm>
-            <a:off x="3747977" y="3385131"/>
-            <a:ext cx="1319657" cy="646331"/>
-          </a:xfrm>
-          <a:prstGeom prst="rect">
-            <a:avLst/>
-          </a:prstGeom>
-          <a:noFill/>
-        </p:spPr>
-        <p:txBody>
-          <a:bodyPr wrap="none" rtlCol="0">
-            <a:spAutoFit/>
-          </a:bodyPr>
-          <a:lstStyle/>
-          <a:p>
-            <a:r>
-              <a:rPr lang="en-US" dirty="0"/>
-              <a:t>Time for</a:t>
-            </a:r>
-          </a:p>
-          <a:p>
-            <a:r>
-              <a:rPr lang="en-US" dirty="0"/>
-              <a:t>parallel part</a:t>
-            </a:r>
-          </a:p>
-        </p:txBody>
-      </p:sp>
-    </p:spTree>
-    <p:extLst>
-      <p:ext uri="{BB962C8B-B14F-4D97-AF65-F5344CB8AC3E}">
-        <p14:creationId xmlns:p14="http://schemas.microsoft.com/office/powerpoint/2010/main" val="521635561"/>
-      </p:ext>
-    </p:extLst>
-  </p:cSld>
-  <p:clrMapOvr>
-    <a:masterClrMapping/>
-  </p:clrMapOvr>
-</p:sld>
-</file>
-
-<file path=ppt/slides/slide7.xml><?xml version="1.0" encoding="utf-8"?>
-<p:sld xmlns:a="http://schemas.openxmlformats.org/drawingml/2006/main" xmlns:r="http://schemas.openxmlformats.org/officeDocument/2006/relationships" xmlns:p="http://schemas.openxmlformats.org/presentationml/2006/main">
-  <p:cSld>
-    <p:spTree>
-      <p:nvGrpSpPr>
-        <p:cNvPr id="1" name=""/>
-        <p:cNvGrpSpPr/>
-        <p:nvPr/>
-      </p:nvGrpSpPr>
-      <p:grpSpPr>
-        <a:xfrm>
-          <a:off x="0" y="0"/>
-          <a:ext cx="0" cy="0"/>
-          <a:chOff x="0" y="0"/>
-          <a:chExt cx="0" cy="0"/>
-        </a:xfrm>
-      </p:grpSpPr>
-      <p:sp>
-        <p:nvSpPr>
-          <p:cNvPr id="2" name="Title 1"/>
-          <p:cNvSpPr>
-            <a:spLocks noGrp="1"/>
-          </p:cNvSpPr>
-          <p:nvPr>
-            <p:ph type="title"/>
-          </p:nvPr>
-        </p:nvSpPr>
-        <p:spPr>
-          <a:xfrm>
-            <a:off x="457200" y="274638"/>
-            <a:ext cx="8229600" cy="1553018"/>
-          </a:xfrm>
-        </p:spPr>
-        <p:txBody>
-          <a:bodyPr>
-            <a:noAutofit/>
-          </a:bodyPr>
-          <a:lstStyle/>
-          <a:p>
-            <a:r>
-              <a:rPr lang="en-US" sz="3600"/>
-              <a:t>By what factor does the running time of a program that can be 75% parallelized change on 4 equal-sized cores?</a:t>
-            </a:r>
-            <a:endParaRPr lang="en-US" sz="3600" dirty="0"/>
-          </a:p>
-        </p:txBody>
-      </p:sp>
-      <p:sp>
-        <p:nvSpPr>
-          <p:cNvPr id="3" name="Content Placeholder 2"/>
-          <p:cNvSpPr>
-            <a:spLocks noGrp="1"/>
-          </p:cNvSpPr>
-          <p:nvPr>
-            <p:ph idx="1"/>
-          </p:nvPr>
-        </p:nvSpPr>
-        <p:spPr>
-          <a:xfrm>
-            <a:off x="457200" y="2085072"/>
-            <a:ext cx="8229600" cy="4041091"/>
-          </a:xfrm>
-        </p:spPr>
-        <p:txBody>
-          <a:bodyPr/>
-          <a:lstStyle/>
-          <a:p>
-            <a:pPr marL="0" indent="0">
-              <a:spcAft>
-                <a:spcPts val="600"/>
-              </a:spcAft>
-              <a:buNone/>
-            </a:pPr>
-            <a:r>
-              <a:rPr lang="en-US" dirty="0"/>
-              <a:t>Serial part: work / performance = 0.25/0.5 = 0.5</a:t>
-            </a:r>
-          </a:p>
-          <a:p>
-            <a:pPr marL="0" indent="0">
-              <a:spcAft>
-                <a:spcPts val="600"/>
-              </a:spcAft>
-              <a:buNone/>
-            </a:pPr>
-            <a:endParaRPr lang="en-US" dirty="0"/>
-          </a:p>
-          <a:p>
-            <a:pPr marL="0" indent="0">
-              <a:spcAft>
-                <a:spcPts val="600"/>
-              </a:spcAft>
-              <a:buNone/>
-            </a:pPr>
-            <a:r>
-              <a:rPr lang="en-US" dirty="0"/>
-              <a:t>Parallel part: 0.75 / 2 = 0.375</a:t>
-            </a:r>
-          </a:p>
-          <a:p>
-            <a:pPr marL="0" indent="0">
-              <a:spcAft>
-                <a:spcPts val="600"/>
-              </a:spcAft>
-              <a:buNone/>
-            </a:pPr>
-            <a:endParaRPr lang="en-US" dirty="0"/>
-          </a:p>
-          <a:p>
-            <a:pPr marL="0" indent="0">
-              <a:spcAft>
-                <a:spcPts val="600"/>
-              </a:spcAft>
-              <a:buNone/>
-            </a:pPr>
-            <a:r>
-              <a:rPr lang="en-US" dirty="0"/>
-              <a:t>Total time: 0.875 times as long</a:t>
-            </a:r>
-          </a:p>
-        </p:txBody>
-      </p:sp>
-    </p:spTree>
-  </p:cSld>
-  <p:clrMapOvr>
-    <a:masterClrMapping/>
-  </p:clrMapOvr>
-</p:sld>
-</file>
-
-<file path=ppt/slides/slide8.xml><?xml version="1.0" encoding="utf-8"?>
-<p:sld xmlns:a="http://schemas.openxmlformats.org/drawingml/2006/main" xmlns:r="http://schemas.openxmlformats.org/officeDocument/2006/relationships" xmlns:p="http://schemas.openxmlformats.org/presentationml/2006/main">
-  <p:cSld>
-    <p:spTree>
-      <p:nvGrpSpPr>
-        <p:cNvPr id="1" name=""/>
-        <p:cNvGrpSpPr/>
-        <p:nvPr/>
-      </p:nvGrpSpPr>
-      <p:grpSpPr>
-        <a:xfrm>
-          <a:off x="0" y="0"/>
-          <a:ext cx="0" cy="0"/>
-          <a:chOff x="0" y="0"/>
-          <a:chExt cx="0" cy="0"/>
-        </a:xfrm>
-      </p:grpSpPr>
-      <p:sp>
-        <p:nvSpPr>
-          <p:cNvPr id="2" name="Title 1"/>
-          <p:cNvSpPr>
-            <a:spLocks noGrp="1"/>
-          </p:cNvSpPr>
-          <p:nvPr>
-            <p:ph type="title"/>
-          </p:nvPr>
-        </p:nvSpPr>
-        <p:spPr>
-          <a:xfrm>
-            <a:off x="457200" y="274638"/>
-            <a:ext cx="8229600" cy="1553018"/>
-          </a:xfrm>
-        </p:spPr>
-        <p:txBody>
-          <a:bodyPr>
-            <a:noAutofit/>
-          </a:bodyPr>
-          <a:lstStyle/>
-          <a:p>
-            <a:r>
-              <a:rPr lang="en-US" sz="3600" dirty="0"/>
-              <a:t>By what factor does the running time of a program that can be 90% parallelized change on 4 equal-sized cores?</a:t>
-            </a:r>
-          </a:p>
-        </p:txBody>
-      </p:sp>
-      <p:sp>
-        <p:nvSpPr>
-          <p:cNvPr id="3" name="Content Placeholder 2"/>
-          <p:cNvSpPr>
-            <a:spLocks noGrp="1"/>
-          </p:cNvSpPr>
-          <p:nvPr>
-            <p:ph idx="1"/>
-          </p:nvPr>
-        </p:nvSpPr>
-        <p:spPr>
-          <a:xfrm>
-            <a:off x="457200" y="2085072"/>
-            <a:ext cx="8229600" cy="4041091"/>
-          </a:xfrm>
-        </p:spPr>
-        <p:txBody>
-          <a:bodyPr/>
-          <a:lstStyle/>
-          <a:p>
-            <a:pPr marL="0" indent="0">
-              <a:spcAft>
-                <a:spcPts val="600"/>
-              </a:spcAft>
-              <a:buNone/>
-            </a:pPr>
-            <a:r>
-              <a:rPr lang="en-US" dirty="0"/>
-              <a:t>Serial part: work / performance = 0.1/0.5 = 0.2</a:t>
-            </a:r>
-          </a:p>
-          <a:p>
-            <a:pPr marL="0" indent="0">
-              <a:spcAft>
-                <a:spcPts val="600"/>
-              </a:spcAft>
-              <a:buNone/>
-            </a:pPr>
-            <a:endParaRPr lang="en-US" dirty="0"/>
-          </a:p>
-          <a:p>
-            <a:pPr marL="0" indent="0">
-              <a:spcAft>
-                <a:spcPts val="600"/>
-              </a:spcAft>
-              <a:buNone/>
-            </a:pPr>
-            <a:r>
-              <a:rPr lang="en-US" dirty="0"/>
-              <a:t>Parallel part: 0.90 / 2 = 0.45</a:t>
-            </a:r>
-          </a:p>
-          <a:p>
-            <a:pPr marL="0" indent="0">
-              <a:spcAft>
-                <a:spcPts val="600"/>
-              </a:spcAft>
-              <a:buNone/>
-            </a:pPr>
-            <a:endParaRPr lang="en-US" dirty="0"/>
-          </a:p>
-          <a:p>
-            <a:pPr marL="0" indent="0">
-              <a:spcAft>
-                <a:spcPts val="600"/>
-              </a:spcAft>
-              <a:buNone/>
-            </a:pPr>
-            <a:r>
-              <a:rPr lang="en-US" dirty="0"/>
-              <a:t>Total time: 0.65 times as long</a:t>
-            </a:r>
-          </a:p>
-        </p:txBody>
-      </p:sp>
-    </p:spTree>
-  </p:cSld>
-  <p:clrMapOvr>
-    <a:masterClrMapping/>
-  </p:clrMapOvr>
-</p:sld>
-</file>
-
-<file path=ppt/slides/slide9.xml><?xml version="1.0" encoding="utf-8"?>
-<p:sld xmlns:a="http://schemas.openxmlformats.org/drawingml/2006/main" xmlns:r="http://schemas.openxmlformats.org/officeDocument/2006/relationships" xmlns:p="http://schemas.openxmlformats.org/presentationml/2006/main">
-  <p:cSld>
-    <p:spTree>
-      <p:nvGrpSpPr>
-        <p:cNvPr id="1" name=""/>
-        <p:cNvGrpSpPr/>
-        <p:nvPr/>
-      </p:nvGrpSpPr>
-      <p:grpSpPr>
-        <a:xfrm>
-          <a:off x="0" y="0"/>
-          <a:ext cx="0" cy="0"/>
-          <a:chOff x="0" y="0"/>
-          <a:chExt cx="0" cy="0"/>
-        </a:xfrm>
-      </p:grpSpPr>
-      <p:sp>
-        <p:nvSpPr>
-          <p:cNvPr id="2" name="Title 1"/>
-          <p:cNvSpPr>
-            <a:spLocks noGrp="1"/>
-          </p:cNvSpPr>
-          <p:nvPr>
-            <p:ph type="title"/>
-          </p:nvPr>
-        </p:nvSpPr>
-        <p:spPr/>
-        <p:txBody>
-          <a:bodyPr>
-            <a:normAutofit fontScale="90000"/>
-          </a:bodyPr>
-          <a:lstStyle/>
-          <a:p>
-            <a:r>
-              <a:rPr lang="en-US" dirty="0"/>
-              <a:t>Factor by which running time changes for different programs</a:t>
-            </a:r>
-          </a:p>
-        </p:txBody>
-      </p:sp>
-      <p:graphicFrame>
-        <p:nvGraphicFramePr>
-          <p:cNvPr id="4" name="Content Placeholder 3"/>
-          <p:cNvGraphicFramePr>
-            <a:graphicFrameLocks noGrp="1"/>
-          </p:cNvGraphicFramePr>
-          <p:nvPr>
-            <p:ph idx="1"/>
-            <p:extLst>
-              <p:ext uri="{D42A27DB-BD31-4B8C-83A1-F6EECF244321}">
-                <p14:modId xmlns:p14="http://schemas.microsoft.com/office/powerpoint/2010/main" val="2466849480"/>
-              </p:ext>
-            </p:extLst>
-          </p:nvPr>
-        </p:nvGraphicFramePr>
-        <p:xfrm>
-          <a:off x="457200" y="1600200"/>
-          <a:ext cx="8229600" cy="2865210"/>
+          <a:off x="457200" y="1946865"/>
+          <a:ext cx="8229600" cy="2595970"/>
         </p:xfrm>
         <a:graphic>
           <a:graphicData uri="http://schemas.openxmlformats.org/drawingml/2006/table">
@@ -7579,14 +4101,6 @@
                     <a:lstStyle/>
                     <a:p>
                       <a:pPr algn="ctr"/>
-                      <a:r>
-                        <a:rPr lang="en-US" dirty="0"/>
-                        <a:t>% of program that</a:t>
-                      </a:r>
-                      <a:r>
-                        <a:rPr lang="en-US" baseline="0" dirty="0"/>
-                        <a:t> is parallelizable</a:t>
-                      </a:r>
                       <a:endParaRPr lang="en-US" dirty="0">
                         <a:solidFill>
                           <a:schemeClr val="tx1"/>
@@ -8231,6 +4745,3657 @@
             <a:r>
               <a:rPr lang="en-US" sz="2000" dirty="0"/>
               <a:t>As the number of cores increases, highly parallelizable programs have improved performance, but less parallelizable programs suffer</a:t>
+            </a:r>
+          </a:p>
+        </p:txBody>
+      </p:sp>
+      <p:sp>
+        <p:nvSpPr>
+          <p:cNvPr id="5" name="TextBox 4">
+            <a:extLst>
+              <a:ext uri="{FF2B5EF4-FFF2-40B4-BE49-F238E27FC236}">
+                <a16:creationId xmlns:a16="http://schemas.microsoft.com/office/drawing/2014/main" id="{8E016A55-87EF-5E72-0C37-281FD4CA3BF4}"/>
+              </a:ext>
+            </a:extLst>
+          </p:cNvPr>
+          <p:cNvSpPr txBox="1"/>
+          <p:nvPr/>
+        </p:nvSpPr>
+        <p:spPr>
+          <a:xfrm>
+            <a:off x="3759200" y="1577533"/>
+            <a:ext cx="3788080" cy="369332"/>
+          </a:xfrm>
+          <a:prstGeom prst="rect">
+            <a:avLst/>
+          </a:prstGeom>
+          <a:noFill/>
+        </p:spPr>
+        <p:txBody>
+          <a:bodyPr wrap="square" rtlCol="0">
+            <a:spAutoFit/>
+          </a:bodyPr>
+          <a:lstStyle/>
+          <a:p>
+            <a:r>
+              <a:rPr lang="en-US" dirty="0"/>
+              <a:t>% of program that can be parallelized</a:t>
+            </a:r>
+          </a:p>
+        </p:txBody>
+      </p:sp>
+    </p:spTree>
+  </p:cSld>
+  <p:clrMapOvr>
+    <a:masterClrMapping/>
+  </p:clrMapOvr>
+</p:sld>
+</file>
+
+<file path=ppt/slides/slide11.xml><?xml version="1.0" encoding="utf-8"?>
+<p:sld xmlns:a="http://schemas.openxmlformats.org/drawingml/2006/main" xmlns:r="http://schemas.openxmlformats.org/officeDocument/2006/relationships" xmlns:p="http://schemas.openxmlformats.org/presentationml/2006/main">
+  <p:cSld>
+    <p:spTree>
+      <p:nvGrpSpPr>
+        <p:cNvPr id="1" name=""/>
+        <p:cNvGrpSpPr/>
+        <p:nvPr/>
+      </p:nvGrpSpPr>
+      <p:grpSpPr>
+        <a:xfrm>
+          <a:off x="0" y="0"/>
+          <a:ext cx="0" cy="0"/>
+          <a:chOff x="0" y="0"/>
+          <a:chExt cx="0" cy="0"/>
+        </a:xfrm>
+      </p:grpSpPr>
+      <p:sp>
+        <p:nvSpPr>
+          <p:cNvPr id="2" name="Title 1"/>
+          <p:cNvSpPr>
+            <a:spLocks noGrp="1"/>
+          </p:cNvSpPr>
+          <p:nvPr>
+            <p:ph type="title"/>
+          </p:nvPr>
+        </p:nvSpPr>
+        <p:spPr/>
+        <p:txBody>
+          <a:bodyPr/>
+          <a:lstStyle/>
+          <a:p>
+            <a:r>
+              <a:rPr lang="en-US" dirty="0"/>
+              <a:t>What about unequal core sizes?</a:t>
+            </a:r>
+          </a:p>
+        </p:txBody>
+      </p:sp>
+      <p:sp>
+        <p:nvSpPr>
+          <p:cNvPr id="3" name="Content Placeholder 2"/>
+          <p:cNvSpPr>
+            <a:spLocks noGrp="1"/>
+          </p:cNvSpPr>
+          <p:nvPr>
+            <p:ph idx="1"/>
+          </p:nvPr>
+        </p:nvSpPr>
+        <p:spPr>
+          <a:xfrm>
+            <a:off x="457200" y="4041193"/>
+            <a:ext cx="8229600" cy="2084970"/>
+          </a:xfrm>
+        </p:spPr>
+        <p:txBody>
+          <a:bodyPr/>
+          <a:lstStyle/>
+          <a:p>
+            <a:endParaRPr lang="en-US"/>
+          </a:p>
+        </p:txBody>
+      </p:sp>
+      <p:grpSp>
+        <p:nvGrpSpPr>
+          <p:cNvPr id="9" name="Group 8"/>
+          <p:cNvGrpSpPr/>
+          <p:nvPr/>
+        </p:nvGrpSpPr>
+        <p:grpSpPr>
+          <a:xfrm>
+            <a:off x="3406002" y="1434795"/>
+            <a:ext cx="1674132" cy="1712696"/>
+            <a:chOff x="3406002" y="1799293"/>
+            <a:chExt cx="1674132" cy="1712696"/>
+          </a:xfrm>
+        </p:grpSpPr>
+        <p:sp>
+          <p:nvSpPr>
+            <p:cNvPr id="4" name="Rectangle 3"/>
+            <p:cNvSpPr/>
+            <p:nvPr/>
+          </p:nvSpPr>
+          <p:spPr>
+            <a:xfrm>
+              <a:off x="3406002" y="1799293"/>
+              <a:ext cx="837066" cy="1712696"/>
+            </a:xfrm>
+            <a:prstGeom prst="rect">
+              <a:avLst/>
+            </a:prstGeom>
+            <a:noFill/>
+            <a:ln>
+              <a:solidFill>
+                <a:schemeClr val="tx1"/>
+              </a:solidFill>
+            </a:ln>
+          </p:spPr>
+          <p:style>
+            <a:lnRef idx="1">
+              <a:schemeClr val="accent1"/>
+            </a:lnRef>
+            <a:fillRef idx="3">
+              <a:schemeClr val="accent1"/>
+            </a:fillRef>
+            <a:effectRef idx="2">
+              <a:schemeClr val="accent1"/>
+            </a:effectRef>
+            <a:fontRef idx="minor">
+              <a:schemeClr val="lt1"/>
+            </a:fontRef>
+          </p:style>
+          <p:txBody>
+            <a:bodyPr rtlCol="0" anchor="ctr"/>
+            <a:lstStyle/>
+            <a:p>
+              <a:pPr algn="ctr"/>
+              <a:r>
+                <a:rPr lang="en-US" dirty="0">
+                  <a:solidFill>
+                    <a:srgbClr val="000000"/>
+                  </a:solidFill>
+                </a:rPr>
+                <a:t>1/2</a:t>
+              </a:r>
+            </a:p>
+          </p:txBody>
+        </p:sp>
+        <p:sp>
+          <p:nvSpPr>
+            <p:cNvPr id="7" name="Rectangle 6"/>
+            <p:cNvSpPr/>
+            <p:nvPr/>
+          </p:nvSpPr>
+          <p:spPr>
+            <a:xfrm>
+              <a:off x="4243068" y="1799293"/>
+              <a:ext cx="837066" cy="856348"/>
+            </a:xfrm>
+            <a:prstGeom prst="rect">
+              <a:avLst/>
+            </a:prstGeom>
+            <a:noFill/>
+            <a:ln>
+              <a:solidFill>
+                <a:schemeClr val="tx1"/>
+              </a:solidFill>
+            </a:ln>
+          </p:spPr>
+          <p:style>
+            <a:lnRef idx="1">
+              <a:schemeClr val="accent1"/>
+            </a:lnRef>
+            <a:fillRef idx="3">
+              <a:schemeClr val="accent1"/>
+            </a:fillRef>
+            <a:effectRef idx="2">
+              <a:schemeClr val="accent1"/>
+            </a:effectRef>
+            <a:fontRef idx="minor">
+              <a:schemeClr val="lt1"/>
+            </a:fontRef>
+          </p:style>
+          <p:txBody>
+            <a:bodyPr rtlCol="0" anchor="ctr"/>
+            <a:lstStyle/>
+            <a:p>
+              <a:pPr algn="ctr"/>
+              <a:r>
+                <a:rPr lang="en-US" dirty="0">
+                  <a:solidFill>
+                    <a:srgbClr val="000000"/>
+                  </a:solidFill>
+                </a:rPr>
+                <a:t>1/4</a:t>
+              </a:r>
+            </a:p>
+          </p:txBody>
+        </p:sp>
+        <p:sp>
+          <p:nvSpPr>
+            <p:cNvPr id="8" name="Rectangle 7"/>
+            <p:cNvSpPr/>
+            <p:nvPr/>
+          </p:nvSpPr>
+          <p:spPr>
+            <a:xfrm>
+              <a:off x="4243068" y="2655641"/>
+              <a:ext cx="837066" cy="856348"/>
+            </a:xfrm>
+            <a:prstGeom prst="rect">
+              <a:avLst/>
+            </a:prstGeom>
+            <a:noFill/>
+            <a:ln>
+              <a:solidFill>
+                <a:schemeClr val="tx1"/>
+              </a:solidFill>
+            </a:ln>
+          </p:spPr>
+          <p:style>
+            <a:lnRef idx="1">
+              <a:schemeClr val="accent1"/>
+            </a:lnRef>
+            <a:fillRef idx="3">
+              <a:schemeClr val="accent1"/>
+            </a:fillRef>
+            <a:effectRef idx="2">
+              <a:schemeClr val="accent1"/>
+            </a:effectRef>
+            <a:fontRef idx="minor">
+              <a:schemeClr val="lt1"/>
+            </a:fontRef>
+          </p:style>
+          <p:txBody>
+            <a:bodyPr rtlCol="0" anchor="ctr"/>
+            <a:lstStyle/>
+            <a:p>
+              <a:pPr algn="ctr"/>
+              <a:r>
+                <a:rPr lang="en-US" dirty="0">
+                  <a:solidFill>
+                    <a:srgbClr val="000000"/>
+                  </a:solidFill>
+                </a:rPr>
+                <a:t>1/4</a:t>
+              </a:r>
+            </a:p>
+          </p:txBody>
+        </p:sp>
+      </p:grpSp>
+      <p:sp>
+        <p:nvSpPr>
+          <p:cNvPr id="10" name="Rectangular Callout 9"/>
+          <p:cNvSpPr/>
+          <p:nvPr/>
+        </p:nvSpPr>
+        <p:spPr>
+          <a:xfrm>
+            <a:off x="5303255" y="1434795"/>
+            <a:ext cx="1810868" cy="399492"/>
+          </a:xfrm>
+          <a:prstGeom prst="wedgeRectCallout">
+            <a:avLst>
+              <a:gd name="adj1" fmla="val -70322"/>
+              <a:gd name="adj2" fmla="val 44839"/>
+            </a:avLst>
+          </a:prstGeom>
+        </p:spPr>
+        <p:style>
+          <a:lnRef idx="1">
+            <a:schemeClr val="accent1"/>
+          </a:lnRef>
+          <a:fillRef idx="3">
+            <a:schemeClr val="accent1"/>
+          </a:fillRef>
+          <a:effectRef idx="2">
+            <a:schemeClr val="accent1"/>
+          </a:effectRef>
+          <a:fontRef idx="minor">
+            <a:schemeClr val="lt1"/>
+          </a:fontRef>
+        </p:style>
+        <p:txBody>
+          <a:bodyPr rtlCol="0" anchor="ctr"/>
+          <a:lstStyle/>
+          <a:p>
+            <a:pPr algn="ctr"/>
+            <a:r>
+              <a:rPr lang="en-US" dirty="0">
+                <a:solidFill>
+                  <a:schemeClr val="tx1"/>
+                </a:solidFill>
+              </a:rPr>
+              <a:t>performance ½</a:t>
+            </a:r>
+          </a:p>
+        </p:txBody>
+      </p:sp>
+      <p:sp>
+        <p:nvSpPr>
+          <p:cNvPr id="11" name="Rectangular Callout 10"/>
+          <p:cNvSpPr/>
+          <p:nvPr/>
+        </p:nvSpPr>
+        <p:spPr>
+          <a:xfrm>
+            <a:off x="1434118" y="1834286"/>
+            <a:ext cx="1810868" cy="693737"/>
+          </a:xfrm>
+          <a:prstGeom prst="wedgeRectCallout">
+            <a:avLst>
+              <a:gd name="adj1" fmla="val 64743"/>
+              <a:gd name="adj2" fmla="val -923"/>
+            </a:avLst>
+          </a:prstGeom>
+        </p:spPr>
+        <p:style>
+          <a:lnRef idx="1">
+            <a:schemeClr val="accent1"/>
+          </a:lnRef>
+          <a:fillRef idx="3">
+            <a:schemeClr val="accent1"/>
+          </a:fillRef>
+          <a:effectRef idx="2">
+            <a:schemeClr val="accent1"/>
+          </a:effectRef>
+          <a:fontRef idx="minor">
+            <a:schemeClr val="lt1"/>
+          </a:fontRef>
+        </p:style>
+        <p:txBody>
+          <a:bodyPr rtlCol="0" anchor="ctr"/>
+          <a:lstStyle/>
+          <a:p>
+            <a:pPr algn="ctr"/>
+            <a:r>
+              <a:rPr lang="en-US" dirty="0">
+                <a:solidFill>
+                  <a:schemeClr val="tx1"/>
+                </a:solidFill>
+              </a:rPr>
+              <a:t>performance</a:t>
+            </a:r>
+          </a:p>
+          <a:p>
+            <a:pPr algn="ctr"/>
+            <a:r>
+              <a:rPr lang="en-US" dirty="0">
+                <a:solidFill>
+                  <a:schemeClr val="tx1"/>
+                </a:solidFill>
+              </a:rPr>
+              <a:t>sqrt(1/2) ≈ 0.707</a:t>
+            </a:r>
+          </a:p>
+        </p:txBody>
+      </p:sp>
+    </p:spTree>
+  </p:cSld>
+  <p:clrMapOvr>
+    <a:masterClrMapping/>
+  </p:clrMapOvr>
+</p:sld>
+</file>
+
+<file path=ppt/slides/slide12.xml><?xml version="1.0" encoding="utf-8"?>
+<p:sld xmlns:a="http://schemas.openxmlformats.org/drawingml/2006/main" xmlns:r="http://schemas.openxmlformats.org/officeDocument/2006/relationships" xmlns:p="http://schemas.openxmlformats.org/presentationml/2006/main">
+  <p:cSld>
+    <p:spTree>
+      <p:nvGrpSpPr>
+        <p:cNvPr id="1" name=""/>
+        <p:cNvGrpSpPr/>
+        <p:nvPr/>
+      </p:nvGrpSpPr>
+      <p:grpSpPr>
+        <a:xfrm>
+          <a:off x="0" y="0"/>
+          <a:ext cx="0" cy="0"/>
+          <a:chOff x="0" y="0"/>
+          <a:chExt cx="0" cy="0"/>
+        </a:xfrm>
+      </p:grpSpPr>
+      <p:sp>
+        <p:nvSpPr>
+          <p:cNvPr id="2" name="Title 1"/>
+          <p:cNvSpPr>
+            <a:spLocks noGrp="1"/>
+          </p:cNvSpPr>
+          <p:nvPr>
+            <p:ph type="title"/>
+          </p:nvPr>
+        </p:nvSpPr>
+        <p:spPr/>
+        <p:txBody>
+          <a:bodyPr/>
+          <a:lstStyle/>
+          <a:p>
+            <a:r>
+              <a:rPr lang="en-US" dirty="0"/>
+              <a:t>What about unequal core sizes?</a:t>
+            </a:r>
+          </a:p>
+        </p:txBody>
+      </p:sp>
+      <p:sp>
+        <p:nvSpPr>
+          <p:cNvPr id="3" name="Content Placeholder 2"/>
+          <p:cNvSpPr>
+            <a:spLocks noGrp="1"/>
+          </p:cNvSpPr>
+          <p:nvPr>
+            <p:ph idx="1"/>
+          </p:nvPr>
+        </p:nvSpPr>
+        <p:spPr>
+          <a:xfrm>
+            <a:off x="457200" y="4003840"/>
+            <a:ext cx="8229600" cy="2486608"/>
+          </a:xfrm>
+        </p:spPr>
+        <p:txBody>
+          <a:bodyPr>
+            <a:normAutofit/>
+          </a:bodyPr>
+          <a:lstStyle/>
+          <a:p>
+            <a:pPr>
+              <a:buNone/>
+            </a:pPr>
+            <a:r>
+              <a:rPr lang="en-US" dirty="0"/>
+              <a:t>By what factor does the peak performance of this system differ from a single core?</a:t>
+            </a:r>
+          </a:p>
+          <a:p>
+            <a:pPr>
+              <a:buNone/>
+            </a:pPr>
+            <a:endParaRPr lang="en-US" dirty="0"/>
+          </a:p>
+          <a:p>
+            <a:pPr>
+              <a:buNone/>
+            </a:pPr>
+            <a:r>
+              <a:rPr lang="en-US" dirty="0"/>
+              <a:t>0.707 + 2 ✕ 0.5 = 1.707 times as much</a:t>
+            </a:r>
+          </a:p>
+        </p:txBody>
+      </p:sp>
+      <p:grpSp>
+        <p:nvGrpSpPr>
+          <p:cNvPr id="5" name="Group 8"/>
+          <p:cNvGrpSpPr/>
+          <p:nvPr/>
+        </p:nvGrpSpPr>
+        <p:grpSpPr>
+          <a:xfrm>
+            <a:off x="3406002" y="1434795"/>
+            <a:ext cx="1674132" cy="1712696"/>
+            <a:chOff x="3406002" y="1799293"/>
+            <a:chExt cx="1674132" cy="1712696"/>
+          </a:xfrm>
+        </p:grpSpPr>
+        <p:sp>
+          <p:nvSpPr>
+            <p:cNvPr id="4" name="Rectangle 3"/>
+            <p:cNvSpPr/>
+            <p:nvPr/>
+          </p:nvSpPr>
+          <p:spPr>
+            <a:xfrm>
+              <a:off x="3406002" y="1799293"/>
+              <a:ext cx="837066" cy="1712696"/>
+            </a:xfrm>
+            <a:prstGeom prst="rect">
+              <a:avLst/>
+            </a:prstGeom>
+            <a:noFill/>
+            <a:ln>
+              <a:solidFill>
+                <a:schemeClr val="tx1"/>
+              </a:solidFill>
+            </a:ln>
+          </p:spPr>
+          <p:style>
+            <a:lnRef idx="1">
+              <a:schemeClr val="accent1"/>
+            </a:lnRef>
+            <a:fillRef idx="3">
+              <a:schemeClr val="accent1"/>
+            </a:fillRef>
+            <a:effectRef idx="2">
+              <a:schemeClr val="accent1"/>
+            </a:effectRef>
+            <a:fontRef idx="minor">
+              <a:schemeClr val="lt1"/>
+            </a:fontRef>
+          </p:style>
+          <p:txBody>
+            <a:bodyPr rtlCol="0" anchor="ctr"/>
+            <a:lstStyle/>
+            <a:p>
+              <a:pPr algn="ctr"/>
+              <a:r>
+                <a:rPr lang="en-US" dirty="0">
+                  <a:solidFill>
+                    <a:srgbClr val="000000"/>
+                  </a:solidFill>
+                </a:rPr>
+                <a:t>1/2</a:t>
+              </a:r>
+            </a:p>
+          </p:txBody>
+        </p:sp>
+        <p:sp>
+          <p:nvSpPr>
+            <p:cNvPr id="7" name="Rectangle 6"/>
+            <p:cNvSpPr/>
+            <p:nvPr/>
+          </p:nvSpPr>
+          <p:spPr>
+            <a:xfrm>
+              <a:off x="4243068" y="1799293"/>
+              <a:ext cx="837066" cy="856348"/>
+            </a:xfrm>
+            <a:prstGeom prst="rect">
+              <a:avLst/>
+            </a:prstGeom>
+            <a:noFill/>
+            <a:ln>
+              <a:solidFill>
+                <a:schemeClr val="tx1"/>
+              </a:solidFill>
+            </a:ln>
+          </p:spPr>
+          <p:style>
+            <a:lnRef idx="1">
+              <a:schemeClr val="accent1"/>
+            </a:lnRef>
+            <a:fillRef idx="3">
+              <a:schemeClr val="accent1"/>
+            </a:fillRef>
+            <a:effectRef idx="2">
+              <a:schemeClr val="accent1"/>
+            </a:effectRef>
+            <a:fontRef idx="minor">
+              <a:schemeClr val="lt1"/>
+            </a:fontRef>
+          </p:style>
+          <p:txBody>
+            <a:bodyPr rtlCol="0" anchor="ctr"/>
+            <a:lstStyle/>
+            <a:p>
+              <a:pPr algn="ctr"/>
+              <a:r>
+                <a:rPr lang="en-US" dirty="0">
+                  <a:solidFill>
+                    <a:srgbClr val="000000"/>
+                  </a:solidFill>
+                </a:rPr>
+                <a:t>1/4</a:t>
+              </a:r>
+            </a:p>
+          </p:txBody>
+        </p:sp>
+        <p:sp>
+          <p:nvSpPr>
+            <p:cNvPr id="8" name="Rectangle 7"/>
+            <p:cNvSpPr/>
+            <p:nvPr/>
+          </p:nvSpPr>
+          <p:spPr>
+            <a:xfrm>
+              <a:off x="4243068" y="2655641"/>
+              <a:ext cx="837066" cy="856348"/>
+            </a:xfrm>
+            <a:prstGeom prst="rect">
+              <a:avLst/>
+            </a:prstGeom>
+            <a:noFill/>
+            <a:ln>
+              <a:solidFill>
+                <a:schemeClr val="tx1"/>
+              </a:solidFill>
+            </a:ln>
+          </p:spPr>
+          <p:style>
+            <a:lnRef idx="1">
+              <a:schemeClr val="accent1"/>
+            </a:lnRef>
+            <a:fillRef idx="3">
+              <a:schemeClr val="accent1"/>
+            </a:fillRef>
+            <a:effectRef idx="2">
+              <a:schemeClr val="accent1"/>
+            </a:effectRef>
+            <a:fontRef idx="minor">
+              <a:schemeClr val="lt1"/>
+            </a:fontRef>
+          </p:style>
+          <p:txBody>
+            <a:bodyPr rtlCol="0" anchor="ctr"/>
+            <a:lstStyle/>
+            <a:p>
+              <a:pPr algn="ctr"/>
+              <a:r>
+                <a:rPr lang="en-US" dirty="0">
+                  <a:solidFill>
+                    <a:srgbClr val="000000"/>
+                  </a:solidFill>
+                </a:rPr>
+                <a:t>1/4</a:t>
+              </a:r>
+            </a:p>
+          </p:txBody>
+        </p:sp>
+      </p:grpSp>
+      <p:sp>
+        <p:nvSpPr>
+          <p:cNvPr id="10" name="Rectangular Callout 9"/>
+          <p:cNvSpPr/>
+          <p:nvPr/>
+        </p:nvSpPr>
+        <p:spPr>
+          <a:xfrm>
+            <a:off x="5303255" y="1434795"/>
+            <a:ext cx="1810868" cy="399492"/>
+          </a:xfrm>
+          <a:prstGeom prst="wedgeRectCallout">
+            <a:avLst>
+              <a:gd name="adj1" fmla="val -70322"/>
+              <a:gd name="adj2" fmla="val 44839"/>
+            </a:avLst>
+          </a:prstGeom>
+        </p:spPr>
+        <p:style>
+          <a:lnRef idx="1">
+            <a:schemeClr val="accent1"/>
+          </a:lnRef>
+          <a:fillRef idx="3">
+            <a:schemeClr val="accent1"/>
+          </a:fillRef>
+          <a:effectRef idx="2">
+            <a:schemeClr val="accent1"/>
+          </a:effectRef>
+          <a:fontRef idx="minor">
+            <a:schemeClr val="lt1"/>
+          </a:fontRef>
+        </p:style>
+        <p:txBody>
+          <a:bodyPr rtlCol="0" anchor="ctr"/>
+          <a:lstStyle/>
+          <a:p>
+            <a:pPr algn="ctr"/>
+            <a:r>
+              <a:rPr lang="en-US" dirty="0">
+                <a:solidFill>
+                  <a:schemeClr val="tx1"/>
+                </a:solidFill>
+              </a:rPr>
+              <a:t>performance ½</a:t>
+            </a:r>
+          </a:p>
+        </p:txBody>
+      </p:sp>
+      <p:sp>
+        <p:nvSpPr>
+          <p:cNvPr id="11" name="Rectangular Callout 10"/>
+          <p:cNvSpPr/>
+          <p:nvPr/>
+        </p:nvSpPr>
+        <p:spPr>
+          <a:xfrm>
+            <a:off x="1434118" y="1834286"/>
+            <a:ext cx="1810868" cy="693737"/>
+          </a:xfrm>
+          <a:prstGeom prst="wedgeRectCallout">
+            <a:avLst>
+              <a:gd name="adj1" fmla="val 64743"/>
+              <a:gd name="adj2" fmla="val -923"/>
+            </a:avLst>
+          </a:prstGeom>
+        </p:spPr>
+        <p:style>
+          <a:lnRef idx="1">
+            <a:schemeClr val="accent1"/>
+          </a:lnRef>
+          <a:fillRef idx="3">
+            <a:schemeClr val="accent1"/>
+          </a:fillRef>
+          <a:effectRef idx="2">
+            <a:schemeClr val="accent1"/>
+          </a:effectRef>
+          <a:fontRef idx="minor">
+            <a:schemeClr val="lt1"/>
+          </a:fontRef>
+        </p:style>
+        <p:txBody>
+          <a:bodyPr rtlCol="0" anchor="ctr"/>
+          <a:lstStyle/>
+          <a:p>
+            <a:pPr algn="ctr"/>
+            <a:r>
+              <a:rPr lang="en-US" dirty="0">
+                <a:solidFill>
+                  <a:schemeClr val="tx1"/>
+                </a:solidFill>
+              </a:rPr>
+              <a:t>performance</a:t>
+            </a:r>
+          </a:p>
+          <a:p>
+            <a:pPr algn="ctr"/>
+            <a:r>
+              <a:rPr lang="en-US" dirty="0">
+                <a:solidFill>
+                  <a:schemeClr val="tx1"/>
+                </a:solidFill>
+              </a:rPr>
+              <a:t>sqrt(1/2) ≈ 0.707</a:t>
+            </a:r>
+          </a:p>
+        </p:txBody>
+      </p:sp>
+    </p:spTree>
+  </p:cSld>
+  <p:clrMapOvr>
+    <a:masterClrMapping/>
+  </p:clrMapOvr>
+</p:sld>
+</file>
+
+<file path=ppt/slides/slide13.xml><?xml version="1.0" encoding="utf-8"?>
+<p:sld xmlns:a="http://schemas.openxmlformats.org/drawingml/2006/main" xmlns:r="http://schemas.openxmlformats.org/officeDocument/2006/relationships" xmlns:p="http://schemas.openxmlformats.org/presentationml/2006/main">
+  <p:cSld>
+    <p:spTree>
+      <p:nvGrpSpPr>
+        <p:cNvPr id="1" name=""/>
+        <p:cNvGrpSpPr/>
+        <p:nvPr/>
+      </p:nvGrpSpPr>
+      <p:grpSpPr>
+        <a:xfrm>
+          <a:off x="0" y="0"/>
+          <a:ext cx="0" cy="0"/>
+          <a:chOff x="0" y="0"/>
+          <a:chExt cx="0" cy="0"/>
+        </a:xfrm>
+      </p:grpSpPr>
+      <p:sp>
+        <p:nvSpPr>
+          <p:cNvPr id="2" name="Title 1"/>
+          <p:cNvSpPr>
+            <a:spLocks noGrp="1"/>
+          </p:cNvSpPr>
+          <p:nvPr>
+            <p:ph type="title"/>
+          </p:nvPr>
+        </p:nvSpPr>
+        <p:spPr/>
+        <p:txBody>
+          <a:bodyPr/>
+          <a:lstStyle/>
+          <a:p>
+            <a:r>
+              <a:rPr lang="en-US" dirty="0"/>
+              <a:t>What about unequal core sizes?</a:t>
+            </a:r>
+          </a:p>
+        </p:txBody>
+      </p:sp>
+      <p:sp>
+        <p:nvSpPr>
+          <p:cNvPr id="3" name="Content Placeholder 2"/>
+          <p:cNvSpPr>
+            <a:spLocks noGrp="1"/>
+          </p:cNvSpPr>
+          <p:nvPr>
+            <p:ph idx="1"/>
+          </p:nvPr>
+        </p:nvSpPr>
+        <p:spPr>
+          <a:xfrm>
+            <a:off x="334792" y="3445167"/>
+            <a:ext cx="8686800" cy="3162969"/>
+          </a:xfrm>
+        </p:spPr>
+        <p:txBody>
+          <a:bodyPr>
+            <a:normAutofit/>
+          </a:bodyPr>
+          <a:lstStyle/>
+          <a:p>
+            <a:pPr>
+              <a:spcAft>
+                <a:spcPts val="600"/>
+              </a:spcAft>
+              <a:buNone/>
+            </a:pPr>
+            <a:r>
+              <a:rPr lang="en-US" dirty="0"/>
+              <a:t>By what factor does the running time of a program that can be 75% parallelized change? </a:t>
+            </a:r>
+          </a:p>
+          <a:p>
+            <a:pPr>
+              <a:spcAft>
+                <a:spcPts val="600"/>
+              </a:spcAft>
+              <a:buNone/>
+            </a:pPr>
+            <a:r>
+              <a:rPr lang="en-US" dirty="0"/>
+              <a:t>Serial part: 0.25 / 0.707 = 0.354</a:t>
+            </a:r>
+          </a:p>
+          <a:p>
+            <a:pPr>
+              <a:spcAft>
+                <a:spcPts val="600"/>
+              </a:spcAft>
+              <a:buNone/>
+            </a:pPr>
+            <a:r>
+              <a:rPr lang="en-US" dirty="0"/>
+              <a:t>Parallel part: 0.75 / 1.707 = 0.439</a:t>
+            </a:r>
+          </a:p>
+          <a:p>
+            <a:pPr>
+              <a:spcAft>
+                <a:spcPts val="600"/>
+              </a:spcAft>
+              <a:buNone/>
+            </a:pPr>
+            <a:r>
+              <a:rPr lang="en-US" dirty="0"/>
+              <a:t>Total time: 0.793 times as long</a:t>
+            </a:r>
+          </a:p>
+        </p:txBody>
+      </p:sp>
+      <p:grpSp>
+        <p:nvGrpSpPr>
+          <p:cNvPr id="5" name="Group 8"/>
+          <p:cNvGrpSpPr/>
+          <p:nvPr/>
+        </p:nvGrpSpPr>
+        <p:grpSpPr>
+          <a:xfrm>
+            <a:off x="3406002" y="1434795"/>
+            <a:ext cx="1674132" cy="1712696"/>
+            <a:chOff x="3406002" y="1799293"/>
+            <a:chExt cx="1674132" cy="1712696"/>
+          </a:xfrm>
+        </p:grpSpPr>
+        <p:sp>
+          <p:nvSpPr>
+            <p:cNvPr id="4" name="Rectangle 3"/>
+            <p:cNvSpPr/>
+            <p:nvPr/>
+          </p:nvSpPr>
+          <p:spPr>
+            <a:xfrm>
+              <a:off x="3406002" y="1799293"/>
+              <a:ext cx="837066" cy="1712696"/>
+            </a:xfrm>
+            <a:prstGeom prst="rect">
+              <a:avLst/>
+            </a:prstGeom>
+            <a:noFill/>
+            <a:ln>
+              <a:solidFill>
+                <a:schemeClr val="tx1"/>
+              </a:solidFill>
+            </a:ln>
+          </p:spPr>
+          <p:style>
+            <a:lnRef idx="1">
+              <a:schemeClr val="accent1"/>
+            </a:lnRef>
+            <a:fillRef idx="3">
+              <a:schemeClr val="accent1"/>
+            </a:fillRef>
+            <a:effectRef idx="2">
+              <a:schemeClr val="accent1"/>
+            </a:effectRef>
+            <a:fontRef idx="minor">
+              <a:schemeClr val="lt1"/>
+            </a:fontRef>
+          </p:style>
+          <p:txBody>
+            <a:bodyPr rtlCol="0" anchor="ctr"/>
+            <a:lstStyle/>
+            <a:p>
+              <a:pPr algn="ctr"/>
+              <a:r>
+                <a:rPr lang="en-US" dirty="0">
+                  <a:solidFill>
+                    <a:srgbClr val="000000"/>
+                  </a:solidFill>
+                </a:rPr>
+                <a:t>1/2</a:t>
+              </a:r>
+            </a:p>
+          </p:txBody>
+        </p:sp>
+        <p:sp>
+          <p:nvSpPr>
+            <p:cNvPr id="7" name="Rectangle 6"/>
+            <p:cNvSpPr/>
+            <p:nvPr/>
+          </p:nvSpPr>
+          <p:spPr>
+            <a:xfrm>
+              <a:off x="4243068" y="1799293"/>
+              <a:ext cx="837066" cy="856348"/>
+            </a:xfrm>
+            <a:prstGeom prst="rect">
+              <a:avLst/>
+            </a:prstGeom>
+            <a:noFill/>
+            <a:ln>
+              <a:solidFill>
+                <a:schemeClr val="tx1"/>
+              </a:solidFill>
+            </a:ln>
+          </p:spPr>
+          <p:style>
+            <a:lnRef idx="1">
+              <a:schemeClr val="accent1"/>
+            </a:lnRef>
+            <a:fillRef idx="3">
+              <a:schemeClr val="accent1"/>
+            </a:fillRef>
+            <a:effectRef idx="2">
+              <a:schemeClr val="accent1"/>
+            </a:effectRef>
+            <a:fontRef idx="minor">
+              <a:schemeClr val="lt1"/>
+            </a:fontRef>
+          </p:style>
+          <p:txBody>
+            <a:bodyPr rtlCol="0" anchor="ctr"/>
+            <a:lstStyle/>
+            <a:p>
+              <a:pPr algn="ctr"/>
+              <a:r>
+                <a:rPr lang="en-US" dirty="0">
+                  <a:solidFill>
+                    <a:srgbClr val="000000"/>
+                  </a:solidFill>
+                </a:rPr>
+                <a:t>1/4</a:t>
+              </a:r>
+            </a:p>
+          </p:txBody>
+        </p:sp>
+        <p:sp>
+          <p:nvSpPr>
+            <p:cNvPr id="8" name="Rectangle 7"/>
+            <p:cNvSpPr/>
+            <p:nvPr/>
+          </p:nvSpPr>
+          <p:spPr>
+            <a:xfrm>
+              <a:off x="4243068" y="2655641"/>
+              <a:ext cx="837066" cy="856348"/>
+            </a:xfrm>
+            <a:prstGeom prst="rect">
+              <a:avLst/>
+            </a:prstGeom>
+            <a:noFill/>
+            <a:ln>
+              <a:solidFill>
+                <a:schemeClr val="tx1"/>
+              </a:solidFill>
+            </a:ln>
+          </p:spPr>
+          <p:style>
+            <a:lnRef idx="1">
+              <a:schemeClr val="accent1"/>
+            </a:lnRef>
+            <a:fillRef idx="3">
+              <a:schemeClr val="accent1"/>
+            </a:fillRef>
+            <a:effectRef idx="2">
+              <a:schemeClr val="accent1"/>
+            </a:effectRef>
+            <a:fontRef idx="minor">
+              <a:schemeClr val="lt1"/>
+            </a:fontRef>
+          </p:style>
+          <p:txBody>
+            <a:bodyPr rtlCol="0" anchor="ctr"/>
+            <a:lstStyle/>
+            <a:p>
+              <a:pPr algn="ctr"/>
+              <a:r>
+                <a:rPr lang="en-US" dirty="0">
+                  <a:solidFill>
+                    <a:srgbClr val="000000"/>
+                  </a:solidFill>
+                </a:rPr>
+                <a:t>1/4</a:t>
+              </a:r>
+            </a:p>
+          </p:txBody>
+        </p:sp>
+      </p:grpSp>
+      <p:sp>
+        <p:nvSpPr>
+          <p:cNvPr id="10" name="Rectangular Callout 9"/>
+          <p:cNvSpPr/>
+          <p:nvPr/>
+        </p:nvSpPr>
+        <p:spPr>
+          <a:xfrm>
+            <a:off x="5303255" y="1434795"/>
+            <a:ext cx="1810868" cy="399492"/>
+          </a:xfrm>
+          <a:prstGeom prst="wedgeRectCallout">
+            <a:avLst>
+              <a:gd name="adj1" fmla="val -70322"/>
+              <a:gd name="adj2" fmla="val 44839"/>
+            </a:avLst>
+          </a:prstGeom>
+        </p:spPr>
+        <p:style>
+          <a:lnRef idx="1">
+            <a:schemeClr val="accent1"/>
+          </a:lnRef>
+          <a:fillRef idx="3">
+            <a:schemeClr val="accent1"/>
+          </a:fillRef>
+          <a:effectRef idx="2">
+            <a:schemeClr val="accent1"/>
+          </a:effectRef>
+          <a:fontRef idx="minor">
+            <a:schemeClr val="lt1"/>
+          </a:fontRef>
+        </p:style>
+        <p:txBody>
+          <a:bodyPr rtlCol="0" anchor="ctr"/>
+          <a:lstStyle/>
+          <a:p>
+            <a:pPr algn="ctr"/>
+            <a:r>
+              <a:rPr lang="en-US" dirty="0">
+                <a:solidFill>
+                  <a:schemeClr val="tx1"/>
+                </a:solidFill>
+              </a:rPr>
+              <a:t>performance ½</a:t>
+            </a:r>
+          </a:p>
+        </p:txBody>
+      </p:sp>
+      <p:sp>
+        <p:nvSpPr>
+          <p:cNvPr id="11" name="Rectangular Callout 10"/>
+          <p:cNvSpPr/>
+          <p:nvPr/>
+        </p:nvSpPr>
+        <p:spPr>
+          <a:xfrm>
+            <a:off x="1434118" y="1834286"/>
+            <a:ext cx="1810868" cy="693737"/>
+          </a:xfrm>
+          <a:prstGeom prst="wedgeRectCallout">
+            <a:avLst>
+              <a:gd name="adj1" fmla="val 64743"/>
+              <a:gd name="adj2" fmla="val -923"/>
+            </a:avLst>
+          </a:prstGeom>
+        </p:spPr>
+        <p:style>
+          <a:lnRef idx="1">
+            <a:schemeClr val="accent1"/>
+          </a:lnRef>
+          <a:fillRef idx="3">
+            <a:schemeClr val="accent1"/>
+          </a:fillRef>
+          <a:effectRef idx="2">
+            <a:schemeClr val="accent1"/>
+          </a:effectRef>
+          <a:fontRef idx="minor">
+            <a:schemeClr val="lt1"/>
+          </a:fontRef>
+        </p:style>
+        <p:txBody>
+          <a:bodyPr rtlCol="0" anchor="ctr"/>
+          <a:lstStyle/>
+          <a:p>
+            <a:pPr algn="ctr"/>
+            <a:r>
+              <a:rPr lang="en-US" dirty="0">
+                <a:solidFill>
+                  <a:schemeClr val="tx1"/>
+                </a:solidFill>
+              </a:rPr>
+              <a:t>performance</a:t>
+            </a:r>
+          </a:p>
+          <a:p>
+            <a:pPr algn="ctr"/>
+            <a:r>
+              <a:rPr lang="en-US" dirty="0">
+                <a:solidFill>
+                  <a:schemeClr val="tx1"/>
+                </a:solidFill>
+              </a:rPr>
+              <a:t>sqrt(1/2) ≈ 0.707</a:t>
+            </a:r>
+          </a:p>
+        </p:txBody>
+      </p:sp>
+    </p:spTree>
+  </p:cSld>
+  <p:clrMapOvr>
+    <a:masterClrMapping/>
+  </p:clrMapOvr>
+</p:sld>
+</file>
+
+<file path=ppt/slides/slide14.xml><?xml version="1.0" encoding="utf-8"?>
+<p:sld xmlns:a="http://schemas.openxmlformats.org/drawingml/2006/main" xmlns:r="http://schemas.openxmlformats.org/officeDocument/2006/relationships" xmlns:p="http://schemas.openxmlformats.org/presentationml/2006/main">
+  <p:cSld>
+    <p:spTree>
+      <p:nvGrpSpPr>
+        <p:cNvPr id="1" name=""/>
+        <p:cNvGrpSpPr/>
+        <p:nvPr/>
+      </p:nvGrpSpPr>
+      <p:grpSpPr>
+        <a:xfrm>
+          <a:off x="0" y="0"/>
+          <a:ext cx="0" cy="0"/>
+          <a:chOff x="0" y="0"/>
+          <a:chExt cx="0" cy="0"/>
+        </a:xfrm>
+      </p:grpSpPr>
+      <p:sp>
+        <p:nvSpPr>
+          <p:cNvPr id="2" name="Title 1"/>
+          <p:cNvSpPr>
+            <a:spLocks noGrp="1"/>
+          </p:cNvSpPr>
+          <p:nvPr>
+            <p:ph type="title"/>
+          </p:nvPr>
+        </p:nvSpPr>
+        <p:spPr/>
+        <p:txBody>
+          <a:bodyPr/>
+          <a:lstStyle/>
+          <a:p>
+            <a:r>
+              <a:rPr lang="en-US" dirty="0"/>
+              <a:t>What about unequal core sizes?</a:t>
+            </a:r>
+          </a:p>
+        </p:txBody>
+      </p:sp>
+      <p:sp>
+        <p:nvSpPr>
+          <p:cNvPr id="3" name="Content Placeholder 2"/>
+          <p:cNvSpPr>
+            <a:spLocks noGrp="1"/>
+          </p:cNvSpPr>
+          <p:nvPr>
+            <p:ph idx="1"/>
+          </p:nvPr>
+        </p:nvSpPr>
+        <p:spPr>
+          <a:xfrm>
+            <a:off x="457200" y="3445167"/>
+            <a:ext cx="8229600" cy="3162969"/>
+          </a:xfrm>
+        </p:spPr>
+        <p:txBody>
+          <a:bodyPr>
+            <a:normAutofit/>
+          </a:bodyPr>
+          <a:lstStyle/>
+          <a:p>
+            <a:pPr>
+              <a:buNone/>
+            </a:pPr>
+            <a:r>
+              <a:rPr lang="en-US" dirty="0"/>
+              <a:t>By what factor does the running time of a program that cannot be parallelized change? </a:t>
+            </a:r>
+          </a:p>
+          <a:p>
+            <a:pPr>
+              <a:buNone/>
+            </a:pPr>
+            <a:endParaRPr lang="en-US" dirty="0"/>
+          </a:p>
+          <a:p>
+            <a:pPr>
+              <a:buNone/>
+            </a:pPr>
+            <a:r>
+              <a:rPr lang="en-US" dirty="0"/>
+              <a:t>Total time = serial time = 1 / 0.707 = 1.414</a:t>
+            </a:r>
+          </a:p>
+        </p:txBody>
+      </p:sp>
+      <p:grpSp>
+        <p:nvGrpSpPr>
+          <p:cNvPr id="5" name="Group 8"/>
+          <p:cNvGrpSpPr/>
+          <p:nvPr/>
+        </p:nvGrpSpPr>
+        <p:grpSpPr>
+          <a:xfrm>
+            <a:off x="3406002" y="1434795"/>
+            <a:ext cx="1674132" cy="1712696"/>
+            <a:chOff x="3406002" y="1799293"/>
+            <a:chExt cx="1674132" cy="1712696"/>
+          </a:xfrm>
+        </p:grpSpPr>
+        <p:sp>
+          <p:nvSpPr>
+            <p:cNvPr id="4" name="Rectangle 3"/>
+            <p:cNvSpPr/>
+            <p:nvPr/>
+          </p:nvSpPr>
+          <p:spPr>
+            <a:xfrm>
+              <a:off x="3406002" y="1799293"/>
+              <a:ext cx="837066" cy="1712696"/>
+            </a:xfrm>
+            <a:prstGeom prst="rect">
+              <a:avLst/>
+            </a:prstGeom>
+            <a:noFill/>
+            <a:ln>
+              <a:solidFill>
+                <a:schemeClr val="tx1"/>
+              </a:solidFill>
+            </a:ln>
+          </p:spPr>
+          <p:style>
+            <a:lnRef idx="1">
+              <a:schemeClr val="accent1"/>
+            </a:lnRef>
+            <a:fillRef idx="3">
+              <a:schemeClr val="accent1"/>
+            </a:fillRef>
+            <a:effectRef idx="2">
+              <a:schemeClr val="accent1"/>
+            </a:effectRef>
+            <a:fontRef idx="minor">
+              <a:schemeClr val="lt1"/>
+            </a:fontRef>
+          </p:style>
+          <p:txBody>
+            <a:bodyPr rtlCol="0" anchor="ctr"/>
+            <a:lstStyle/>
+            <a:p>
+              <a:pPr algn="ctr"/>
+              <a:r>
+                <a:rPr lang="en-US" dirty="0">
+                  <a:solidFill>
+                    <a:srgbClr val="000000"/>
+                  </a:solidFill>
+                </a:rPr>
+                <a:t>1/2</a:t>
+              </a:r>
+            </a:p>
+          </p:txBody>
+        </p:sp>
+        <p:sp>
+          <p:nvSpPr>
+            <p:cNvPr id="7" name="Rectangle 6"/>
+            <p:cNvSpPr/>
+            <p:nvPr/>
+          </p:nvSpPr>
+          <p:spPr>
+            <a:xfrm>
+              <a:off x="4243068" y="1799293"/>
+              <a:ext cx="837066" cy="856348"/>
+            </a:xfrm>
+            <a:prstGeom prst="rect">
+              <a:avLst/>
+            </a:prstGeom>
+            <a:noFill/>
+            <a:ln>
+              <a:solidFill>
+                <a:schemeClr val="tx1"/>
+              </a:solidFill>
+            </a:ln>
+          </p:spPr>
+          <p:style>
+            <a:lnRef idx="1">
+              <a:schemeClr val="accent1"/>
+            </a:lnRef>
+            <a:fillRef idx="3">
+              <a:schemeClr val="accent1"/>
+            </a:fillRef>
+            <a:effectRef idx="2">
+              <a:schemeClr val="accent1"/>
+            </a:effectRef>
+            <a:fontRef idx="minor">
+              <a:schemeClr val="lt1"/>
+            </a:fontRef>
+          </p:style>
+          <p:txBody>
+            <a:bodyPr rtlCol="0" anchor="ctr"/>
+            <a:lstStyle/>
+            <a:p>
+              <a:pPr algn="ctr"/>
+              <a:r>
+                <a:rPr lang="en-US" dirty="0">
+                  <a:solidFill>
+                    <a:srgbClr val="000000"/>
+                  </a:solidFill>
+                </a:rPr>
+                <a:t>1/4</a:t>
+              </a:r>
+            </a:p>
+          </p:txBody>
+        </p:sp>
+        <p:sp>
+          <p:nvSpPr>
+            <p:cNvPr id="8" name="Rectangle 7"/>
+            <p:cNvSpPr/>
+            <p:nvPr/>
+          </p:nvSpPr>
+          <p:spPr>
+            <a:xfrm>
+              <a:off x="4243068" y="2655641"/>
+              <a:ext cx="837066" cy="856348"/>
+            </a:xfrm>
+            <a:prstGeom prst="rect">
+              <a:avLst/>
+            </a:prstGeom>
+            <a:noFill/>
+            <a:ln>
+              <a:solidFill>
+                <a:schemeClr val="tx1"/>
+              </a:solidFill>
+            </a:ln>
+          </p:spPr>
+          <p:style>
+            <a:lnRef idx="1">
+              <a:schemeClr val="accent1"/>
+            </a:lnRef>
+            <a:fillRef idx="3">
+              <a:schemeClr val="accent1"/>
+            </a:fillRef>
+            <a:effectRef idx="2">
+              <a:schemeClr val="accent1"/>
+            </a:effectRef>
+            <a:fontRef idx="minor">
+              <a:schemeClr val="lt1"/>
+            </a:fontRef>
+          </p:style>
+          <p:txBody>
+            <a:bodyPr rtlCol="0" anchor="ctr"/>
+            <a:lstStyle/>
+            <a:p>
+              <a:pPr algn="ctr"/>
+              <a:r>
+                <a:rPr lang="en-US" dirty="0">
+                  <a:solidFill>
+                    <a:srgbClr val="000000"/>
+                  </a:solidFill>
+                </a:rPr>
+                <a:t>1/4</a:t>
+              </a:r>
+            </a:p>
+          </p:txBody>
+        </p:sp>
+      </p:grpSp>
+      <p:sp>
+        <p:nvSpPr>
+          <p:cNvPr id="10" name="Rectangular Callout 9"/>
+          <p:cNvSpPr/>
+          <p:nvPr/>
+        </p:nvSpPr>
+        <p:spPr>
+          <a:xfrm>
+            <a:off x="5303255" y="1434795"/>
+            <a:ext cx="1810868" cy="399492"/>
+          </a:xfrm>
+          <a:prstGeom prst="wedgeRectCallout">
+            <a:avLst>
+              <a:gd name="adj1" fmla="val -70322"/>
+              <a:gd name="adj2" fmla="val 44839"/>
+            </a:avLst>
+          </a:prstGeom>
+        </p:spPr>
+        <p:style>
+          <a:lnRef idx="1">
+            <a:schemeClr val="accent1"/>
+          </a:lnRef>
+          <a:fillRef idx="3">
+            <a:schemeClr val="accent1"/>
+          </a:fillRef>
+          <a:effectRef idx="2">
+            <a:schemeClr val="accent1"/>
+          </a:effectRef>
+          <a:fontRef idx="minor">
+            <a:schemeClr val="lt1"/>
+          </a:fontRef>
+        </p:style>
+        <p:txBody>
+          <a:bodyPr rtlCol="0" anchor="ctr"/>
+          <a:lstStyle/>
+          <a:p>
+            <a:pPr algn="ctr"/>
+            <a:r>
+              <a:rPr lang="en-US" dirty="0">
+                <a:solidFill>
+                  <a:schemeClr val="tx1"/>
+                </a:solidFill>
+              </a:rPr>
+              <a:t>performance ½</a:t>
+            </a:r>
+          </a:p>
+        </p:txBody>
+      </p:sp>
+      <p:sp>
+        <p:nvSpPr>
+          <p:cNvPr id="11" name="Rectangular Callout 10"/>
+          <p:cNvSpPr/>
+          <p:nvPr/>
+        </p:nvSpPr>
+        <p:spPr>
+          <a:xfrm>
+            <a:off x="1434118" y="1834286"/>
+            <a:ext cx="1810868" cy="693737"/>
+          </a:xfrm>
+          <a:prstGeom prst="wedgeRectCallout">
+            <a:avLst>
+              <a:gd name="adj1" fmla="val 64743"/>
+              <a:gd name="adj2" fmla="val -923"/>
+            </a:avLst>
+          </a:prstGeom>
+        </p:spPr>
+        <p:style>
+          <a:lnRef idx="1">
+            <a:schemeClr val="accent1"/>
+          </a:lnRef>
+          <a:fillRef idx="3">
+            <a:schemeClr val="accent1"/>
+          </a:fillRef>
+          <a:effectRef idx="2">
+            <a:schemeClr val="accent1"/>
+          </a:effectRef>
+          <a:fontRef idx="minor">
+            <a:schemeClr val="lt1"/>
+          </a:fontRef>
+        </p:style>
+        <p:txBody>
+          <a:bodyPr rtlCol="0" anchor="ctr"/>
+          <a:lstStyle/>
+          <a:p>
+            <a:pPr algn="ctr"/>
+            <a:r>
+              <a:rPr lang="en-US" dirty="0">
+                <a:solidFill>
+                  <a:schemeClr val="tx1"/>
+                </a:solidFill>
+              </a:rPr>
+              <a:t>performance</a:t>
+            </a:r>
+          </a:p>
+          <a:p>
+            <a:pPr algn="ctr"/>
+            <a:r>
+              <a:rPr lang="en-US" dirty="0">
+                <a:solidFill>
+                  <a:schemeClr val="tx1"/>
+                </a:solidFill>
+              </a:rPr>
+              <a:t>sqrt(1/2) ≈ 0.707</a:t>
+            </a:r>
+          </a:p>
+        </p:txBody>
+      </p:sp>
+    </p:spTree>
+  </p:cSld>
+  <p:clrMapOvr>
+    <a:masterClrMapping/>
+  </p:clrMapOvr>
+</p:sld>
+</file>
+
+<file path=ppt/slides/slide15.xml><?xml version="1.0" encoding="utf-8"?>
+<p:sld xmlns:a="http://schemas.openxmlformats.org/drawingml/2006/main" xmlns:r="http://schemas.openxmlformats.org/officeDocument/2006/relationships" xmlns:p="http://schemas.openxmlformats.org/presentationml/2006/main">
+  <p:cSld>
+    <p:spTree>
+      <p:nvGrpSpPr>
+        <p:cNvPr id="1" name=""/>
+        <p:cNvGrpSpPr/>
+        <p:nvPr/>
+      </p:nvGrpSpPr>
+      <p:grpSpPr>
+        <a:xfrm>
+          <a:off x="0" y="0"/>
+          <a:ext cx="0" cy="0"/>
+          <a:chOff x="0" y="0"/>
+          <a:chExt cx="0" cy="0"/>
+        </a:xfrm>
+      </p:grpSpPr>
+      <p:sp>
+        <p:nvSpPr>
+          <p:cNvPr id="2" name="Title 1"/>
+          <p:cNvSpPr>
+            <a:spLocks noGrp="1"/>
+          </p:cNvSpPr>
+          <p:nvPr>
+            <p:ph type="title"/>
+          </p:nvPr>
+        </p:nvSpPr>
+        <p:spPr/>
+        <p:txBody>
+          <a:bodyPr>
+            <a:normAutofit fontScale="90000"/>
+          </a:bodyPr>
+          <a:lstStyle/>
+          <a:p>
+            <a:r>
+              <a:rPr lang="en-US" dirty="0"/>
+              <a:t>Factor by which running time changes for different programs</a:t>
+            </a:r>
+          </a:p>
+        </p:txBody>
+      </p:sp>
+      <p:graphicFrame>
+        <p:nvGraphicFramePr>
+          <p:cNvPr id="4" name="Content Placeholder 3"/>
+          <p:cNvGraphicFramePr>
+            <a:graphicFrameLocks noGrp="1"/>
+          </p:cNvGraphicFramePr>
+          <p:nvPr>
+            <p:ph idx="1"/>
+            <p:extLst>
+              <p:ext uri="{D42A27DB-BD31-4B8C-83A1-F6EECF244321}">
+                <p14:modId xmlns:p14="http://schemas.microsoft.com/office/powerpoint/2010/main" val="1346865720"/>
+              </p:ext>
+            </p:extLst>
+          </p:nvPr>
+        </p:nvGraphicFramePr>
+        <p:xfrm>
+          <a:off x="1039091" y="2303318"/>
+          <a:ext cx="7065818" cy="1381760"/>
+        </p:xfrm>
+        <a:graphic>
+          <a:graphicData uri="http://schemas.openxmlformats.org/drawingml/2006/table">
+            <a:tbl>
+              <a:tblPr>
+                <a:tableStyleId>{793D81CF-94F2-401A-BA57-92F5A7B2D0C5}</a:tableStyleId>
+              </a:tblPr>
+              <a:tblGrid>
+                <a:gridCol w="2036619">
+                  <a:extLst>
+                    <a:ext uri="{9D8B030D-6E8A-4147-A177-3AD203B41FA5}">
+                      <a16:colId xmlns:a16="http://schemas.microsoft.com/office/drawing/2014/main" val="20000"/>
+                    </a:ext>
+                  </a:extLst>
+                </a:gridCol>
+                <a:gridCol w="1662545">
+                  <a:extLst>
+                    <a:ext uri="{9D8B030D-6E8A-4147-A177-3AD203B41FA5}">
+                      <a16:colId xmlns:a16="http://schemas.microsoft.com/office/drawing/2014/main" val="3947185912"/>
+                    </a:ext>
+                  </a:extLst>
+                </a:gridCol>
+                <a:gridCol w="1692658">
+                  <a:extLst>
+                    <a:ext uri="{9D8B030D-6E8A-4147-A177-3AD203B41FA5}">
+                      <a16:colId xmlns:a16="http://schemas.microsoft.com/office/drawing/2014/main" val="20001"/>
+                    </a:ext>
+                  </a:extLst>
+                </a:gridCol>
+                <a:gridCol w="1673996">
+                  <a:extLst>
+                    <a:ext uri="{9D8B030D-6E8A-4147-A177-3AD203B41FA5}">
+                      <a16:colId xmlns:a16="http://schemas.microsoft.com/office/drawing/2014/main" val="20002"/>
+                    </a:ext>
+                  </a:extLst>
+                </a:gridCol>
+              </a:tblGrid>
+              <a:tr h="370840">
+                <a:tc>
+                  <a:txBody>
+                    <a:bodyPr/>
+                    <a:lstStyle/>
+                    <a:p>
+                      <a:pPr algn="ctr"/>
+                      <a:endParaRPr lang="en-US" dirty="0">
+                        <a:solidFill>
+                          <a:schemeClr val="tx1"/>
+                        </a:solidFill>
+                      </a:endParaRPr>
+                    </a:p>
+                  </a:txBody>
+                  <a:tcPr/>
+                </a:tc>
+                <a:tc>
+                  <a:txBody>
+                    <a:bodyPr/>
+                    <a:lstStyle/>
+                    <a:p>
+                      <a:pPr algn="ctr"/>
+                      <a:r>
+                        <a:rPr lang="en-US" dirty="0">
+                          <a:solidFill>
+                            <a:schemeClr val="tx1"/>
+                          </a:solidFill>
+                        </a:rPr>
+                        <a:t>50%</a:t>
+                      </a:r>
+                    </a:p>
+                  </a:txBody>
+                  <a:tcPr/>
+                </a:tc>
+                <a:tc>
+                  <a:txBody>
+                    <a:bodyPr/>
+                    <a:lstStyle/>
+                    <a:p>
+                      <a:pPr algn="ctr"/>
+                      <a:r>
+                        <a:rPr lang="en-US" dirty="0"/>
+                        <a:t>75%</a:t>
+                      </a:r>
+                      <a:endParaRPr lang="en-US" dirty="0">
+                        <a:solidFill>
+                          <a:schemeClr val="tx1"/>
+                        </a:solidFill>
+                      </a:endParaRPr>
+                    </a:p>
+                  </a:txBody>
+                  <a:tcPr/>
+                </a:tc>
+                <a:tc>
+                  <a:txBody>
+                    <a:bodyPr/>
+                    <a:lstStyle/>
+                    <a:p>
+                      <a:pPr algn="ctr"/>
+                      <a:r>
+                        <a:rPr lang="en-US" dirty="0"/>
+                        <a:t>90%</a:t>
+                      </a:r>
+                      <a:endParaRPr lang="en-US" dirty="0">
+                        <a:solidFill>
+                          <a:schemeClr val="tx1"/>
+                        </a:solidFill>
+                      </a:endParaRPr>
+                    </a:p>
+                  </a:txBody>
+                  <a:tcPr/>
+                </a:tc>
+                <a:extLst>
+                  <a:ext uri="{0D108BD9-81ED-4DB2-BD59-A6C34878D82A}">
+                    <a16:rowId xmlns:a16="http://schemas.microsoft.com/office/drawing/2014/main" val="10000"/>
+                  </a:ext>
+                </a:extLst>
+              </a:tr>
+              <a:tr h="370840">
+                <a:tc>
+                  <a:txBody>
+                    <a:bodyPr/>
+                    <a:lstStyle/>
+                    <a:p>
+                      <a:pPr algn="ctr"/>
+                      <a:r>
+                        <a:rPr lang="en-US" dirty="0">
+                          <a:solidFill>
+                            <a:schemeClr val="tx1"/>
+                          </a:solidFill>
+                        </a:rPr>
+                        <a:t>4 equal cores</a:t>
+                      </a:r>
+                    </a:p>
+                  </a:txBody>
+                  <a:tcPr/>
+                </a:tc>
+                <a:tc>
+                  <a:txBody>
+                    <a:bodyPr/>
+                    <a:lstStyle/>
+                    <a:p>
+                      <a:pPr algn="ctr"/>
+                      <a:r>
+                        <a:rPr lang="en-US" dirty="0">
+                          <a:solidFill>
+                            <a:schemeClr val="tx1"/>
+                          </a:solidFill>
+                        </a:rPr>
+                        <a:t>1.25</a:t>
+                      </a:r>
+                    </a:p>
+                  </a:txBody>
+                  <a:tcPr/>
+                </a:tc>
+                <a:tc>
+                  <a:txBody>
+                    <a:bodyPr/>
+                    <a:lstStyle/>
+                    <a:p>
+                      <a:pPr algn="ctr"/>
+                      <a:r>
+                        <a:rPr lang="en-US" dirty="0">
+                          <a:solidFill>
+                            <a:schemeClr val="tx1"/>
+                          </a:solidFill>
+                        </a:rPr>
+                        <a:t>0.88</a:t>
+                      </a:r>
+                    </a:p>
+                  </a:txBody>
+                  <a:tcPr/>
+                </a:tc>
+                <a:tc>
+                  <a:txBody>
+                    <a:bodyPr/>
+                    <a:lstStyle/>
+                    <a:p>
+                      <a:pPr algn="ctr"/>
+                      <a:r>
+                        <a:rPr lang="en-US" dirty="0">
+                          <a:solidFill>
+                            <a:schemeClr val="tx1"/>
+                          </a:solidFill>
+                        </a:rPr>
+                        <a:t>0.65</a:t>
+                      </a:r>
+                    </a:p>
+                  </a:txBody>
+                  <a:tcPr/>
+                </a:tc>
+                <a:extLst>
+                  <a:ext uri="{0D108BD9-81ED-4DB2-BD59-A6C34878D82A}">
+                    <a16:rowId xmlns:a16="http://schemas.microsoft.com/office/drawing/2014/main" val="10002"/>
+                  </a:ext>
+                </a:extLst>
+              </a:tr>
+              <a:tr h="370840">
+                <a:tc>
+                  <a:txBody>
+                    <a:bodyPr/>
+                    <a:lstStyle/>
+                    <a:p>
+                      <a:pPr algn="ctr"/>
+                      <a:r>
+                        <a:rPr lang="en-US" dirty="0">
+                          <a:solidFill>
+                            <a:schemeClr val="tx1"/>
+                          </a:solidFill>
+                        </a:rPr>
+                        <a:t>Half-sized + 2 quarter-sized cores</a:t>
+                      </a:r>
+                    </a:p>
+                  </a:txBody>
+                  <a:tcPr/>
+                </a:tc>
+                <a:tc>
+                  <a:txBody>
+                    <a:bodyPr/>
+                    <a:lstStyle/>
+                    <a:p>
+                      <a:pPr algn="ctr"/>
+                      <a:r>
+                        <a:rPr lang="en-US" dirty="0">
+                          <a:solidFill>
+                            <a:schemeClr val="tx1"/>
+                          </a:solidFill>
+                        </a:rPr>
+                        <a:t>1.00</a:t>
+                      </a:r>
+                    </a:p>
+                  </a:txBody>
+                  <a:tcPr/>
+                </a:tc>
+                <a:tc>
+                  <a:txBody>
+                    <a:bodyPr/>
+                    <a:lstStyle/>
+                    <a:p>
+                      <a:pPr algn="ctr"/>
+                      <a:r>
+                        <a:rPr lang="en-US" dirty="0">
+                          <a:solidFill>
+                            <a:schemeClr val="tx1"/>
+                          </a:solidFill>
+                        </a:rPr>
+                        <a:t>0.79</a:t>
+                      </a:r>
+                    </a:p>
+                  </a:txBody>
+                  <a:tcPr/>
+                </a:tc>
+                <a:tc>
+                  <a:txBody>
+                    <a:bodyPr/>
+                    <a:lstStyle/>
+                    <a:p>
+                      <a:pPr algn="ctr"/>
+                      <a:r>
+                        <a:rPr lang="en-US" dirty="0">
+                          <a:solidFill>
+                            <a:schemeClr val="tx1"/>
+                          </a:solidFill>
+                        </a:rPr>
+                        <a:t>0.66</a:t>
+                      </a:r>
+                    </a:p>
+                  </a:txBody>
+                  <a:tcPr/>
+                </a:tc>
+                <a:extLst>
+                  <a:ext uri="{0D108BD9-81ED-4DB2-BD59-A6C34878D82A}">
+                    <a16:rowId xmlns:a16="http://schemas.microsoft.com/office/drawing/2014/main" val="10003"/>
+                  </a:ext>
+                </a:extLst>
+              </a:tr>
+            </a:tbl>
+          </a:graphicData>
+        </a:graphic>
+      </p:graphicFrame>
+      <p:sp>
+        <p:nvSpPr>
+          <p:cNvPr id="3" name="TextBox 2">
+            <a:extLst>
+              <a:ext uri="{FF2B5EF4-FFF2-40B4-BE49-F238E27FC236}">
+                <a16:creationId xmlns:a16="http://schemas.microsoft.com/office/drawing/2014/main" id="{E79AC833-BC92-AD4B-BADC-F140BCC334B8}"/>
+              </a:ext>
+            </a:extLst>
+          </p:cNvPr>
+          <p:cNvSpPr txBox="1"/>
+          <p:nvPr/>
+        </p:nvSpPr>
+        <p:spPr>
+          <a:xfrm>
+            <a:off x="457200" y="4829174"/>
+            <a:ext cx="8058150" cy="707886"/>
+          </a:xfrm>
+          <a:prstGeom prst="rect">
+            <a:avLst/>
+          </a:prstGeom>
+          <a:noFill/>
+        </p:spPr>
+        <p:txBody>
+          <a:bodyPr wrap="square" rtlCol="0">
+            <a:spAutoFit/>
+          </a:bodyPr>
+          <a:lstStyle/>
+          <a:p>
+            <a:r>
+              <a:rPr lang="en-US" sz="2000" dirty="0"/>
+              <a:t>Having different sized cores improves performance on less parallelizable programs at small cost on more highly parallelizable ones</a:t>
+            </a:r>
+          </a:p>
+        </p:txBody>
+      </p:sp>
+      <p:sp>
+        <p:nvSpPr>
+          <p:cNvPr id="5" name="TextBox 4">
+            <a:extLst>
+              <a:ext uri="{FF2B5EF4-FFF2-40B4-BE49-F238E27FC236}">
+                <a16:creationId xmlns:a16="http://schemas.microsoft.com/office/drawing/2014/main" id="{7FC0F04C-AC31-A18A-8143-5D67ECA81A78}"/>
+              </a:ext>
+            </a:extLst>
+          </p:cNvPr>
+          <p:cNvSpPr txBox="1"/>
+          <p:nvPr/>
+        </p:nvSpPr>
+        <p:spPr>
+          <a:xfrm>
+            <a:off x="3784600" y="1931190"/>
+            <a:ext cx="3788080" cy="369332"/>
+          </a:xfrm>
+          <a:prstGeom prst="rect">
+            <a:avLst/>
+          </a:prstGeom>
+          <a:noFill/>
+        </p:spPr>
+        <p:txBody>
+          <a:bodyPr wrap="square" rtlCol="0">
+            <a:spAutoFit/>
+          </a:bodyPr>
+          <a:lstStyle/>
+          <a:p>
+            <a:r>
+              <a:rPr lang="en-US" dirty="0"/>
+              <a:t>% of program that can be parallelized</a:t>
+            </a:r>
+          </a:p>
+        </p:txBody>
+      </p:sp>
+    </p:spTree>
+    <p:extLst>
+      <p:ext uri="{BB962C8B-B14F-4D97-AF65-F5344CB8AC3E}">
+        <p14:creationId xmlns:p14="http://schemas.microsoft.com/office/powerpoint/2010/main" val="3359897303"/>
+      </p:ext>
+    </p:extLst>
+  </p:cSld>
+  <p:clrMapOvr>
+    <a:masterClrMapping/>
+  </p:clrMapOvr>
+</p:sld>
+</file>
+
+<file path=ppt/slides/slide16.xml><?xml version="1.0" encoding="utf-8"?>
+<p:sld xmlns:a="http://schemas.openxmlformats.org/drawingml/2006/main" xmlns:r="http://schemas.openxmlformats.org/officeDocument/2006/relationships" xmlns:p="http://schemas.openxmlformats.org/presentationml/2006/main">
+  <p:cSld>
+    <p:spTree>
+      <p:nvGrpSpPr>
+        <p:cNvPr id="1" name=""/>
+        <p:cNvGrpSpPr/>
+        <p:nvPr/>
+      </p:nvGrpSpPr>
+      <p:grpSpPr>
+        <a:xfrm>
+          <a:off x="0" y="0"/>
+          <a:ext cx="0" cy="0"/>
+          <a:chOff x="0" y="0"/>
+          <a:chExt cx="0" cy="0"/>
+        </a:xfrm>
+      </p:grpSpPr>
+      <p:sp>
+        <p:nvSpPr>
+          <p:cNvPr id="2" name="Title 1">
+            <a:extLst>
+              <a:ext uri="{FF2B5EF4-FFF2-40B4-BE49-F238E27FC236}">
+                <a16:creationId xmlns:a16="http://schemas.microsoft.com/office/drawing/2014/main" id="{0A07AD3B-D67D-E847-9782-16B8CE303047}"/>
+              </a:ext>
+            </a:extLst>
+          </p:cNvPr>
+          <p:cNvSpPr>
+            <a:spLocks noGrp="1"/>
+          </p:cNvSpPr>
+          <p:nvPr>
+            <p:ph type="title"/>
+          </p:nvPr>
+        </p:nvSpPr>
+        <p:spPr/>
+        <p:txBody>
+          <a:bodyPr/>
+          <a:lstStyle/>
+          <a:p>
+            <a:r>
+              <a:rPr lang="en-US" dirty="0"/>
+              <a:t>Heterogeneity on a cell phone</a:t>
+            </a:r>
+          </a:p>
+        </p:txBody>
+      </p:sp>
+      <p:pic>
+        <p:nvPicPr>
+          <p:cNvPr id="5" name="Content Placeholder 4">
+            <a:extLst>
+              <a:ext uri="{FF2B5EF4-FFF2-40B4-BE49-F238E27FC236}">
+                <a16:creationId xmlns:a16="http://schemas.microsoft.com/office/drawing/2014/main" id="{794BF229-BA5A-3848-99FA-10F97387195E}"/>
+              </a:ext>
+            </a:extLst>
+          </p:cNvPr>
+          <p:cNvPicPr>
+            <a:picLocks noGrp="1" noChangeAspect="1"/>
+          </p:cNvPicPr>
+          <p:nvPr>
+            <p:ph idx="1"/>
+          </p:nvPr>
+        </p:nvPicPr>
+        <p:blipFill>
+          <a:blip r:embed="rId3"/>
+          <a:stretch>
+            <a:fillRect/>
+          </a:stretch>
+        </p:blipFill>
+        <p:spPr>
+          <a:xfrm>
+            <a:off x="2911872" y="1417638"/>
+            <a:ext cx="3688954" cy="7377910"/>
+          </a:xfrm>
+        </p:spPr>
+      </p:pic>
+      <p:sp>
+        <p:nvSpPr>
+          <p:cNvPr id="6" name="Frame 5">
+            <a:extLst>
+              <a:ext uri="{FF2B5EF4-FFF2-40B4-BE49-F238E27FC236}">
+                <a16:creationId xmlns:a16="http://schemas.microsoft.com/office/drawing/2014/main" id="{A9C100D7-586F-9C46-A439-C250CD60C3A4}"/>
+              </a:ext>
+            </a:extLst>
+          </p:cNvPr>
+          <p:cNvSpPr/>
+          <p:nvPr/>
+        </p:nvSpPr>
+        <p:spPr>
+          <a:xfrm>
+            <a:off x="2786068" y="3943351"/>
+            <a:ext cx="3943350" cy="700088"/>
+          </a:xfrm>
+          <a:prstGeom prst="frame">
+            <a:avLst/>
+          </a:prstGeom>
+          <a:gradFill>
+            <a:gsLst>
+              <a:gs pos="0">
+                <a:srgbClr val="00B050"/>
+              </a:gs>
+              <a:gs pos="100000">
+                <a:srgbClr val="92D050"/>
+              </a:gs>
+            </a:gsLst>
+          </a:gradFill>
+        </p:spPr>
+        <p:style>
+          <a:lnRef idx="1">
+            <a:schemeClr val="accent1"/>
+          </a:lnRef>
+          <a:fillRef idx="3">
+            <a:schemeClr val="accent1"/>
+          </a:fillRef>
+          <a:effectRef idx="2">
+            <a:schemeClr val="accent1"/>
+          </a:effectRef>
+          <a:fontRef idx="minor">
+            <a:schemeClr val="lt1"/>
+          </a:fontRef>
+        </p:style>
+        <p:txBody>
+          <a:bodyPr rtlCol="0" anchor="ctr"/>
+          <a:lstStyle/>
+          <a:p>
+            <a:pPr algn="ctr"/>
+            <a:endParaRPr lang="en-US">
+              <a:solidFill>
+                <a:schemeClr val="tx1"/>
+              </a:solidFill>
+            </a:endParaRPr>
+          </a:p>
+        </p:txBody>
+      </p:sp>
+      <p:sp>
+        <p:nvSpPr>
+          <p:cNvPr id="7" name="TextBox 6">
+            <a:extLst>
+              <a:ext uri="{FF2B5EF4-FFF2-40B4-BE49-F238E27FC236}">
+                <a16:creationId xmlns:a16="http://schemas.microsoft.com/office/drawing/2014/main" id="{DD338DB8-021B-2648-AA44-2FC6349D889C}"/>
+              </a:ext>
+            </a:extLst>
+          </p:cNvPr>
+          <p:cNvSpPr txBox="1"/>
+          <p:nvPr/>
+        </p:nvSpPr>
+        <p:spPr>
+          <a:xfrm>
+            <a:off x="7043738" y="3943351"/>
+            <a:ext cx="1900237" cy="646331"/>
+          </a:xfrm>
+          <a:prstGeom prst="rect">
+            <a:avLst/>
+          </a:prstGeom>
+          <a:noFill/>
+        </p:spPr>
+        <p:txBody>
+          <a:bodyPr wrap="square" rtlCol="0">
+            <a:spAutoFit/>
+          </a:bodyPr>
+          <a:lstStyle/>
+          <a:p>
+            <a:r>
+              <a:rPr lang="en-US" dirty="0">
+                <a:solidFill>
+                  <a:srgbClr val="00B050"/>
+                </a:solidFill>
+              </a:rPr>
+              <a:t>8 cores, 2 levels of  performance</a:t>
+            </a:r>
+          </a:p>
+        </p:txBody>
+      </p:sp>
+    </p:spTree>
+    <p:extLst>
+      <p:ext uri="{BB962C8B-B14F-4D97-AF65-F5344CB8AC3E}">
+        <p14:creationId xmlns:p14="http://schemas.microsoft.com/office/powerpoint/2010/main" val="2292446706"/>
+      </p:ext>
+    </p:extLst>
+  </p:cSld>
+  <p:clrMapOvr>
+    <a:masterClrMapping/>
+  </p:clrMapOvr>
+</p:sld>
+</file>
+
+<file path=ppt/slides/slide2.xml><?xml version="1.0" encoding="utf-8"?>
+<p:sld xmlns:a="http://schemas.openxmlformats.org/drawingml/2006/main" xmlns:r="http://schemas.openxmlformats.org/officeDocument/2006/relationships" xmlns:p="http://schemas.openxmlformats.org/presentationml/2006/main">
+  <p:cSld>
+    <p:spTree>
+      <p:nvGrpSpPr>
+        <p:cNvPr id="1" name=""/>
+        <p:cNvGrpSpPr/>
+        <p:nvPr/>
+      </p:nvGrpSpPr>
+      <p:grpSpPr>
+        <a:xfrm>
+          <a:off x="0" y="0"/>
+          <a:ext cx="0" cy="0"/>
+          <a:chOff x="0" y="0"/>
+          <a:chExt cx="0" cy="0"/>
+        </a:xfrm>
+      </p:grpSpPr>
+      <p:sp>
+        <p:nvSpPr>
+          <p:cNvPr id="2" name="Title 1">
+            <a:extLst>
+              <a:ext uri="{FF2B5EF4-FFF2-40B4-BE49-F238E27FC236}">
+                <a16:creationId xmlns:a16="http://schemas.microsoft.com/office/drawing/2014/main" id="{4E985383-639C-BC42-7713-FC5ED96867F1}"/>
+              </a:ext>
+            </a:extLst>
+          </p:cNvPr>
+          <p:cNvSpPr>
+            <a:spLocks noGrp="1"/>
+          </p:cNvSpPr>
+          <p:nvPr>
+            <p:ph type="title"/>
+          </p:nvPr>
+        </p:nvSpPr>
+        <p:spPr/>
+        <p:txBody>
+          <a:bodyPr/>
+          <a:lstStyle/>
+          <a:p>
+            <a:r>
+              <a:rPr lang="en-US" dirty="0"/>
+              <a:t>Big picture</a:t>
+            </a:r>
+          </a:p>
+        </p:txBody>
+      </p:sp>
+      <p:sp>
+        <p:nvSpPr>
+          <p:cNvPr id="3" name="Content Placeholder 2">
+            <a:extLst>
+              <a:ext uri="{FF2B5EF4-FFF2-40B4-BE49-F238E27FC236}">
+                <a16:creationId xmlns:a16="http://schemas.microsoft.com/office/drawing/2014/main" id="{E05100A0-EC9F-1392-F8B3-CF7FEF7A7D27}"/>
+              </a:ext>
+            </a:extLst>
+          </p:cNvPr>
+          <p:cNvSpPr>
+            <a:spLocks noGrp="1"/>
+          </p:cNvSpPr>
+          <p:nvPr>
+            <p:ph idx="1"/>
+          </p:nvPr>
+        </p:nvSpPr>
+        <p:spPr>
+          <a:xfrm>
+            <a:off x="266700" y="1600200"/>
+            <a:ext cx="8597900" cy="4525963"/>
+          </a:xfrm>
+        </p:spPr>
+        <p:txBody>
+          <a:bodyPr>
+            <a:normAutofit/>
+          </a:bodyPr>
+          <a:lstStyle/>
+          <a:p>
+            <a:r>
+              <a:rPr lang="en-US" dirty="0"/>
+              <a:t>Performance modeling: Estimating performance of a hypothetical system so system designer can compare different options</a:t>
+            </a:r>
+          </a:p>
+          <a:p>
+            <a:pPr lvl="1"/>
+            <a:endParaRPr lang="en-US" dirty="0"/>
+          </a:p>
+          <a:p>
+            <a:r>
+              <a:rPr lang="en-US" dirty="0"/>
+              <a:t>Today: Consider different configurations of cores</a:t>
+            </a:r>
+          </a:p>
+          <a:p>
+            <a:pPr lvl="1"/>
+            <a:r>
+              <a:rPr lang="en-US" dirty="0"/>
+              <a:t>Assumption: Total processor size (silicon area) is the same for all configurations</a:t>
+            </a:r>
+          </a:p>
+        </p:txBody>
+      </p:sp>
+    </p:spTree>
+    <p:extLst>
+      <p:ext uri="{BB962C8B-B14F-4D97-AF65-F5344CB8AC3E}">
+        <p14:creationId xmlns:p14="http://schemas.microsoft.com/office/powerpoint/2010/main" val="3690210948"/>
+      </p:ext>
+    </p:extLst>
+  </p:cSld>
+  <p:clrMapOvr>
+    <a:masterClrMapping/>
+  </p:clrMapOvr>
+</p:sld>
+</file>
+
+<file path=ppt/slides/slide3.xml><?xml version="1.0" encoding="utf-8"?>
+<p:sld xmlns:a="http://schemas.openxmlformats.org/drawingml/2006/main" xmlns:r="http://schemas.openxmlformats.org/officeDocument/2006/relationships" xmlns:p="http://schemas.openxmlformats.org/presentationml/2006/main">
+  <p:cSld>
+    <p:spTree>
+      <p:nvGrpSpPr>
+        <p:cNvPr id="1" name=""/>
+        <p:cNvGrpSpPr/>
+        <p:nvPr/>
+      </p:nvGrpSpPr>
+      <p:grpSpPr>
+        <a:xfrm>
+          <a:off x="0" y="0"/>
+          <a:ext cx="0" cy="0"/>
+          <a:chOff x="0" y="0"/>
+          <a:chExt cx="0" cy="0"/>
+        </a:xfrm>
+      </p:grpSpPr>
+      <p:sp>
+        <p:nvSpPr>
+          <p:cNvPr id="2" name="Title 1"/>
+          <p:cNvSpPr>
+            <a:spLocks noGrp="1"/>
+          </p:cNvSpPr>
+          <p:nvPr>
+            <p:ph type="title"/>
+          </p:nvPr>
+        </p:nvSpPr>
+        <p:spPr/>
+        <p:txBody>
+          <a:bodyPr/>
+          <a:lstStyle/>
+          <a:p>
+            <a:r>
+              <a:rPr lang="en-US" dirty="0"/>
+              <a:t>Pollack’s rule</a:t>
+            </a:r>
+          </a:p>
+        </p:txBody>
+      </p:sp>
+      <p:sp>
+        <p:nvSpPr>
+          <p:cNvPr id="3" name="Content Placeholder 2"/>
+          <p:cNvSpPr>
+            <a:spLocks noGrp="1"/>
+          </p:cNvSpPr>
+          <p:nvPr>
+            <p:ph idx="1"/>
+          </p:nvPr>
+        </p:nvSpPr>
+        <p:spPr>
+          <a:xfrm>
+            <a:off x="457200" y="1600200"/>
+            <a:ext cx="8229600" cy="1062421"/>
+          </a:xfrm>
+        </p:spPr>
+        <p:txBody>
+          <a:bodyPr/>
+          <a:lstStyle/>
+          <a:p>
+            <a:r>
+              <a:rPr lang="en-US" sz="2800" dirty="0"/>
+              <a:t>The performance of a processing core is proportional to the square root of its area</a:t>
+            </a:r>
+          </a:p>
+          <a:p>
+            <a:endParaRPr lang="en-US" dirty="0"/>
+          </a:p>
+        </p:txBody>
+      </p:sp>
+    </p:spTree>
+  </p:cSld>
+  <p:clrMapOvr>
+    <a:masterClrMapping/>
+  </p:clrMapOvr>
+</p:sld>
+</file>
+
+<file path=ppt/slides/slide4.xml><?xml version="1.0" encoding="utf-8"?>
+<p:sld xmlns:a="http://schemas.openxmlformats.org/drawingml/2006/main" xmlns:r="http://schemas.openxmlformats.org/officeDocument/2006/relationships" xmlns:p="http://schemas.openxmlformats.org/presentationml/2006/main">
+  <p:cSld>
+    <p:spTree>
+      <p:nvGrpSpPr>
+        <p:cNvPr id="1" name=""/>
+        <p:cNvGrpSpPr/>
+        <p:nvPr/>
+      </p:nvGrpSpPr>
+      <p:grpSpPr>
+        <a:xfrm>
+          <a:off x="0" y="0"/>
+          <a:ext cx="0" cy="0"/>
+          <a:chOff x="0" y="0"/>
+          <a:chExt cx="0" cy="0"/>
+        </a:xfrm>
+      </p:grpSpPr>
+      <p:sp>
+        <p:nvSpPr>
+          <p:cNvPr id="2" name="Title 1"/>
+          <p:cNvSpPr>
+            <a:spLocks noGrp="1"/>
+          </p:cNvSpPr>
+          <p:nvPr>
+            <p:ph type="title"/>
+          </p:nvPr>
+        </p:nvSpPr>
+        <p:spPr/>
+        <p:txBody>
+          <a:bodyPr/>
+          <a:lstStyle/>
+          <a:p>
+            <a:r>
+              <a:rPr lang="en-US" dirty="0"/>
+              <a:t>Pollack’s rule</a:t>
+            </a:r>
+          </a:p>
+        </p:txBody>
+      </p:sp>
+      <p:sp>
+        <p:nvSpPr>
+          <p:cNvPr id="3" name="Content Placeholder 2"/>
+          <p:cNvSpPr>
+            <a:spLocks noGrp="1"/>
+          </p:cNvSpPr>
+          <p:nvPr>
+            <p:ph idx="1"/>
+          </p:nvPr>
+        </p:nvSpPr>
+        <p:spPr>
+          <a:xfrm>
+            <a:off x="457200" y="1600200"/>
+            <a:ext cx="8229600" cy="1062421"/>
+          </a:xfrm>
+        </p:spPr>
+        <p:txBody>
+          <a:bodyPr/>
+          <a:lstStyle/>
+          <a:p>
+            <a:r>
+              <a:rPr lang="en-US" sz="2800" dirty="0"/>
+              <a:t>The performance of a processing core is proportional to the square root of its area</a:t>
+            </a:r>
+          </a:p>
+          <a:p>
+            <a:endParaRPr lang="en-US" dirty="0"/>
+          </a:p>
+        </p:txBody>
+      </p:sp>
+      <p:sp>
+        <p:nvSpPr>
+          <p:cNvPr id="4" name="TextBox 3"/>
+          <p:cNvSpPr txBox="1"/>
+          <p:nvPr/>
+        </p:nvSpPr>
+        <p:spPr>
+          <a:xfrm>
+            <a:off x="457200" y="2664090"/>
+            <a:ext cx="8325262" cy="1815882"/>
+          </a:xfrm>
+          <a:prstGeom prst="rect">
+            <a:avLst/>
+          </a:prstGeom>
+          <a:noFill/>
+        </p:spPr>
+        <p:txBody>
+          <a:bodyPr wrap="square" rtlCol="0">
+            <a:spAutoFit/>
+          </a:bodyPr>
+          <a:lstStyle/>
+          <a:p>
+            <a:r>
+              <a:rPr lang="en-US" sz="2800" dirty="0"/>
+              <a:t>If a single core is replaced by 4 cores, each ¼ as large, what is the expected peak performance of the entire system?  (i.e. the performance assuming all 4 could be kept perfectly busy) </a:t>
+            </a:r>
+          </a:p>
+        </p:txBody>
+      </p:sp>
+      <p:sp>
+        <p:nvSpPr>
+          <p:cNvPr id="7" name="Rectangle 6">
+            <a:extLst>
+              <a:ext uri="{FF2B5EF4-FFF2-40B4-BE49-F238E27FC236}">
+                <a16:creationId xmlns:a16="http://schemas.microsoft.com/office/drawing/2014/main" id="{52E024E2-0CF8-C647-9D2F-CF6DD0CF5851}"/>
+              </a:ext>
+            </a:extLst>
+          </p:cNvPr>
+          <p:cNvSpPr/>
+          <p:nvPr/>
+        </p:nvSpPr>
+        <p:spPr>
+          <a:xfrm>
+            <a:off x="2248015" y="4687791"/>
+            <a:ext cx="837066" cy="856348"/>
+          </a:xfrm>
+          <a:prstGeom prst="rect">
+            <a:avLst/>
+          </a:prstGeom>
+          <a:noFill/>
+          <a:ln>
+            <a:solidFill>
+              <a:schemeClr val="tx1"/>
+            </a:solidFill>
+          </a:ln>
+        </p:spPr>
+        <p:style>
+          <a:lnRef idx="1">
+            <a:schemeClr val="accent1"/>
+          </a:lnRef>
+          <a:fillRef idx="3">
+            <a:schemeClr val="accent1"/>
+          </a:fillRef>
+          <a:effectRef idx="2">
+            <a:schemeClr val="accent1"/>
+          </a:effectRef>
+          <a:fontRef idx="minor">
+            <a:schemeClr val="lt1"/>
+          </a:fontRef>
+        </p:style>
+        <p:txBody>
+          <a:bodyPr rtlCol="0" anchor="ctr"/>
+          <a:lstStyle/>
+          <a:p>
+            <a:pPr algn="ctr"/>
+            <a:r>
+              <a:rPr lang="en-US" dirty="0">
+                <a:solidFill>
+                  <a:srgbClr val="000000"/>
+                </a:solidFill>
+              </a:rPr>
+              <a:t>1/4</a:t>
+            </a:r>
+          </a:p>
+        </p:txBody>
+      </p:sp>
+      <p:sp>
+        <p:nvSpPr>
+          <p:cNvPr id="8" name="Rectangle 7">
+            <a:extLst>
+              <a:ext uri="{FF2B5EF4-FFF2-40B4-BE49-F238E27FC236}">
+                <a16:creationId xmlns:a16="http://schemas.microsoft.com/office/drawing/2014/main" id="{0897F903-B115-EA43-A826-9C148D131BA4}"/>
+              </a:ext>
+            </a:extLst>
+          </p:cNvPr>
+          <p:cNvSpPr/>
+          <p:nvPr/>
+        </p:nvSpPr>
+        <p:spPr>
+          <a:xfrm>
+            <a:off x="2248015" y="5544139"/>
+            <a:ext cx="837066" cy="856348"/>
+          </a:xfrm>
+          <a:prstGeom prst="rect">
+            <a:avLst/>
+          </a:prstGeom>
+          <a:noFill/>
+          <a:ln>
+            <a:solidFill>
+              <a:schemeClr val="tx1"/>
+            </a:solidFill>
+          </a:ln>
+        </p:spPr>
+        <p:style>
+          <a:lnRef idx="1">
+            <a:schemeClr val="accent1"/>
+          </a:lnRef>
+          <a:fillRef idx="3">
+            <a:schemeClr val="accent1"/>
+          </a:fillRef>
+          <a:effectRef idx="2">
+            <a:schemeClr val="accent1"/>
+          </a:effectRef>
+          <a:fontRef idx="minor">
+            <a:schemeClr val="lt1"/>
+          </a:fontRef>
+        </p:style>
+        <p:txBody>
+          <a:bodyPr rtlCol="0" anchor="ctr"/>
+          <a:lstStyle/>
+          <a:p>
+            <a:pPr algn="ctr"/>
+            <a:r>
+              <a:rPr lang="en-US" dirty="0">
+                <a:solidFill>
+                  <a:srgbClr val="000000"/>
+                </a:solidFill>
+              </a:rPr>
+              <a:t>1/4</a:t>
+            </a:r>
+          </a:p>
+        </p:txBody>
+      </p:sp>
+      <p:sp>
+        <p:nvSpPr>
+          <p:cNvPr id="9" name="Rectangle 8">
+            <a:extLst>
+              <a:ext uri="{FF2B5EF4-FFF2-40B4-BE49-F238E27FC236}">
+                <a16:creationId xmlns:a16="http://schemas.microsoft.com/office/drawing/2014/main" id="{7F5ADFB5-A7F0-924D-9098-0DE1A87755D6}"/>
+              </a:ext>
+            </a:extLst>
+          </p:cNvPr>
+          <p:cNvSpPr/>
+          <p:nvPr/>
+        </p:nvSpPr>
+        <p:spPr>
+          <a:xfrm>
+            <a:off x="1410949" y="5544139"/>
+            <a:ext cx="837066" cy="856348"/>
+          </a:xfrm>
+          <a:prstGeom prst="rect">
+            <a:avLst/>
+          </a:prstGeom>
+          <a:noFill/>
+          <a:ln>
+            <a:solidFill>
+              <a:schemeClr val="tx1"/>
+            </a:solidFill>
+          </a:ln>
+        </p:spPr>
+        <p:style>
+          <a:lnRef idx="1">
+            <a:schemeClr val="accent1"/>
+          </a:lnRef>
+          <a:fillRef idx="3">
+            <a:schemeClr val="accent1"/>
+          </a:fillRef>
+          <a:effectRef idx="2">
+            <a:schemeClr val="accent1"/>
+          </a:effectRef>
+          <a:fontRef idx="minor">
+            <a:schemeClr val="lt1"/>
+          </a:fontRef>
+        </p:style>
+        <p:txBody>
+          <a:bodyPr rtlCol="0" anchor="ctr"/>
+          <a:lstStyle/>
+          <a:p>
+            <a:pPr algn="ctr"/>
+            <a:r>
+              <a:rPr lang="en-US" dirty="0">
+                <a:solidFill>
+                  <a:srgbClr val="000000"/>
+                </a:solidFill>
+              </a:rPr>
+              <a:t>1/4</a:t>
+            </a:r>
+          </a:p>
+        </p:txBody>
+      </p:sp>
+      <p:sp>
+        <p:nvSpPr>
+          <p:cNvPr id="10" name="Rectangle 9">
+            <a:extLst>
+              <a:ext uri="{FF2B5EF4-FFF2-40B4-BE49-F238E27FC236}">
+                <a16:creationId xmlns:a16="http://schemas.microsoft.com/office/drawing/2014/main" id="{ECB5A07A-B75D-3F4E-8985-0D33B239A41C}"/>
+              </a:ext>
+            </a:extLst>
+          </p:cNvPr>
+          <p:cNvSpPr/>
+          <p:nvPr/>
+        </p:nvSpPr>
+        <p:spPr>
+          <a:xfrm>
+            <a:off x="1410949" y="4676240"/>
+            <a:ext cx="837066" cy="856348"/>
+          </a:xfrm>
+          <a:prstGeom prst="rect">
+            <a:avLst/>
+          </a:prstGeom>
+          <a:noFill/>
+          <a:ln>
+            <a:solidFill>
+              <a:schemeClr val="tx1"/>
+            </a:solidFill>
+          </a:ln>
+        </p:spPr>
+        <p:style>
+          <a:lnRef idx="1">
+            <a:schemeClr val="accent1"/>
+          </a:lnRef>
+          <a:fillRef idx="3">
+            <a:schemeClr val="accent1"/>
+          </a:fillRef>
+          <a:effectRef idx="2">
+            <a:schemeClr val="accent1"/>
+          </a:effectRef>
+          <a:fontRef idx="minor">
+            <a:schemeClr val="lt1"/>
+          </a:fontRef>
+        </p:style>
+        <p:txBody>
+          <a:bodyPr rtlCol="0" anchor="ctr"/>
+          <a:lstStyle/>
+          <a:p>
+            <a:pPr algn="ctr"/>
+            <a:r>
+              <a:rPr lang="en-US" dirty="0">
+                <a:solidFill>
+                  <a:srgbClr val="000000"/>
+                </a:solidFill>
+              </a:rPr>
+              <a:t>1/4</a:t>
+            </a:r>
+          </a:p>
+        </p:txBody>
+      </p:sp>
+      <p:sp>
+        <p:nvSpPr>
+          <p:cNvPr id="11" name="Rectangular Callout 10">
+            <a:extLst>
+              <a:ext uri="{FF2B5EF4-FFF2-40B4-BE49-F238E27FC236}">
+                <a16:creationId xmlns:a16="http://schemas.microsoft.com/office/drawing/2014/main" id="{02F22138-95D1-FF45-A603-B1734B1AF2D0}"/>
+              </a:ext>
+            </a:extLst>
+          </p:cNvPr>
+          <p:cNvSpPr/>
+          <p:nvPr/>
+        </p:nvSpPr>
+        <p:spPr>
+          <a:xfrm>
+            <a:off x="3553031" y="4515771"/>
+            <a:ext cx="2956567" cy="496284"/>
+          </a:xfrm>
+          <a:prstGeom prst="wedgeRectCallout">
+            <a:avLst>
+              <a:gd name="adj1" fmla="val -70322"/>
+              <a:gd name="adj2" fmla="val 44839"/>
+            </a:avLst>
+          </a:prstGeom>
+        </p:spPr>
+        <p:style>
+          <a:lnRef idx="1">
+            <a:schemeClr val="accent1"/>
+          </a:lnRef>
+          <a:fillRef idx="3">
+            <a:schemeClr val="accent1"/>
+          </a:fillRef>
+          <a:effectRef idx="2">
+            <a:schemeClr val="accent1"/>
+          </a:effectRef>
+          <a:fontRef idx="minor">
+            <a:schemeClr val="lt1"/>
+          </a:fontRef>
+        </p:style>
+        <p:txBody>
+          <a:bodyPr rtlCol="0" anchor="ctr"/>
+          <a:lstStyle/>
+          <a:p>
+            <a:pPr algn="ctr"/>
+            <a:r>
+              <a:rPr lang="en-US" dirty="0">
+                <a:solidFill>
+                  <a:schemeClr val="tx1"/>
+                </a:solidFill>
+              </a:rPr>
+              <a:t>Performance: sqrt(1/4) = ½</a:t>
+            </a:r>
+          </a:p>
+        </p:txBody>
+      </p:sp>
+      <p:sp>
+        <p:nvSpPr>
+          <p:cNvPr id="12" name="TextBox 11">
+            <a:extLst>
+              <a:ext uri="{FF2B5EF4-FFF2-40B4-BE49-F238E27FC236}">
+                <a16:creationId xmlns:a16="http://schemas.microsoft.com/office/drawing/2014/main" id="{51FAA2CC-E365-DA4A-B5CB-F672AE933187}"/>
+              </a:ext>
+            </a:extLst>
+          </p:cNvPr>
+          <p:cNvSpPr txBox="1"/>
+          <p:nvPr/>
+        </p:nvSpPr>
+        <p:spPr>
+          <a:xfrm>
+            <a:off x="4572000" y="5569490"/>
+            <a:ext cx="3824317" cy="830997"/>
+          </a:xfrm>
+          <a:prstGeom prst="rect">
+            <a:avLst/>
+          </a:prstGeom>
+          <a:noFill/>
+        </p:spPr>
+        <p:txBody>
+          <a:bodyPr wrap="none" rtlCol="0">
+            <a:spAutoFit/>
+          </a:bodyPr>
+          <a:lstStyle/>
+          <a:p>
+            <a:r>
+              <a:rPr lang="en-US" sz="2400" dirty="0"/>
+              <a:t>Total performance: 4 ✕ ½ = 2</a:t>
+            </a:r>
+          </a:p>
+          <a:p>
+            <a:r>
+              <a:rPr lang="en-US" sz="2400" dirty="0"/>
+              <a:t>                        (twice as much)</a:t>
+            </a:r>
+          </a:p>
+        </p:txBody>
+      </p:sp>
+    </p:spTree>
+  </p:cSld>
+  <p:clrMapOvr>
+    <a:masterClrMapping/>
+  </p:clrMapOvr>
+</p:sld>
+</file>
+
+<file path=ppt/slides/slide5.xml><?xml version="1.0" encoding="utf-8"?>
+<p:sld xmlns:a="http://schemas.openxmlformats.org/drawingml/2006/main" xmlns:r="http://schemas.openxmlformats.org/officeDocument/2006/relationships" xmlns:p="http://schemas.openxmlformats.org/presentationml/2006/main">
+  <p:cSld>
+    <p:spTree>
+      <p:nvGrpSpPr>
+        <p:cNvPr id="1" name=""/>
+        <p:cNvGrpSpPr/>
+        <p:nvPr/>
+      </p:nvGrpSpPr>
+      <p:grpSpPr>
+        <a:xfrm>
+          <a:off x="0" y="0"/>
+          <a:ext cx="0" cy="0"/>
+          <a:chOff x="0" y="0"/>
+          <a:chExt cx="0" cy="0"/>
+        </a:xfrm>
+      </p:grpSpPr>
+      <p:sp>
+        <p:nvSpPr>
+          <p:cNvPr id="2" name="Title 1"/>
+          <p:cNvSpPr>
+            <a:spLocks noGrp="1"/>
+          </p:cNvSpPr>
+          <p:nvPr>
+            <p:ph type="title"/>
+          </p:nvPr>
+        </p:nvSpPr>
+        <p:spPr/>
+        <p:txBody>
+          <a:bodyPr>
+            <a:noAutofit/>
+          </a:bodyPr>
+          <a:lstStyle/>
+          <a:p>
+            <a:r>
+              <a:rPr lang="en-US" sz="3600" dirty="0"/>
+              <a:t>How does the running time change when a single core is replaced with 4 cores if only half the program can be parallelized?</a:t>
+            </a:r>
+          </a:p>
+        </p:txBody>
+      </p:sp>
+      <p:sp>
+        <p:nvSpPr>
+          <p:cNvPr id="3" name="Content Placeholder 2"/>
+          <p:cNvSpPr>
+            <a:spLocks noGrp="1"/>
+          </p:cNvSpPr>
+          <p:nvPr>
+            <p:ph idx="1"/>
+          </p:nvPr>
+        </p:nvSpPr>
+        <p:spPr>
+          <a:xfrm>
+            <a:off x="457200" y="2136556"/>
+            <a:ext cx="8229600" cy="3989607"/>
+          </a:xfrm>
+        </p:spPr>
+        <p:txBody>
+          <a:bodyPr/>
+          <a:lstStyle/>
+          <a:p>
+            <a:r>
+              <a:rPr lang="en-US" dirty="0"/>
+              <a:t>Parallel part:</a:t>
+            </a:r>
+          </a:p>
+          <a:p>
+            <a:pPr>
+              <a:buNone/>
+            </a:pPr>
+            <a:r>
+              <a:rPr lang="en-US" dirty="0"/>
+              <a:t>			½ the work / 2 the performance = ¼ </a:t>
+            </a:r>
+          </a:p>
+          <a:p>
+            <a:r>
+              <a:rPr lang="en-US" dirty="0">
+                <a:solidFill>
+                  <a:schemeClr val="bg1"/>
+                </a:solidFill>
+              </a:rPr>
+              <a:t>Serial part:</a:t>
+            </a:r>
+          </a:p>
+          <a:p>
+            <a:pPr>
+              <a:buNone/>
+            </a:pPr>
+            <a:r>
+              <a:rPr lang="en-US" dirty="0">
+                <a:solidFill>
+                  <a:schemeClr val="bg1"/>
+                </a:solidFill>
+              </a:rPr>
+              <a:t>			½ the work / ½ the performance = 1</a:t>
+            </a:r>
+          </a:p>
+          <a:p>
+            <a:pPr>
+              <a:buNone/>
+            </a:pPr>
+            <a:endParaRPr lang="en-US" dirty="0">
+              <a:solidFill>
+                <a:schemeClr val="bg1"/>
+              </a:solidFill>
+            </a:endParaRPr>
+          </a:p>
+          <a:p>
+            <a:pPr>
+              <a:buNone/>
+            </a:pPr>
+            <a:r>
+              <a:rPr lang="en-US" dirty="0">
+                <a:solidFill>
+                  <a:schemeClr val="bg1"/>
+                </a:solidFill>
+              </a:rPr>
+              <a:t>Total time: 1.25 times as long</a:t>
+            </a:r>
+          </a:p>
+          <a:p>
+            <a:pPr>
+              <a:buNone/>
+            </a:pPr>
+            <a:endParaRPr lang="en-US" dirty="0"/>
+          </a:p>
+        </p:txBody>
+      </p:sp>
+    </p:spTree>
+  </p:cSld>
+  <p:clrMapOvr>
+    <a:masterClrMapping/>
+  </p:clrMapOvr>
+</p:sld>
+</file>
+
+<file path=ppt/slides/slide6.xml><?xml version="1.0" encoding="utf-8"?>
+<p:sld xmlns:a="http://schemas.openxmlformats.org/drawingml/2006/main" xmlns:r="http://schemas.openxmlformats.org/officeDocument/2006/relationships" xmlns:p="http://schemas.openxmlformats.org/presentationml/2006/main">
+  <p:cSld>
+    <p:spTree>
+      <p:nvGrpSpPr>
+        <p:cNvPr id="1" name=""/>
+        <p:cNvGrpSpPr/>
+        <p:nvPr/>
+      </p:nvGrpSpPr>
+      <p:grpSpPr>
+        <a:xfrm>
+          <a:off x="0" y="0"/>
+          <a:ext cx="0" cy="0"/>
+          <a:chOff x="0" y="0"/>
+          <a:chExt cx="0" cy="0"/>
+        </a:xfrm>
+      </p:grpSpPr>
+      <p:sp>
+        <p:nvSpPr>
+          <p:cNvPr id="2" name="Title 1"/>
+          <p:cNvSpPr>
+            <a:spLocks noGrp="1"/>
+          </p:cNvSpPr>
+          <p:nvPr>
+            <p:ph type="title"/>
+          </p:nvPr>
+        </p:nvSpPr>
+        <p:spPr/>
+        <p:txBody>
+          <a:bodyPr>
+            <a:noAutofit/>
+          </a:bodyPr>
+          <a:lstStyle/>
+          <a:p>
+            <a:r>
+              <a:rPr lang="en-US" sz="3600" dirty="0"/>
+              <a:t>How does the running time change when a single core is replaced with 4 cores if only half the program can be parallelized?</a:t>
+            </a:r>
+          </a:p>
+        </p:txBody>
+      </p:sp>
+      <p:sp>
+        <p:nvSpPr>
+          <p:cNvPr id="3" name="Content Placeholder 2"/>
+          <p:cNvSpPr>
+            <a:spLocks noGrp="1"/>
+          </p:cNvSpPr>
+          <p:nvPr>
+            <p:ph idx="1"/>
+          </p:nvPr>
+        </p:nvSpPr>
+        <p:spPr>
+          <a:xfrm>
+            <a:off x="457200" y="2136556"/>
+            <a:ext cx="8229600" cy="3989607"/>
+          </a:xfrm>
+        </p:spPr>
+        <p:txBody>
+          <a:bodyPr/>
+          <a:lstStyle/>
+          <a:p>
+            <a:r>
+              <a:rPr lang="en-US" dirty="0"/>
+              <a:t>Parallel part:</a:t>
+            </a:r>
+          </a:p>
+          <a:p>
+            <a:pPr>
+              <a:buNone/>
+            </a:pPr>
+            <a:r>
+              <a:rPr lang="en-US" dirty="0"/>
+              <a:t>			½ the work / 2 the performance = ¼ </a:t>
+            </a:r>
+          </a:p>
+          <a:p>
+            <a:r>
+              <a:rPr lang="en-US" dirty="0"/>
+              <a:t>Serial part:</a:t>
+            </a:r>
+          </a:p>
+          <a:p>
+            <a:pPr>
+              <a:buNone/>
+            </a:pPr>
+            <a:r>
+              <a:rPr lang="en-US" dirty="0"/>
+              <a:t>			½ the work / ½ the performance = 1</a:t>
+            </a:r>
+          </a:p>
+          <a:p>
+            <a:pPr>
+              <a:buNone/>
+            </a:pPr>
+            <a:endParaRPr lang="en-US" dirty="0"/>
+          </a:p>
+          <a:p>
+            <a:pPr>
+              <a:buNone/>
+            </a:pPr>
+            <a:r>
+              <a:rPr lang="en-US" dirty="0"/>
+              <a:t>Total time: 1.25 times as long</a:t>
+            </a:r>
+          </a:p>
+          <a:p>
+            <a:pPr>
+              <a:buNone/>
+            </a:pPr>
+            <a:endParaRPr lang="en-US" dirty="0"/>
+          </a:p>
+        </p:txBody>
+      </p:sp>
+    </p:spTree>
+  </p:cSld>
+  <p:clrMapOvr>
+    <a:masterClrMapping/>
+  </p:clrMapOvr>
+</p:sld>
+</file>
+
+<file path=ppt/slides/slide7.xml><?xml version="1.0" encoding="utf-8"?>
+<p:sld xmlns:a="http://schemas.openxmlformats.org/drawingml/2006/main" xmlns:r="http://schemas.openxmlformats.org/officeDocument/2006/relationships" xmlns:p="http://schemas.openxmlformats.org/presentationml/2006/main">
+  <p:cSld>
+    <p:spTree>
+      <p:nvGrpSpPr>
+        <p:cNvPr id="1" name=""/>
+        <p:cNvGrpSpPr/>
+        <p:nvPr/>
+      </p:nvGrpSpPr>
+      <p:grpSpPr>
+        <a:xfrm>
+          <a:off x="0" y="0"/>
+          <a:ext cx="0" cy="0"/>
+          <a:chOff x="0" y="0"/>
+          <a:chExt cx="0" cy="0"/>
+        </a:xfrm>
+      </p:grpSpPr>
+      <p:sp>
+        <p:nvSpPr>
+          <p:cNvPr id="2" name="Title 1">
+            <a:extLst>
+              <a:ext uri="{FF2B5EF4-FFF2-40B4-BE49-F238E27FC236}">
+                <a16:creationId xmlns:a16="http://schemas.microsoft.com/office/drawing/2014/main" id="{104CD9A9-4991-3F49-9A1D-88DE5098E030}"/>
+              </a:ext>
+            </a:extLst>
+          </p:cNvPr>
+          <p:cNvSpPr>
+            <a:spLocks noGrp="1"/>
+          </p:cNvSpPr>
+          <p:nvPr>
+            <p:ph type="title"/>
+          </p:nvPr>
+        </p:nvSpPr>
+        <p:spPr/>
+        <p:txBody>
+          <a:bodyPr/>
+          <a:lstStyle/>
+          <a:p>
+            <a:r>
+              <a:rPr lang="en-US" dirty="0"/>
+              <a:t>Recall: Amdahl’s Law</a:t>
+            </a:r>
+          </a:p>
+        </p:txBody>
+      </p:sp>
+      <p:grpSp>
+        <p:nvGrpSpPr>
+          <p:cNvPr id="11" name="Group 10">
+            <a:extLst>
+              <a:ext uri="{FF2B5EF4-FFF2-40B4-BE49-F238E27FC236}">
+                <a16:creationId xmlns:a16="http://schemas.microsoft.com/office/drawing/2014/main" id="{5EE9E795-1AF2-8F4A-90EB-F63A55CA3804}"/>
+              </a:ext>
+            </a:extLst>
+          </p:cNvPr>
+          <p:cNvGrpSpPr/>
+          <p:nvPr/>
+        </p:nvGrpSpPr>
+        <p:grpSpPr>
+          <a:xfrm>
+            <a:off x="2520668" y="2017783"/>
+            <a:ext cx="4102662" cy="1330044"/>
+            <a:chOff x="2257426" y="2775020"/>
+            <a:chExt cx="4102662" cy="1330044"/>
+          </a:xfrm>
+        </p:grpSpPr>
+        <p:sp>
+          <p:nvSpPr>
+            <p:cNvPr id="4" name="TextBox 3">
+              <a:extLst>
+                <a:ext uri="{FF2B5EF4-FFF2-40B4-BE49-F238E27FC236}">
+                  <a16:creationId xmlns:a16="http://schemas.microsoft.com/office/drawing/2014/main" id="{0EE5BF7B-6D98-D54B-A871-FED309D2F8D3}"/>
+                </a:ext>
+              </a:extLst>
+            </p:cNvPr>
+            <p:cNvSpPr txBox="1"/>
+            <p:nvPr/>
+          </p:nvSpPr>
+          <p:spPr>
+            <a:xfrm>
+              <a:off x="2257426" y="3128963"/>
+              <a:ext cx="4102662" cy="707886"/>
+            </a:xfrm>
+            <a:prstGeom prst="rect">
+              <a:avLst/>
+            </a:prstGeom>
+            <a:noFill/>
+          </p:spPr>
+          <p:txBody>
+            <a:bodyPr wrap="none" rtlCol="0">
+              <a:spAutoFit/>
+            </a:bodyPr>
+            <a:lstStyle/>
+            <a:p>
+              <a:r>
+                <a:rPr lang="en-US" sz="4000" dirty="0" err="1"/>
+                <a:t>T</a:t>
+              </a:r>
+              <a:r>
+                <a:rPr lang="en-US" sz="4000" baseline="-25000" dirty="0" err="1"/>
+                <a:t>p</a:t>
+              </a:r>
+              <a:r>
+                <a:rPr lang="en-US" sz="4000" dirty="0"/>
+                <a:t> =                  + T</a:t>
+              </a:r>
+              <a:r>
+                <a:rPr lang="en-US" sz="4000" baseline="-25000" dirty="0"/>
+                <a:t>1</a:t>
+              </a:r>
+              <a:r>
+                <a:rPr lang="en-US" sz="4000" dirty="0"/>
+                <a:t>B</a:t>
+              </a:r>
+              <a:endParaRPr lang="en-US" sz="4000" baseline="-25000" dirty="0"/>
+            </a:p>
+          </p:txBody>
+        </p:sp>
+        <p:sp>
+          <p:nvSpPr>
+            <p:cNvPr id="5" name="TextBox 4">
+              <a:extLst>
+                <a:ext uri="{FF2B5EF4-FFF2-40B4-BE49-F238E27FC236}">
+                  <a16:creationId xmlns:a16="http://schemas.microsoft.com/office/drawing/2014/main" id="{1E2E73E5-596C-844E-8E51-89F5F9E87E9B}"/>
+                </a:ext>
+              </a:extLst>
+            </p:cNvPr>
+            <p:cNvSpPr txBox="1"/>
+            <p:nvPr/>
+          </p:nvSpPr>
+          <p:spPr>
+            <a:xfrm>
+              <a:off x="3357563" y="2775020"/>
+              <a:ext cx="1614545" cy="707886"/>
+            </a:xfrm>
+            <a:prstGeom prst="rect">
+              <a:avLst/>
+            </a:prstGeom>
+            <a:noFill/>
+          </p:spPr>
+          <p:txBody>
+            <a:bodyPr wrap="none" rtlCol="0">
+              <a:spAutoFit/>
+            </a:bodyPr>
+            <a:lstStyle/>
+            <a:p>
+              <a:r>
+                <a:rPr lang="en-US" sz="4000" dirty="0"/>
+                <a:t>T</a:t>
+              </a:r>
+              <a:r>
+                <a:rPr lang="en-US" sz="4000" baseline="-25000" dirty="0"/>
+                <a:t>1</a:t>
+              </a:r>
+              <a:r>
+                <a:rPr lang="en-US" sz="4000" dirty="0"/>
+                <a:t>(1-B)</a:t>
+              </a:r>
+              <a:endParaRPr lang="en-US" sz="4000" baseline="-25000" dirty="0"/>
+            </a:p>
+          </p:txBody>
+        </p:sp>
+        <p:sp>
+          <p:nvSpPr>
+            <p:cNvPr id="6" name="TextBox 5">
+              <a:extLst>
+                <a:ext uri="{FF2B5EF4-FFF2-40B4-BE49-F238E27FC236}">
+                  <a16:creationId xmlns:a16="http://schemas.microsoft.com/office/drawing/2014/main" id="{204C7192-140E-9F42-9AA2-B3D848832DA4}"/>
+                </a:ext>
+              </a:extLst>
+            </p:cNvPr>
+            <p:cNvSpPr txBox="1"/>
+            <p:nvPr/>
+          </p:nvSpPr>
+          <p:spPr>
+            <a:xfrm>
+              <a:off x="3923562" y="3397178"/>
+              <a:ext cx="453970" cy="707886"/>
+            </a:xfrm>
+            <a:prstGeom prst="rect">
+              <a:avLst/>
+            </a:prstGeom>
+            <a:noFill/>
+          </p:spPr>
+          <p:txBody>
+            <a:bodyPr wrap="none" rtlCol="0">
+              <a:spAutoFit/>
+            </a:bodyPr>
+            <a:lstStyle/>
+            <a:p>
+              <a:r>
+                <a:rPr lang="en-US" sz="4000" dirty="0"/>
+                <a:t>p</a:t>
+              </a:r>
+            </a:p>
+          </p:txBody>
+        </p:sp>
+        <p:cxnSp>
+          <p:nvCxnSpPr>
+            <p:cNvPr id="8" name="Straight Connector 7">
+              <a:extLst>
+                <a:ext uri="{FF2B5EF4-FFF2-40B4-BE49-F238E27FC236}">
+                  <a16:creationId xmlns:a16="http://schemas.microsoft.com/office/drawing/2014/main" id="{E38DC3D3-2194-2741-9062-7C7F150D5E07}"/>
+                </a:ext>
+              </a:extLst>
+            </p:cNvPr>
+            <p:cNvCxnSpPr>
+              <a:cxnSpLocks/>
+            </p:cNvCxnSpPr>
+            <p:nvPr/>
+          </p:nvCxnSpPr>
+          <p:spPr>
+            <a:xfrm>
+              <a:off x="3357563" y="3497193"/>
+              <a:ext cx="1614545" cy="0"/>
+            </a:xfrm>
+            <a:prstGeom prst="line">
+              <a:avLst/>
+            </a:prstGeom>
+            <a:ln>
+              <a:solidFill>
+                <a:schemeClr val="tx1"/>
+              </a:solidFill>
+            </a:ln>
+          </p:spPr>
+          <p:style>
+            <a:lnRef idx="2">
+              <a:schemeClr val="accent1"/>
+            </a:lnRef>
+            <a:fillRef idx="0">
+              <a:schemeClr val="accent1"/>
+            </a:fillRef>
+            <a:effectRef idx="1">
+              <a:schemeClr val="accent1"/>
+            </a:effectRef>
+            <a:fontRef idx="minor">
+              <a:schemeClr val="tx1"/>
+            </a:fontRef>
+          </p:style>
+        </p:cxnSp>
+      </p:grpSp>
+      <p:sp>
+        <p:nvSpPr>
+          <p:cNvPr id="10" name="TextBox 9">
+            <a:extLst>
+              <a:ext uri="{FF2B5EF4-FFF2-40B4-BE49-F238E27FC236}">
+                <a16:creationId xmlns:a16="http://schemas.microsoft.com/office/drawing/2014/main" id="{91FB579A-423F-754F-A6EC-CA2AEC0DD5C5}"/>
+              </a:ext>
+            </a:extLst>
+          </p:cNvPr>
+          <p:cNvSpPr txBox="1"/>
+          <p:nvPr/>
+        </p:nvSpPr>
+        <p:spPr>
+          <a:xfrm>
+            <a:off x="1029459" y="4336981"/>
+            <a:ext cx="7085081" cy="1384995"/>
+          </a:xfrm>
+          <a:prstGeom prst="rect">
+            <a:avLst/>
+          </a:prstGeom>
+          <a:noFill/>
+        </p:spPr>
+        <p:txBody>
+          <a:bodyPr wrap="none" rtlCol="0">
+            <a:spAutoFit/>
+          </a:bodyPr>
+          <a:lstStyle/>
+          <a:p>
+            <a:r>
+              <a:rPr lang="en-US" sz="2800" dirty="0" err="1"/>
+              <a:t>T</a:t>
+            </a:r>
+            <a:r>
+              <a:rPr lang="en-US" sz="2800" baseline="-25000" dirty="0" err="1"/>
+              <a:t>p</a:t>
+            </a:r>
+            <a:r>
+              <a:rPr lang="en-US" sz="2800" dirty="0"/>
+              <a:t> = processing time on p processors</a:t>
+            </a:r>
+          </a:p>
+          <a:p>
+            <a:r>
+              <a:rPr lang="en-US" sz="2800" dirty="0"/>
+              <a:t>T</a:t>
+            </a:r>
+            <a:r>
+              <a:rPr lang="en-US" sz="2800" baseline="-25000" dirty="0"/>
+              <a:t>1</a:t>
+            </a:r>
+            <a:r>
+              <a:rPr lang="en-US" sz="2800" dirty="0"/>
+              <a:t> = processing time on 1 processor</a:t>
+            </a:r>
+          </a:p>
+          <a:p>
+            <a:r>
+              <a:rPr lang="en-US" sz="2800" dirty="0"/>
+              <a:t> B = fraction of program that can run in </a:t>
+            </a:r>
+            <a:r>
+              <a:rPr lang="en-US" sz="2800" dirty="0" err="1"/>
+              <a:t>paralllel</a:t>
+            </a:r>
+            <a:endParaRPr lang="en-US" sz="2800" dirty="0"/>
+          </a:p>
+        </p:txBody>
+      </p:sp>
+      <p:sp>
+        <p:nvSpPr>
+          <p:cNvPr id="12" name="TextBox 11">
+            <a:extLst>
+              <a:ext uri="{FF2B5EF4-FFF2-40B4-BE49-F238E27FC236}">
+                <a16:creationId xmlns:a16="http://schemas.microsoft.com/office/drawing/2014/main" id="{5D43B1AD-3ED6-4745-B0AC-7A1511E51085}"/>
+              </a:ext>
+            </a:extLst>
+          </p:cNvPr>
+          <p:cNvSpPr txBox="1"/>
+          <p:nvPr/>
+        </p:nvSpPr>
+        <p:spPr>
+          <a:xfrm>
+            <a:off x="5494495" y="3347827"/>
+            <a:ext cx="1128835" cy="646331"/>
+          </a:xfrm>
+          <a:prstGeom prst="rect">
+            <a:avLst/>
+          </a:prstGeom>
+          <a:noFill/>
+        </p:spPr>
+        <p:txBody>
+          <a:bodyPr wrap="none" rtlCol="0">
+            <a:spAutoFit/>
+          </a:bodyPr>
+          <a:lstStyle/>
+          <a:p>
+            <a:r>
+              <a:rPr lang="en-US" dirty="0"/>
+              <a:t>Time for</a:t>
+            </a:r>
+          </a:p>
+          <a:p>
+            <a:r>
+              <a:rPr lang="en-US" dirty="0"/>
+              <a:t>serial part</a:t>
+            </a:r>
+          </a:p>
+        </p:txBody>
+      </p:sp>
+      <p:sp>
+        <p:nvSpPr>
+          <p:cNvPr id="13" name="TextBox 12">
+            <a:extLst>
+              <a:ext uri="{FF2B5EF4-FFF2-40B4-BE49-F238E27FC236}">
+                <a16:creationId xmlns:a16="http://schemas.microsoft.com/office/drawing/2014/main" id="{DB8CE659-1C71-0A44-836D-F7A56E5F5938}"/>
+              </a:ext>
+            </a:extLst>
+          </p:cNvPr>
+          <p:cNvSpPr txBox="1"/>
+          <p:nvPr/>
+        </p:nvSpPr>
+        <p:spPr>
+          <a:xfrm>
+            <a:off x="3747977" y="3385131"/>
+            <a:ext cx="1319657" cy="646331"/>
+          </a:xfrm>
+          <a:prstGeom prst="rect">
+            <a:avLst/>
+          </a:prstGeom>
+          <a:noFill/>
+        </p:spPr>
+        <p:txBody>
+          <a:bodyPr wrap="none" rtlCol="0">
+            <a:spAutoFit/>
+          </a:bodyPr>
+          <a:lstStyle/>
+          <a:p>
+            <a:r>
+              <a:rPr lang="en-US" dirty="0"/>
+              <a:t>Time for</a:t>
+            </a:r>
+          </a:p>
+          <a:p>
+            <a:r>
+              <a:rPr lang="en-US" dirty="0"/>
+              <a:t>parallel part</a:t>
+            </a:r>
+          </a:p>
+        </p:txBody>
+      </p:sp>
+    </p:spTree>
+    <p:extLst>
+      <p:ext uri="{BB962C8B-B14F-4D97-AF65-F5344CB8AC3E}">
+        <p14:creationId xmlns:p14="http://schemas.microsoft.com/office/powerpoint/2010/main" val="521635561"/>
+      </p:ext>
+    </p:extLst>
+  </p:cSld>
+  <p:clrMapOvr>
+    <a:masterClrMapping/>
+  </p:clrMapOvr>
+</p:sld>
+</file>
+
+<file path=ppt/slides/slide8.xml><?xml version="1.0" encoding="utf-8"?>
+<p:sld xmlns:a="http://schemas.openxmlformats.org/drawingml/2006/main" xmlns:r="http://schemas.openxmlformats.org/officeDocument/2006/relationships" xmlns:p="http://schemas.openxmlformats.org/presentationml/2006/main">
+  <p:cSld>
+    <p:spTree>
+      <p:nvGrpSpPr>
+        <p:cNvPr id="1" name=""/>
+        <p:cNvGrpSpPr/>
+        <p:nvPr/>
+      </p:nvGrpSpPr>
+      <p:grpSpPr>
+        <a:xfrm>
+          <a:off x="0" y="0"/>
+          <a:ext cx="0" cy="0"/>
+          <a:chOff x="0" y="0"/>
+          <a:chExt cx="0" cy="0"/>
+        </a:xfrm>
+      </p:grpSpPr>
+      <p:sp>
+        <p:nvSpPr>
+          <p:cNvPr id="2" name="Title 1"/>
+          <p:cNvSpPr>
+            <a:spLocks noGrp="1"/>
+          </p:cNvSpPr>
+          <p:nvPr>
+            <p:ph type="title"/>
+          </p:nvPr>
+        </p:nvSpPr>
+        <p:spPr>
+          <a:xfrm>
+            <a:off x="457200" y="274638"/>
+            <a:ext cx="8229600" cy="1553018"/>
+          </a:xfrm>
+        </p:spPr>
+        <p:txBody>
+          <a:bodyPr>
+            <a:noAutofit/>
+          </a:bodyPr>
+          <a:lstStyle/>
+          <a:p>
+            <a:r>
+              <a:rPr lang="en-US" sz="3600"/>
+              <a:t>By what factor does the running time of a program that can be 75% parallelized change on 4 equal-sized cores?</a:t>
+            </a:r>
+            <a:endParaRPr lang="en-US" sz="3600" dirty="0"/>
+          </a:p>
+        </p:txBody>
+      </p:sp>
+      <p:sp>
+        <p:nvSpPr>
+          <p:cNvPr id="3" name="Content Placeholder 2"/>
+          <p:cNvSpPr>
+            <a:spLocks noGrp="1"/>
+          </p:cNvSpPr>
+          <p:nvPr>
+            <p:ph idx="1"/>
+          </p:nvPr>
+        </p:nvSpPr>
+        <p:spPr>
+          <a:xfrm>
+            <a:off x="457200" y="2085072"/>
+            <a:ext cx="8229600" cy="4041091"/>
+          </a:xfrm>
+        </p:spPr>
+        <p:txBody>
+          <a:bodyPr/>
+          <a:lstStyle/>
+          <a:p>
+            <a:pPr marL="0" indent="0">
+              <a:spcAft>
+                <a:spcPts val="600"/>
+              </a:spcAft>
+              <a:buNone/>
+            </a:pPr>
+            <a:r>
+              <a:rPr lang="en-US" dirty="0"/>
+              <a:t>Serial part: work / performance = 0.25/0.5 = 0.5</a:t>
+            </a:r>
+          </a:p>
+          <a:p>
+            <a:pPr marL="0" indent="0">
+              <a:spcAft>
+                <a:spcPts val="600"/>
+              </a:spcAft>
+              <a:buNone/>
+            </a:pPr>
+            <a:endParaRPr lang="en-US" dirty="0"/>
+          </a:p>
+          <a:p>
+            <a:pPr marL="0" indent="0">
+              <a:spcAft>
+                <a:spcPts val="600"/>
+              </a:spcAft>
+              <a:buNone/>
+            </a:pPr>
+            <a:r>
+              <a:rPr lang="en-US" dirty="0"/>
+              <a:t>Parallel part: 0.75 / 2 = 0.375</a:t>
+            </a:r>
+          </a:p>
+          <a:p>
+            <a:pPr marL="0" indent="0">
+              <a:spcAft>
+                <a:spcPts val="600"/>
+              </a:spcAft>
+              <a:buNone/>
+            </a:pPr>
+            <a:endParaRPr lang="en-US" dirty="0"/>
+          </a:p>
+          <a:p>
+            <a:pPr marL="0" indent="0">
+              <a:spcAft>
+                <a:spcPts val="600"/>
+              </a:spcAft>
+              <a:buNone/>
+            </a:pPr>
+            <a:r>
+              <a:rPr lang="en-US" dirty="0"/>
+              <a:t>Total time: 0.875 times as long</a:t>
+            </a:r>
+          </a:p>
+        </p:txBody>
+      </p:sp>
+    </p:spTree>
+  </p:cSld>
+  <p:clrMapOvr>
+    <a:masterClrMapping/>
+  </p:clrMapOvr>
+</p:sld>
+</file>
+
+<file path=ppt/slides/slide9.xml><?xml version="1.0" encoding="utf-8"?>
+<p:sld xmlns:a="http://schemas.openxmlformats.org/drawingml/2006/main" xmlns:r="http://schemas.openxmlformats.org/officeDocument/2006/relationships" xmlns:p="http://schemas.openxmlformats.org/presentationml/2006/main">
+  <p:cSld>
+    <p:spTree>
+      <p:nvGrpSpPr>
+        <p:cNvPr id="1" name=""/>
+        <p:cNvGrpSpPr/>
+        <p:nvPr/>
+      </p:nvGrpSpPr>
+      <p:grpSpPr>
+        <a:xfrm>
+          <a:off x="0" y="0"/>
+          <a:ext cx="0" cy="0"/>
+          <a:chOff x="0" y="0"/>
+          <a:chExt cx="0" cy="0"/>
+        </a:xfrm>
+      </p:grpSpPr>
+      <p:sp>
+        <p:nvSpPr>
+          <p:cNvPr id="2" name="Title 1"/>
+          <p:cNvSpPr>
+            <a:spLocks noGrp="1"/>
+          </p:cNvSpPr>
+          <p:nvPr>
+            <p:ph type="title"/>
+          </p:nvPr>
+        </p:nvSpPr>
+        <p:spPr>
+          <a:xfrm>
+            <a:off x="457200" y="274638"/>
+            <a:ext cx="8229600" cy="1553018"/>
+          </a:xfrm>
+        </p:spPr>
+        <p:txBody>
+          <a:bodyPr>
+            <a:noAutofit/>
+          </a:bodyPr>
+          <a:lstStyle/>
+          <a:p>
+            <a:r>
+              <a:rPr lang="en-US" sz="3600" dirty="0"/>
+              <a:t>By what factor does the running time of a program that can be 90% parallelized change on 4 equal-sized cores?</a:t>
+            </a:r>
+          </a:p>
+        </p:txBody>
+      </p:sp>
+      <p:sp>
+        <p:nvSpPr>
+          <p:cNvPr id="3" name="Content Placeholder 2"/>
+          <p:cNvSpPr>
+            <a:spLocks noGrp="1"/>
+          </p:cNvSpPr>
+          <p:nvPr>
+            <p:ph idx="1"/>
+          </p:nvPr>
+        </p:nvSpPr>
+        <p:spPr>
+          <a:xfrm>
+            <a:off x="457200" y="2085072"/>
+            <a:ext cx="8229600" cy="4041091"/>
+          </a:xfrm>
+        </p:spPr>
+        <p:txBody>
+          <a:bodyPr/>
+          <a:lstStyle/>
+          <a:p>
+            <a:pPr marL="0" indent="0">
+              <a:spcAft>
+                <a:spcPts val="600"/>
+              </a:spcAft>
+              <a:buNone/>
+            </a:pPr>
+            <a:r>
+              <a:rPr lang="en-US" dirty="0"/>
+              <a:t>Serial part: work / performance = 0.1/0.5 = 0.2</a:t>
+            </a:r>
+          </a:p>
+          <a:p>
+            <a:pPr marL="0" indent="0">
+              <a:spcAft>
+                <a:spcPts val="600"/>
+              </a:spcAft>
+              <a:buNone/>
+            </a:pPr>
+            <a:endParaRPr lang="en-US" dirty="0"/>
+          </a:p>
+          <a:p>
+            <a:pPr marL="0" indent="0">
+              <a:spcAft>
+                <a:spcPts val="600"/>
+              </a:spcAft>
+              <a:buNone/>
+            </a:pPr>
+            <a:r>
+              <a:rPr lang="en-US" dirty="0"/>
+              <a:t>Parallel part: 0.90 / 2 = 0.45</a:t>
+            </a:r>
+          </a:p>
+          <a:p>
+            <a:pPr marL="0" indent="0">
+              <a:spcAft>
+                <a:spcPts val="600"/>
+              </a:spcAft>
+              <a:buNone/>
+            </a:pPr>
+            <a:endParaRPr lang="en-US" dirty="0"/>
+          </a:p>
+          <a:p>
+            <a:pPr marL="0" indent="0">
+              <a:spcAft>
+                <a:spcPts val="600"/>
+              </a:spcAft>
+              <a:buNone/>
+            </a:pPr>
+            <a:r>
+              <a:rPr lang="en-US" dirty="0"/>
+              <a:t>Total time: 0.65 times as long</a:t>
             </a:r>
           </a:p>
         </p:txBody>

--- a/Fundamentals/pollacks_rule/lecture_slides.pptx
+++ b/Fundamentals/pollacks_rule/lecture_slides.pptx
@@ -223,7 +223,7 @@
           <a:p>
             <a:fld id="{9469DB13-C22C-F442-B7F3-F9EB0490D9DD}" type="datetimeFigureOut">
               <a:rPr lang="en-US" smtClean="0"/>
-              <a:t>7/18/22</a:t>
+              <a:t>7/19/22</a:t>
             </a:fld>
             <a:endParaRPr lang="en-US"/>
           </a:p>
@@ -533,22 +533,22 @@
           <a:p>
             <a:r>
               <a:rPr lang="en-US" dirty="0"/>
-              <a:t>Add slide relating performance and time</a:t>
-            </a:r>
-          </a:p>
-          <a:p>
+              <a:t>Add slide relating performance and time; talk </a:t>
+            </a:r>
+            <a:r>
+              <a:rPr lang="en-US"/>
+              <a:t>about normalizing</a:t>
+            </a:r>
             <a:endParaRPr lang="en-US" dirty="0"/>
           </a:p>
           <a:p>
+            <a:endParaRPr lang="en-US" dirty="0"/>
+          </a:p>
+          <a:p>
             <a:r>
               <a:rPr lang="en-US" dirty="0"/>
-              <a:t>Add notes giving narration </a:t>
-            </a:r>
-            <a:r>
-              <a:rPr lang="en-US"/>
-              <a:t>for each slide</a:t>
-            </a:r>
-            <a:endParaRPr lang="en-US" dirty="0"/>
+              <a:t>Add notes giving narration for each slide</a:t>
+            </a:r>
           </a:p>
         </p:txBody>
       </p:sp>
@@ -1213,7 +1213,7 @@
           <a:p>
             <a:fld id="{E0BDE9C3-A99F-B542-B075-08FB2E26F2F2}" type="datetimeFigureOut">
               <a:rPr lang="en-US" smtClean="0"/>
-              <a:t>7/18/22</a:t>
+              <a:t>7/19/22</a:t>
             </a:fld>
             <a:endParaRPr lang="en-US"/>
           </a:p>
@@ -1376,7 +1376,7 @@
           <a:p>
             <a:fld id="{E0BDE9C3-A99F-B542-B075-08FB2E26F2F2}" type="datetimeFigureOut">
               <a:rPr lang="en-US" smtClean="0"/>
-              <a:t>7/18/22</a:t>
+              <a:t>7/19/22</a:t>
             </a:fld>
             <a:endParaRPr lang="en-US"/>
           </a:p>
@@ -1549,7 +1549,7 @@
           <a:p>
             <a:fld id="{E0BDE9C3-A99F-B542-B075-08FB2E26F2F2}" type="datetimeFigureOut">
               <a:rPr lang="en-US" smtClean="0"/>
-              <a:t>7/18/22</a:t>
+              <a:t>7/19/22</a:t>
             </a:fld>
             <a:endParaRPr lang="en-US"/>
           </a:p>
@@ -1712,7 +1712,7 @@
           <a:p>
             <a:fld id="{E0BDE9C3-A99F-B542-B075-08FB2E26F2F2}" type="datetimeFigureOut">
               <a:rPr lang="en-US" smtClean="0"/>
-              <a:t>7/18/22</a:t>
+              <a:t>7/19/22</a:t>
             </a:fld>
             <a:endParaRPr lang="en-US"/>
           </a:p>
@@ -1952,7 +1952,7 @@
           <a:p>
             <a:fld id="{E0BDE9C3-A99F-B542-B075-08FB2E26F2F2}" type="datetimeFigureOut">
               <a:rPr lang="en-US" smtClean="0"/>
-              <a:t>7/18/22</a:t>
+              <a:t>7/19/22</a:t>
             </a:fld>
             <a:endParaRPr lang="en-US"/>
           </a:p>
@@ -2232,7 +2232,7 @@
           <a:p>
             <a:fld id="{E0BDE9C3-A99F-B542-B075-08FB2E26F2F2}" type="datetimeFigureOut">
               <a:rPr lang="en-US" smtClean="0"/>
-              <a:t>7/18/22</a:t>
+              <a:t>7/19/22</a:t>
             </a:fld>
             <a:endParaRPr lang="en-US"/>
           </a:p>
@@ -2646,7 +2646,7 @@
           <a:p>
             <a:fld id="{E0BDE9C3-A99F-B542-B075-08FB2E26F2F2}" type="datetimeFigureOut">
               <a:rPr lang="en-US" smtClean="0"/>
-              <a:t>7/18/22</a:t>
+              <a:t>7/19/22</a:t>
             </a:fld>
             <a:endParaRPr lang="en-US"/>
           </a:p>
@@ -2758,7 +2758,7 @@
           <a:p>
             <a:fld id="{E0BDE9C3-A99F-B542-B075-08FB2E26F2F2}" type="datetimeFigureOut">
               <a:rPr lang="en-US" smtClean="0"/>
-              <a:t>7/18/22</a:t>
+              <a:t>7/19/22</a:t>
             </a:fld>
             <a:endParaRPr lang="en-US"/>
           </a:p>
@@ -2848,7 +2848,7 @@
           <a:p>
             <a:fld id="{E0BDE9C3-A99F-B542-B075-08FB2E26F2F2}" type="datetimeFigureOut">
               <a:rPr lang="en-US" smtClean="0"/>
-              <a:t>7/18/22</a:t>
+              <a:t>7/19/22</a:t>
             </a:fld>
             <a:endParaRPr lang="en-US"/>
           </a:p>
@@ -3118,7 +3118,7 @@
           <a:p>
             <a:fld id="{E0BDE9C3-A99F-B542-B075-08FB2E26F2F2}" type="datetimeFigureOut">
               <a:rPr lang="en-US" smtClean="0"/>
-              <a:t>7/18/22</a:t>
+              <a:t>7/19/22</a:t>
             </a:fld>
             <a:endParaRPr lang="en-US"/>
           </a:p>
@@ -3365,7 +3365,7 @@
           <a:p>
             <a:fld id="{E0BDE9C3-A99F-B542-B075-08FB2E26F2F2}" type="datetimeFigureOut">
               <a:rPr lang="en-US" smtClean="0"/>
-              <a:t>7/18/22</a:t>
+              <a:t>7/19/22</a:t>
             </a:fld>
             <a:endParaRPr lang="en-US"/>
           </a:p>
@@ -3571,7 +3571,7 @@
           <a:p>
             <a:fld id="{E0BDE9C3-A99F-B542-B075-08FB2E26F2F2}" type="datetimeFigureOut">
               <a:rPr lang="en-US" smtClean="0"/>
-              <a:t>7/18/22</a:t>
+              <a:t>7/19/22</a:t>
             </a:fld>
             <a:endParaRPr lang="en-US"/>
           </a:p>
@@ -8044,13 +8044,8 @@
           <a:p>
             <a:r>
               <a:rPr lang="en-US" sz="2800" dirty="0"/>
-              <a:t> B = fraction of program that can run in </a:t>
-            </a:r>
-            <a:r>
-              <a:rPr lang="en-US" sz="2800" dirty="0" err="1"/>
-              <a:t>paralllel</a:t>
-            </a:r>
-            <a:endParaRPr lang="en-US" sz="2800" dirty="0"/>
+              <a:t> B = fraction of program that can run in parallel</a:t>
+            </a:r>
           </a:p>
         </p:txBody>
       </p:sp>
